--- a/output.pptx
+++ b/output.pptx
@@ -16,7 +16,7 @@
     <p:sldId id="264" r:id="rId15"/>
     <p:sldId id="265" r:id="rId16"/>
   </p:sldIdLst>
-  <p:sldSz cx="8572500" cy="5238750" type="screen4x3"/>
+  <p:sldSz cx="7810500" cy="4572000" type="screen4x3"/>
   <p:notesSz cx="6858000" cy="9144000"/>
   <p:defaultTextStyle>
     <a:defPPr>
@@ -3093,7 +3093,7 @@
     <p:bg>
       <p:bgPr>
         <a:solidFill>
-          <a:srgbClr val="F4F6FB"/>
+          <a:srgbClr val="FFFFFF"/>
         </a:solidFill>
         <a:effectLst/>
       </p:bgPr>
@@ -3114,11 +3114,11 @@
         <p:spPr>
           <a:xfrm>
             <a:off x="0" y="0"/>
-            <a:ext cx="8572500" cy="5238750"/>
+            <a:ext cx="7810500" cy="4572000"/>
           </a:xfrm>
           <a:prstGeom prst="roundRect">
             <a:avLst>
-              <a:gd name="adj" fmla="val 2909"/>
+              <a:gd name="adj" fmla="val 2916"/>
             </a:avLst>
           </a:prstGeom>
           <a:solidFill>
@@ -3159,8 +3159,8 @@
         </p:nvSpPr>
         <p:spPr>
           <a:xfrm>
-            <a:off x="457200" y="981075"/>
-            <a:ext cx="4267200" cy="895350"/>
+            <a:off x="400050" y="304800"/>
+            <a:ext cx="7010400" cy="1714500"/>
           </a:xfrm>
           <a:prstGeom prst="rect">
             <a:avLst/>
@@ -3197,14 +3197,190 @@
       </p:sp>
       <p:sp>
         <p:nvSpPr>
-          <p:cNvPr id="4" name="TextBox 3"/>
+          <p:cNvPr id="4" name="Rectangle 3"/>
+          <p:cNvSpPr/>
+          <p:nvPr/>
+        </p:nvSpPr>
+        <p:spPr>
+          <a:xfrm>
+            <a:off x="400050" y="304800"/>
+            <a:ext cx="5848350" cy="1714500"/>
+          </a:xfrm>
+          <a:prstGeom prst="rect">
+            <a:avLst/>
+          </a:prstGeom>
+          <a:solidFill>
+            <a:srgbClr val="FFFFFF"/>
+          </a:solidFill>
+          <a:ln>
+            <a:noFill/>
+          </a:ln>
+          <a:effectLst/>
+        </p:spPr>
+        <p:style>
+          <a:lnRef idx="1">
+            <a:schemeClr val="accent1"/>
+          </a:lnRef>
+          <a:fillRef idx="3">
+            <a:schemeClr val="accent1"/>
+          </a:fillRef>
+          <a:effectRef idx="2">
+            <a:schemeClr val="accent1"/>
+          </a:effectRef>
+          <a:fontRef idx="minor">
+            <a:schemeClr val="lt1"/>
+          </a:fontRef>
+        </p:style>
+        <p:txBody>
+          <a:bodyPr rtlCol="0" anchor="ctr"/>
+          <a:lstStyle/>
+          <a:p>
+            <a:pPr algn="ctr"/>
+          </a:p>
+        </p:txBody>
+      </p:sp>
+      <p:sp>
+        <p:nvSpPr>
+          <p:cNvPr id="5" name="Rectangle 4"/>
+          <p:cNvSpPr/>
+          <p:nvPr/>
+        </p:nvSpPr>
+        <p:spPr>
+          <a:xfrm>
+            <a:off x="6248400" y="704850"/>
+            <a:ext cx="1162050" cy="914400"/>
+          </a:xfrm>
+          <a:prstGeom prst="rect">
+            <a:avLst/>
+          </a:prstGeom>
+          <a:solidFill>
+            <a:srgbClr val="FFFFFF"/>
+          </a:solidFill>
+          <a:ln>
+            <a:noFill/>
+          </a:ln>
+          <a:effectLst/>
+        </p:spPr>
+        <p:style>
+          <a:lnRef idx="1">
+            <a:schemeClr val="accent1"/>
+          </a:lnRef>
+          <a:fillRef idx="3">
+            <a:schemeClr val="accent1"/>
+          </a:fillRef>
+          <a:effectRef idx="2">
+            <a:schemeClr val="accent1"/>
+          </a:effectRef>
+          <a:fontRef idx="minor">
+            <a:schemeClr val="lt1"/>
+          </a:fontRef>
+        </p:style>
+        <p:txBody>
+          <a:bodyPr rtlCol="0" anchor="ctr"/>
+          <a:lstStyle/>
+          <a:p>
+            <a:pPr algn="ctr"/>
+          </a:p>
+        </p:txBody>
+      </p:sp>
+      <p:sp>
+        <p:nvSpPr>
+          <p:cNvPr id="6" name="Rectangle 5"/>
+          <p:cNvSpPr/>
+          <p:nvPr/>
+        </p:nvSpPr>
+        <p:spPr>
+          <a:xfrm>
+            <a:off x="400050" y="3143250"/>
+            <a:ext cx="7010400" cy="710184"/>
+          </a:xfrm>
+          <a:prstGeom prst="rect">
+            <a:avLst/>
+          </a:prstGeom>
+          <a:solidFill>
+            <a:srgbClr val="FFFFFF"/>
+          </a:solidFill>
+          <a:ln>
+            <a:noFill/>
+          </a:ln>
+          <a:effectLst/>
+        </p:spPr>
+        <p:style>
+          <a:lnRef idx="1">
+            <a:schemeClr val="accent1"/>
+          </a:lnRef>
+          <a:fillRef idx="3">
+            <a:schemeClr val="accent1"/>
+          </a:fillRef>
+          <a:effectRef idx="2">
+            <a:schemeClr val="accent1"/>
+          </a:effectRef>
+          <a:fontRef idx="minor">
+            <a:schemeClr val="lt1"/>
+          </a:fontRef>
+        </p:style>
+        <p:txBody>
+          <a:bodyPr rtlCol="0" anchor="ctr"/>
+          <a:lstStyle/>
+          <a:p>
+            <a:pPr algn="ctr"/>
+          </a:p>
+        </p:txBody>
+      </p:sp>
+      <p:sp>
+        <p:nvSpPr>
+          <p:cNvPr id="7" name="Rectangle 6"/>
+          <p:cNvSpPr/>
+          <p:nvPr/>
+        </p:nvSpPr>
+        <p:spPr>
+          <a:xfrm>
+            <a:off x="628650" y="3219450"/>
+            <a:ext cx="6781800" cy="561975"/>
+          </a:xfrm>
+          <a:prstGeom prst="rect">
+            <a:avLst/>
+          </a:prstGeom>
+          <a:solidFill>
+            <a:srgbClr val="FFFFFF"/>
+          </a:solidFill>
+          <a:ln>
+            <a:noFill/>
+          </a:ln>
+          <a:effectLst/>
+        </p:spPr>
+        <p:style>
+          <a:lnRef idx="1">
+            <a:schemeClr val="accent1"/>
+          </a:lnRef>
+          <a:fillRef idx="3">
+            <a:schemeClr val="accent1"/>
+          </a:fillRef>
+          <a:effectRef idx="2">
+            <a:schemeClr val="accent1"/>
+          </a:effectRef>
+          <a:fontRef idx="minor">
+            <a:schemeClr val="lt1"/>
+          </a:fontRef>
+        </p:style>
+        <p:txBody>
+          <a:bodyPr rtlCol="0" anchor="ctr"/>
+          <a:lstStyle/>
+          <a:p>
+            <a:pPr algn="ctr"/>
+          </a:p>
+        </p:txBody>
+      </p:sp>
+      <p:sp>
+        <p:nvSpPr>
+          <p:cNvPr id="8" name="TextBox 7"/>
           <p:cNvSpPr txBox="1"/>
           <p:nvPr/>
         </p:nvSpPr>
         <p:spPr>
           <a:xfrm>
-            <a:off x="457200" y="981075"/>
-            <a:ext cx="4267200" cy="895350"/>
+            <a:off x="628650" y="3219450"/>
+            <a:ext cx="6781800" cy="561975"/>
           </a:xfrm>
           <a:prstGeom prst="rect">
             <a:avLst/>
@@ -3216,27 +3392,504 @@
           <a:effectLst/>
         </p:spPr>
         <p:txBody>
-          <a:bodyPr wrap="square" anchor="ctr" lIns="0" rIns="0" tIns="0" bIns="0">
+          <a:bodyPr wrap="square" anchor="t" lIns="381000" rIns="0" tIns="0" bIns="0">
             <a:spAutoFit/>
           </a:bodyPr>
           <a:lstStyle/>
           <a:p>
+            <a:pPr>
+              <a:lnSpc>
+                <a:spcPct val="115000"/>
+              </a:lnSpc>
+              <a:spcAft>
+                <a:spcPts val="0"/>
+              </a:spcAft>
+            </a:pPr>
+            <a:r>
+              <a:rPr sz="1300">
+                <a:solidFill>
+                  <a:srgbClr val="232D3B"/>
+                </a:solidFill>
+                <a:latin typeface="Arial"/>
+              </a:rPr>
+              <a:t>• </a:t>
+            </a:r>
+            <a:r>
+              <a:rPr sz="1300" b="0" i="0">
+                <a:solidFill>
+                  <a:srgbClr val="232D3B"/>
+                </a:solidFill>
+                <a:latin typeface="Segoe UI"/>
+              </a:rPr>
+              <a:t>Key for risk management, speculation, and market liquidity</a:t>
+            </a:r>
+          </a:p>
+          <a:p>
+            <a:pPr>
+              <a:lnSpc>
+                <a:spcPct val="115000"/>
+              </a:lnSpc>
+              <a:spcAft>
+                <a:spcPts val="0"/>
+              </a:spcAft>
+            </a:pPr>
+            <a:r>
+              <a:rPr sz="1300">
+                <a:solidFill>
+                  <a:srgbClr val="232D3B"/>
+                </a:solidFill>
+                <a:latin typeface="Arial"/>
+              </a:rPr>
+              <a:t>• </a:t>
+            </a:r>
+            <a:r>
+              <a:rPr sz="1300" b="0" i="0">
+                <a:solidFill>
+                  <a:srgbClr val="232D3B"/>
+                </a:solidFill>
+                <a:latin typeface="Segoe UI"/>
+              </a:rPr>
+              <a:t>Widely used in public securities, futures, and currency markets</a:t>
+            </a:r>
+          </a:p>
+        </p:txBody>
+      </p:sp>
+      <p:sp>
+        <p:nvSpPr>
+          <p:cNvPr id="9" name="Rectangle 8"/>
+          <p:cNvSpPr/>
+          <p:nvPr/>
+        </p:nvSpPr>
+        <p:spPr>
+          <a:xfrm>
+            <a:off x="400050" y="304800"/>
+            <a:ext cx="5848350" cy="971550"/>
+          </a:xfrm>
+          <a:prstGeom prst="rect">
+            <a:avLst/>
+          </a:prstGeom>
+          <a:solidFill>
+            <a:srgbClr val="FFFFFF"/>
+          </a:solidFill>
+          <a:ln>
+            <a:noFill/>
+          </a:ln>
+          <a:effectLst/>
+        </p:spPr>
+        <p:style>
+          <a:lnRef idx="1">
+            <a:schemeClr val="accent1"/>
+          </a:lnRef>
+          <a:fillRef idx="3">
+            <a:schemeClr val="accent1"/>
+          </a:fillRef>
+          <a:effectRef idx="2">
+            <a:schemeClr val="accent1"/>
+          </a:effectRef>
+          <a:fontRef idx="minor">
+            <a:schemeClr val="lt1"/>
+          </a:fontRef>
+        </p:style>
+        <p:txBody>
+          <a:bodyPr rtlCol="0" anchor="ctr"/>
+          <a:lstStyle/>
+          <a:p>
+            <a:pPr algn="ctr"/>
+          </a:p>
+        </p:txBody>
+      </p:sp>
+      <p:sp>
+        <p:nvSpPr>
+          <p:cNvPr id="10" name="TextBox 9"/>
+          <p:cNvSpPr txBox="1"/>
+          <p:nvPr/>
+        </p:nvSpPr>
+        <p:spPr>
+          <a:xfrm>
+            <a:off x="400050" y="304800"/>
+            <a:ext cx="5848350" cy="971550"/>
+          </a:xfrm>
+          <a:prstGeom prst="rect">
+            <a:avLst/>
+          </a:prstGeom>
+          <a:noFill/>
+          <a:ln>
+            <a:noFill/>
+          </a:ln>
+          <a:effectLst/>
+        </p:spPr>
+        <p:txBody>
+          <a:bodyPr wrap="square" anchor="t" lIns="0" rIns="0" tIns="0" bIns="0">
+            <a:spAutoFit/>
+          </a:bodyPr>
+          <a:lstStyle/>
+          <a:p>
             <a:pPr algn="l"/>
             <a:r>
-              <a:rPr sz="2600" b="1" i="0">
-                <a:solidFill>
-                  <a:srgbClr val="26345C"/>
+              <a:rPr sz="2800" b="1" i="0">
+                <a:solidFill>
+                  <a:srgbClr val="14233A"/>
                 </a:solidFill>
                 <a:latin typeface="Segoe UI"/>
               </a:rPr>
               <a:t>Understanding Short Selling in Finance</a:t>
+            </a:r>
+          </a:p>
+        </p:txBody>
+      </p:sp>
+      <p:sp>
+        <p:nvSpPr>
+          <p:cNvPr id="11" name="Rectangle 10"/>
+          <p:cNvSpPr/>
+          <p:nvPr/>
+        </p:nvSpPr>
+        <p:spPr>
+          <a:xfrm>
+            <a:off x="400050" y="1352550"/>
+            <a:ext cx="5848350" cy="495300"/>
+          </a:xfrm>
+          <a:prstGeom prst="rect">
+            <a:avLst/>
+          </a:prstGeom>
+          <a:solidFill>
+            <a:srgbClr val="FFFFFF"/>
+          </a:solidFill>
+          <a:ln>
+            <a:noFill/>
+          </a:ln>
+          <a:effectLst/>
+        </p:spPr>
+        <p:style>
+          <a:lnRef idx="1">
+            <a:schemeClr val="accent1"/>
+          </a:lnRef>
+          <a:fillRef idx="3">
+            <a:schemeClr val="accent1"/>
+          </a:fillRef>
+          <a:effectRef idx="2">
+            <a:schemeClr val="accent1"/>
+          </a:effectRef>
+          <a:fontRef idx="minor">
+            <a:schemeClr val="lt1"/>
+          </a:fontRef>
+        </p:style>
+        <p:txBody>
+          <a:bodyPr rtlCol="0" anchor="ctr"/>
+          <a:lstStyle/>
+          <a:p>
+            <a:pPr algn="ctr"/>
+          </a:p>
+        </p:txBody>
+      </p:sp>
+      <p:sp>
+        <p:nvSpPr>
+          <p:cNvPr id="12" name="TextBox 11"/>
+          <p:cNvSpPr txBox="1"/>
+          <p:nvPr/>
+        </p:nvSpPr>
+        <p:spPr>
+          <a:xfrm>
+            <a:off x="400050" y="1352550"/>
+            <a:ext cx="5848350" cy="495300"/>
+          </a:xfrm>
+          <a:prstGeom prst="rect">
+            <a:avLst/>
+          </a:prstGeom>
+          <a:noFill/>
+          <a:ln>
+            <a:noFill/>
+          </a:ln>
+          <a:effectLst/>
+        </p:spPr>
+        <p:txBody>
+          <a:bodyPr wrap="square" anchor="t" lIns="0" rIns="0" tIns="0" bIns="0">
+            <a:spAutoFit/>
+          </a:bodyPr>
+          <a:lstStyle/>
+          <a:p>
+            <a:pPr algn="l"/>
+            <a:r>
+              <a:rPr sz="1400" b="0" i="0">
+                <a:solidFill>
+                  <a:srgbClr val="5374A2"/>
+                </a:solidFill>
+                <a:latin typeface="Segoe UI"/>
+              </a:rPr>
+              <a:t>A Consulting Perspective on Short Positions, Mechanics, and Market Impact</a:t>
+            </a:r>
+          </a:p>
+        </p:txBody>
+      </p:sp>
+      <p:sp>
+        <p:nvSpPr>
+          <p:cNvPr id="13" name="Rounded Rectangle 12"/>
+          <p:cNvSpPr/>
+          <p:nvPr/>
+        </p:nvSpPr>
+        <p:spPr>
+          <a:xfrm>
+            <a:off x="400050" y="2286000"/>
+            <a:ext cx="7010400" cy="666750"/>
+          </a:xfrm>
+          <a:prstGeom prst="roundRect">
+            <a:avLst>
+              <a:gd name="adj" fmla="val 10000"/>
+            </a:avLst>
+          </a:prstGeom>
+          <a:solidFill>
+            <a:srgbClr val="F4F7FA"/>
+          </a:solidFill>
+          <a:ln>
+            <a:noFill/>
+          </a:ln>
+          <a:effectLst/>
+        </p:spPr>
+        <p:style>
+          <a:lnRef idx="1">
+            <a:schemeClr val="accent1"/>
+          </a:lnRef>
+          <a:fillRef idx="3">
+            <a:schemeClr val="accent1"/>
+          </a:fillRef>
+          <a:effectRef idx="2">
+            <a:schemeClr val="accent1"/>
+          </a:effectRef>
+          <a:fontRef idx="minor">
+            <a:schemeClr val="lt1"/>
+          </a:fontRef>
+        </p:style>
+        <p:txBody>
+          <a:bodyPr rtlCol="0" anchor="ctr"/>
+          <a:lstStyle/>
+          <a:p>
+            <a:pPr algn="ctr"/>
+          </a:p>
+        </p:txBody>
+      </p:sp>
+      <p:sp>
+        <p:nvSpPr>
+          <p:cNvPr id="14" name="Rectangle 13"/>
+          <p:cNvSpPr/>
+          <p:nvPr/>
+        </p:nvSpPr>
+        <p:spPr>
+          <a:xfrm>
+            <a:off x="400050" y="2286000"/>
+            <a:ext cx="47625" cy="666750"/>
+          </a:xfrm>
+          <a:prstGeom prst="rect">
+            <a:avLst/>
+          </a:prstGeom>
+          <a:solidFill>
+            <a:srgbClr val="1D5DBF"/>
+          </a:solidFill>
+          <a:ln>
+            <a:noFill/>
+          </a:ln>
+          <a:effectLst/>
+        </p:spPr>
+        <p:style>
+          <a:lnRef idx="1">
+            <a:schemeClr val="accent1"/>
+          </a:lnRef>
+          <a:fillRef idx="3">
+            <a:schemeClr val="accent1"/>
+          </a:fillRef>
+          <a:effectRef idx="2">
+            <a:schemeClr val="accent1"/>
+          </a:effectRef>
+          <a:fontRef idx="minor">
+            <a:schemeClr val="lt1"/>
+          </a:fontRef>
+        </p:style>
+        <p:txBody>
+          <a:bodyPr rtlCol="0" anchor="ctr"/>
+          <a:lstStyle/>
+          <a:p>
+            <a:pPr algn="ctr"/>
+          </a:p>
+        </p:txBody>
+      </p:sp>
+      <p:sp>
+        <p:nvSpPr>
+          <p:cNvPr id="15" name="TextBox 14"/>
+          <p:cNvSpPr txBox="1"/>
+          <p:nvPr/>
+        </p:nvSpPr>
+        <p:spPr>
+          <a:xfrm>
+            <a:off x="400050" y="2286000"/>
+            <a:ext cx="7010400" cy="666750"/>
+          </a:xfrm>
+          <a:prstGeom prst="rect">
+            <a:avLst/>
+          </a:prstGeom>
+          <a:noFill/>
+          <a:ln>
+            <a:noFill/>
+          </a:ln>
+          <a:effectLst/>
+        </p:spPr>
+        <p:txBody>
+          <a:bodyPr wrap="square" anchor="ctr" lIns="171450" rIns="171450" tIns="133350" bIns="133350">
+            <a:spAutoFit/>
+          </a:bodyPr>
+          <a:lstStyle/>
+          <a:p>
+            <a:pPr algn="l"/>
+            <a:r>
+              <a:rPr sz="1200" b="1" i="0">
+                <a:solidFill>
+                  <a:srgbClr val="1D5DBF"/>
+                </a:solidFill>
+                <a:latin typeface="Segoe UI"/>
+              </a:rPr>
+              <a:t>Short selling</a:t>
+            </a:r>
+            <a:r>
+              <a:rPr sz="1200" b="0" i="0">
+                <a:solidFill>
+                  <a:srgbClr val="193459"/>
+                </a:solidFill>
+                <a:latin typeface="Segoe UI"/>
+              </a:rPr>
+              <a:t> is a fundamental market strategy allowing investors to benefit from falling asset prices.</a:t>
+            </a:r>
+          </a:p>
+        </p:txBody>
+      </p:sp>
+      <p:sp>
+        <p:nvSpPr>
+          <p:cNvPr id="16" name="Rounded Rectangle 15"/>
+          <p:cNvSpPr/>
+          <p:nvPr/>
+        </p:nvSpPr>
+        <p:spPr>
+          <a:xfrm>
+            <a:off x="400050" y="3929634"/>
+            <a:ext cx="7010400" cy="390525"/>
+          </a:xfrm>
+          <a:prstGeom prst="roundRect">
+            <a:avLst>
+              <a:gd name="adj" fmla="val 14634"/>
+            </a:avLst>
+          </a:prstGeom>
+          <a:solidFill>
+            <a:srgbClr val="FFF8E1"/>
+          </a:solidFill>
+          <a:ln>
+            <a:noFill/>
+          </a:ln>
+          <a:effectLst/>
+        </p:spPr>
+        <p:style>
+          <a:lnRef idx="1">
+            <a:schemeClr val="accent1"/>
+          </a:lnRef>
+          <a:fillRef idx="3">
+            <a:schemeClr val="accent1"/>
+          </a:fillRef>
+          <a:effectRef idx="2">
+            <a:schemeClr val="accent1"/>
+          </a:effectRef>
+          <a:fontRef idx="minor">
+            <a:schemeClr val="lt1"/>
+          </a:fontRef>
+        </p:style>
+        <p:txBody>
+          <a:bodyPr rtlCol="0" anchor="ctr"/>
+          <a:lstStyle/>
+          <a:p>
+            <a:pPr algn="ctr"/>
+          </a:p>
+        </p:txBody>
+      </p:sp>
+      <p:sp>
+        <p:nvSpPr>
+          <p:cNvPr id="17" name="Rectangle 16"/>
+          <p:cNvSpPr/>
+          <p:nvPr/>
+        </p:nvSpPr>
+        <p:spPr>
+          <a:xfrm>
+            <a:off x="400050" y="3929634"/>
+            <a:ext cx="38100" cy="390525"/>
+          </a:xfrm>
+          <a:prstGeom prst="rect">
+            <a:avLst/>
+          </a:prstGeom>
+          <a:solidFill>
+            <a:srgbClr val="FFD54F"/>
+          </a:solidFill>
+          <a:ln>
+            <a:noFill/>
+          </a:ln>
+          <a:effectLst/>
+        </p:spPr>
+        <p:style>
+          <a:lnRef idx="1">
+            <a:schemeClr val="accent1"/>
+          </a:lnRef>
+          <a:fillRef idx="3">
+            <a:schemeClr val="accent1"/>
+          </a:fillRef>
+          <a:effectRef idx="2">
+            <a:schemeClr val="accent1"/>
+          </a:effectRef>
+          <a:fontRef idx="minor">
+            <a:schemeClr val="lt1"/>
+          </a:fontRef>
+        </p:style>
+        <p:txBody>
+          <a:bodyPr rtlCol="0" anchor="ctr"/>
+          <a:lstStyle/>
+          <a:p>
+            <a:pPr algn="ctr"/>
+          </a:p>
+        </p:txBody>
+      </p:sp>
+      <p:sp>
+        <p:nvSpPr>
+          <p:cNvPr id="18" name="TextBox 17"/>
+          <p:cNvSpPr txBox="1"/>
+          <p:nvPr/>
+        </p:nvSpPr>
+        <p:spPr>
+          <a:xfrm>
+            <a:off x="400050" y="3929634"/>
+            <a:ext cx="7010400" cy="390525"/>
+          </a:xfrm>
+          <a:prstGeom prst="rect">
+            <a:avLst/>
+          </a:prstGeom>
+          <a:noFill/>
+          <a:ln>
+            <a:noFill/>
+          </a:ln>
+          <a:effectLst/>
+        </p:spPr>
+        <p:txBody>
+          <a:bodyPr wrap="square" anchor="ctr" lIns="133350" rIns="133350" tIns="95250" bIns="95250">
+            <a:spAutoFit/>
+          </a:bodyPr>
+          <a:lstStyle/>
+          <a:p>
+            <a:pPr algn="l"/>
+            <a:r>
+              <a:rPr sz="1100" b="0" i="0">
+                <a:solidFill>
+                  <a:srgbClr val="8A6D1A"/>
+                </a:solidFill>
+                <a:latin typeface="Segoe UI"/>
+              </a:rPr>
+              <a:t>This presentation explores the mechanics, purposes, and implications of short positions.</a:t>
             </a:r>
           </a:p>
         </p:txBody>
       </p:sp>
       <p:pic>
         <p:nvPicPr>
-          <p:cNvPr id="5" name="Picture 4" descr="temp_rounded.png"/>
+          <p:cNvPr id="19" name="Picture 18" descr="temp_rounded.png"/>
           <p:cNvPicPr>
             <a:picLocks noChangeAspect="1"/>
           </p:cNvPicPr>
@@ -3250,8 +3903,8 @@
         </p:blipFill>
         <p:spPr>
           <a:xfrm>
-            <a:off x="5067300" y="1600200"/>
-            <a:ext cx="3048000" cy="2038350"/>
+            <a:off x="6248400" y="704850"/>
+            <a:ext cx="1162050" cy="876300"/>
           </a:xfrm>
           <a:prstGeom prst="rect">
             <a:avLst/>
@@ -3259,301 +3912,6 @@
           <a:effectLst/>
         </p:spPr>
       </p:pic>
-      <p:sp>
-        <p:nvSpPr>
-          <p:cNvPr id="6" name="Rounded Rectangle 5"/>
-          <p:cNvSpPr/>
-          <p:nvPr/>
-        </p:nvSpPr>
-        <p:spPr>
-          <a:xfrm>
-            <a:off x="457200" y="2028825"/>
-            <a:ext cx="4267200" cy="828675"/>
-          </a:xfrm>
-          <a:prstGeom prst="roundRect">
-            <a:avLst>
-              <a:gd name="adj" fmla="val 9195"/>
-            </a:avLst>
-          </a:prstGeom>
-          <a:solidFill>
-            <a:srgbClr val="E9ECF6"/>
-          </a:solidFill>
-          <a:ln>
-            <a:noFill/>
-          </a:ln>
-          <a:effectLst/>
-        </p:spPr>
-        <p:style>
-          <a:lnRef idx="1">
-            <a:schemeClr val="accent1"/>
-          </a:lnRef>
-          <a:fillRef idx="3">
-            <a:schemeClr val="accent1"/>
-          </a:fillRef>
-          <a:effectRef idx="2">
-            <a:schemeClr val="accent1"/>
-          </a:effectRef>
-          <a:fontRef idx="minor">
-            <a:schemeClr val="lt1"/>
-          </a:fontRef>
-        </p:style>
-        <p:txBody>
-          <a:bodyPr rtlCol="0" anchor="ctr"/>
-          <a:lstStyle/>
-          <a:p>
-            <a:pPr algn="ctr"/>
-          </a:p>
-        </p:txBody>
-      </p:sp>
-      <p:sp>
-        <p:nvSpPr>
-          <p:cNvPr id="7" name="Rounded Rectangle 6"/>
-          <p:cNvSpPr/>
-          <p:nvPr/>
-        </p:nvSpPr>
-        <p:spPr>
-          <a:xfrm>
-            <a:off x="457200" y="2028825"/>
-            <a:ext cx="47625" cy="828675"/>
-          </a:xfrm>
-          <a:prstGeom prst="roundRect">
-            <a:avLst>
-              <a:gd name="adj" fmla="val 50000"/>
-            </a:avLst>
-          </a:prstGeom>
-          <a:solidFill>
-            <a:srgbClr val="587EF4"/>
-          </a:solidFill>
-          <a:ln>
-            <a:noFill/>
-          </a:ln>
-          <a:effectLst/>
-        </p:spPr>
-        <p:style>
-          <a:lnRef idx="1">
-            <a:schemeClr val="accent1"/>
-          </a:lnRef>
-          <a:fillRef idx="3">
-            <a:schemeClr val="accent1"/>
-          </a:fillRef>
-          <a:effectRef idx="2">
-            <a:schemeClr val="accent1"/>
-          </a:effectRef>
-          <a:fontRef idx="minor">
-            <a:schemeClr val="lt1"/>
-          </a:fontRef>
-        </p:style>
-        <p:txBody>
-          <a:bodyPr rtlCol="0" anchor="ctr"/>
-          <a:lstStyle/>
-          <a:p>
-            <a:pPr algn="ctr"/>
-          </a:p>
-        </p:txBody>
-      </p:sp>
-      <p:sp>
-        <p:nvSpPr>
-          <p:cNvPr id="8" name="TextBox 7"/>
-          <p:cNvSpPr txBox="1"/>
-          <p:nvPr/>
-        </p:nvSpPr>
-        <p:spPr>
-          <a:xfrm>
-            <a:off x="457200" y="2028825"/>
-            <a:ext cx="4267200" cy="828675"/>
-          </a:xfrm>
-          <a:prstGeom prst="rect">
-            <a:avLst/>
-          </a:prstGeom>
-          <a:noFill/>
-          <a:ln>
-            <a:noFill/>
-          </a:ln>
-          <a:effectLst/>
-        </p:spPr>
-        <p:txBody>
-          <a:bodyPr wrap="square" anchor="ctr" lIns="171450" rIns="171450" tIns="114300" bIns="114300">
-            <a:spAutoFit/>
-          </a:bodyPr>
-          <a:lstStyle/>
-          <a:p>
-            <a:pPr algn="l"/>
-            <a:r>
-              <a:rPr sz="1200" b="1" i="0">
-                <a:solidFill>
-                  <a:srgbClr val="26345C"/>
-                </a:solidFill>
-                <a:latin typeface="Segoe UI"/>
-              </a:rPr>
-              <a:t>Short selling</a:t>
-            </a:r>
-            <a:r>
-              <a:rPr sz="1200" b="0" i="0">
-                <a:solidFill>
-                  <a:srgbClr val="26345C"/>
-                </a:solidFill>
-                <a:latin typeface="Segoe UI"/>
-              </a:rPr>
-              <a:t> is a fundamental concept in modern financial markets, allowing investors to profit from price declines and manage risks.</a:t>
-            </a:r>
-          </a:p>
-        </p:txBody>
-      </p:sp>
-      <p:sp>
-        <p:nvSpPr>
-          <p:cNvPr id="9" name="Rectangle 8"/>
-          <p:cNvSpPr/>
-          <p:nvPr/>
-        </p:nvSpPr>
-        <p:spPr>
-          <a:xfrm>
-            <a:off x="457200" y="3028950"/>
-            <a:ext cx="4267200" cy="1076325"/>
-          </a:xfrm>
-          <a:prstGeom prst="rect">
-            <a:avLst/>
-          </a:prstGeom>
-          <a:solidFill>
-            <a:srgbClr val="FFFFFF"/>
-          </a:solidFill>
-          <a:ln>
-            <a:noFill/>
-          </a:ln>
-          <a:effectLst/>
-        </p:spPr>
-        <p:style>
-          <a:lnRef idx="1">
-            <a:schemeClr val="accent1"/>
-          </a:lnRef>
-          <a:fillRef idx="3">
-            <a:schemeClr val="accent1"/>
-          </a:fillRef>
-          <a:effectRef idx="2">
-            <a:schemeClr val="accent1"/>
-          </a:effectRef>
-          <a:fontRef idx="minor">
-            <a:schemeClr val="lt1"/>
-          </a:fontRef>
-        </p:style>
-        <p:txBody>
-          <a:bodyPr rtlCol="0" anchor="ctr"/>
-          <a:lstStyle/>
-          <a:p>
-            <a:pPr algn="ctr"/>
-          </a:p>
-        </p:txBody>
-      </p:sp>
-      <p:sp>
-        <p:nvSpPr>
-          <p:cNvPr id="10" name="TextBox 9"/>
-          <p:cNvSpPr txBox="1"/>
-          <p:nvPr/>
-        </p:nvSpPr>
-        <p:spPr>
-          <a:xfrm>
-            <a:off x="457200" y="3028950"/>
-            <a:ext cx="4267200" cy="1076325"/>
-          </a:xfrm>
-          <a:prstGeom prst="rect">
-            <a:avLst/>
-          </a:prstGeom>
-          <a:noFill/>
-          <a:ln>
-            <a:noFill/>
-          </a:ln>
-          <a:effectLst/>
-        </p:spPr>
-        <p:txBody>
-          <a:bodyPr wrap="square" anchor="t" lIns="190500" rIns="0" tIns="0" bIns="0">
-            <a:spAutoFit/>
-          </a:bodyPr>
-          <a:lstStyle/>
-          <a:p>
-            <a:pPr>
-              <a:lnSpc>
-                <a:spcPct val="115000"/>
-              </a:lnSpc>
-              <a:spcAft>
-                <a:spcPts val="862"/>
-              </a:spcAft>
-            </a:pPr>
-            <a:r>
-              <a:rPr sz="1200">
-                <a:solidFill>
-                  <a:srgbClr val="384276"/>
-                </a:solidFill>
-                <a:latin typeface="Arial"/>
-              </a:rPr>
-              <a:t>• </a:t>
-            </a:r>
-            <a:r>
-              <a:rPr sz="1200" b="0" i="0">
-                <a:solidFill>
-                  <a:srgbClr val="384276"/>
-                </a:solidFill>
-                <a:latin typeface="Segoe UI"/>
-              </a:rPr>
-              <a:t>Profiting from asset price drops</a:t>
-            </a:r>
-          </a:p>
-          <a:p>
-            <a:pPr>
-              <a:lnSpc>
-                <a:spcPct val="115000"/>
-              </a:lnSpc>
-              <a:spcAft>
-                <a:spcPts val="862"/>
-              </a:spcAft>
-            </a:pPr>
-            <a:r>
-              <a:rPr sz="1200">
-                <a:solidFill>
-                  <a:srgbClr val="384276"/>
-                </a:solidFill>
-                <a:latin typeface="Arial"/>
-              </a:rPr>
-              <a:t>• </a:t>
-            </a:r>
-            <a:r>
-              <a:rPr sz="1200" b="0" i="0">
-                <a:solidFill>
-                  <a:srgbClr val="384276"/>
-                </a:solidFill>
-                <a:latin typeface="Segoe UI"/>
-              </a:rPr>
-              <a:t>Key in hedging and speculation strategies</a:t>
-            </a:r>
-          </a:p>
-          <a:p>
-            <a:pPr>
-              <a:lnSpc>
-                <a:spcPct val="115000"/>
-              </a:lnSpc>
-              <a:spcAft>
-                <a:spcPts val="862"/>
-              </a:spcAft>
-            </a:pPr>
-            <a:r>
-              <a:rPr sz="1200">
-                <a:solidFill>
-                  <a:srgbClr val="384276"/>
-                </a:solidFill>
-                <a:latin typeface="Arial"/>
-              </a:rPr>
-              <a:t>• </a:t>
-            </a:r>
-            <a:r>
-              <a:rPr sz="1200" b="0" i="0">
-                <a:solidFill>
-                  <a:srgbClr val="384276"/>
-                </a:solidFill>
-                <a:latin typeface="Segoe UI"/>
-              </a:rPr>
-              <a:t>Widely used in stocks, futures, and currencies</a:t>
-            </a:r>
-          </a:p>
-        </p:txBody>
-      </p:sp>
     </p:spTree>
   </p:cSld>
   <p:clrMapOvr>
@@ -3568,7 +3926,7 @@
     <p:bg>
       <p:bgPr>
         <a:solidFill>
-          <a:srgbClr val="F4F6FB"/>
+          <a:srgbClr val="FFFFFF"/>
         </a:solidFill>
         <a:effectLst/>
       </p:bgPr>
@@ -3589,11 +3947,11 @@
         <p:spPr>
           <a:xfrm>
             <a:off x="0" y="0"/>
-            <a:ext cx="8572500" cy="5238750"/>
+            <a:ext cx="7810500" cy="4572000"/>
           </a:xfrm>
           <a:prstGeom prst="roundRect">
             <a:avLst>
-              <a:gd name="adj" fmla="val 2909"/>
+              <a:gd name="adj" fmla="val 2916"/>
             </a:avLst>
           </a:prstGeom>
           <a:solidFill>
@@ -3634,8 +3992,8 @@
         </p:nvSpPr>
         <p:spPr>
           <a:xfrm>
-            <a:off x="457200" y="1114425"/>
-            <a:ext cx="4343400" cy="304800"/>
+            <a:off x="400050" y="1038225"/>
+            <a:ext cx="7010400" cy="1352550"/>
           </a:xfrm>
           <a:prstGeom prst="rect">
             <a:avLst/>
@@ -3672,53 +4030,14 @@
       </p:sp>
       <p:sp>
         <p:nvSpPr>
-          <p:cNvPr id="4" name="TextBox 3"/>
-          <p:cNvSpPr txBox="1"/>
-          <p:nvPr/>
-        </p:nvSpPr>
-        <p:spPr>
-          <a:xfrm>
-            <a:off x="457200" y="1114425"/>
-            <a:ext cx="4343400" cy="304800"/>
-          </a:xfrm>
-          <a:prstGeom prst="rect">
-            <a:avLst/>
-          </a:prstGeom>
-          <a:noFill/>
-          <a:ln>
-            <a:noFill/>
-          </a:ln>
-          <a:effectLst/>
-        </p:spPr>
-        <p:txBody>
-          <a:bodyPr wrap="square" anchor="ctr" lIns="0" rIns="0" tIns="0" bIns="0">
-            <a:spAutoFit/>
-          </a:bodyPr>
-          <a:lstStyle/>
-          <a:p>
-            <a:pPr algn="l"/>
-            <a:r>
-              <a:rPr sz="1800" b="1" i="0">
-                <a:solidFill>
-                  <a:srgbClr val="26345C"/>
-                </a:solidFill>
-                <a:latin typeface="Segoe UI"/>
-              </a:rPr>
-              <a:t>Worked Example: Profitable Short Sale</a:t>
-            </a:r>
-          </a:p>
-        </p:txBody>
-      </p:sp>
-      <p:sp>
-        <p:nvSpPr>
-          <p:cNvPr id="5" name="Rectangle 4"/>
+          <p:cNvPr id="4" name="Rectangle 3"/>
           <p:cNvSpPr/>
           <p:nvPr/>
         </p:nvSpPr>
         <p:spPr>
           <a:xfrm>
-            <a:off x="457200" y="1571625"/>
-            <a:ext cx="4343400" cy="1790700"/>
+            <a:off x="2590800" y="1038225"/>
+            <a:ext cx="2628900" cy="1352550"/>
           </a:xfrm>
           <a:prstGeom prst="rect">
             <a:avLst/>
@@ -3755,14 +4074,150 @@
       </p:sp>
       <p:sp>
         <p:nvSpPr>
-          <p:cNvPr id="6" name="TextBox 5"/>
+          <p:cNvPr id="5" name="Rounded Rectangle 4"/>
+          <p:cNvSpPr/>
+          <p:nvPr/>
+        </p:nvSpPr>
+        <p:spPr>
+          <a:xfrm>
+            <a:off x="400050" y="1095375"/>
+            <a:ext cx="1905000" cy="1238250"/>
+          </a:xfrm>
+          <a:prstGeom prst="roundRect">
+            <a:avLst>
+              <a:gd name="adj" fmla="val 7692"/>
+            </a:avLst>
+          </a:prstGeom>
+          <a:solidFill>
+            <a:srgbClr val="E8F0F6"/>
+          </a:solidFill>
+          <a:ln>
+            <a:noFill/>
+          </a:ln>
+          <a:effectLst/>
+        </p:spPr>
+        <p:style>
+          <a:lnRef idx="1">
+            <a:schemeClr val="accent1"/>
+          </a:lnRef>
+          <a:fillRef idx="3">
+            <a:schemeClr val="accent1"/>
+          </a:fillRef>
+          <a:effectRef idx="2">
+            <a:schemeClr val="accent1"/>
+          </a:effectRef>
+          <a:fontRef idx="minor">
+            <a:schemeClr val="lt1"/>
+          </a:fontRef>
+        </p:style>
+        <p:txBody>
+          <a:bodyPr rtlCol="0" anchor="ctr"/>
+          <a:lstStyle/>
+          <a:p>
+            <a:pPr algn="ctr"/>
+          </a:p>
+        </p:txBody>
+      </p:sp>
+      <p:sp>
+        <p:nvSpPr>
+          <p:cNvPr id="6" name="Rounded Rectangle 5"/>
+          <p:cNvSpPr/>
+          <p:nvPr/>
+        </p:nvSpPr>
+        <p:spPr>
+          <a:xfrm>
+            <a:off x="5391150" y="1095375"/>
+            <a:ext cx="1905000" cy="1238250"/>
+          </a:xfrm>
+          <a:prstGeom prst="roundRect">
+            <a:avLst>
+              <a:gd name="adj" fmla="val 7692"/>
+            </a:avLst>
+          </a:prstGeom>
+          <a:solidFill>
+            <a:srgbClr val="E8F0F6"/>
+          </a:solidFill>
+          <a:ln>
+            <a:noFill/>
+          </a:ln>
+          <a:effectLst/>
+        </p:spPr>
+        <p:style>
+          <a:lnRef idx="1">
+            <a:schemeClr val="accent1"/>
+          </a:lnRef>
+          <a:fillRef idx="3">
+            <a:schemeClr val="accent1"/>
+          </a:fillRef>
+          <a:effectRef idx="2">
+            <a:schemeClr val="accent1"/>
+          </a:effectRef>
+          <a:fontRef idx="minor">
+            <a:schemeClr val="lt1"/>
+          </a:fontRef>
+        </p:style>
+        <p:txBody>
+          <a:bodyPr rtlCol="0" anchor="ctr"/>
+          <a:lstStyle/>
+          <a:p>
+            <a:pPr algn="ctr"/>
+          </a:p>
+        </p:txBody>
+      </p:sp>
+      <p:sp>
+        <p:nvSpPr>
+          <p:cNvPr id="7" name="Rectangle 6"/>
+          <p:cNvSpPr/>
+          <p:nvPr/>
+        </p:nvSpPr>
+        <p:spPr>
+          <a:xfrm>
+            <a:off x="2819400" y="1114425"/>
+            <a:ext cx="2400300" cy="1200150"/>
+          </a:xfrm>
+          <a:prstGeom prst="rect">
+            <a:avLst/>
+          </a:prstGeom>
+          <a:solidFill>
+            <a:srgbClr val="FFFFFF"/>
+          </a:solidFill>
+          <a:ln>
+            <a:noFill/>
+          </a:ln>
+          <a:effectLst/>
+        </p:spPr>
+        <p:style>
+          <a:lnRef idx="1">
+            <a:schemeClr val="accent1"/>
+          </a:lnRef>
+          <a:fillRef idx="3">
+            <a:schemeClr val="accent1"/>
+          </a:fillRef>
+          <a:effectRef idx="2">
+            <a:schemeClr val="accent1"/>
+          </a:effectRef>
+          <a:fontRef idx="minor">
+            <a:schemeClr val="lt1"/>
+          </a:fontRef>
+        </p:style>
+        <p:txBody>
+          <a:bodyPr rtlCol="0" anchor="ctr"/>
+          <a:lstStyle/>
+          <a:p>
+            <a:pPr algn="ctr"/>
+          </a:p>
+        </p:txBody>
+      </p:sp>
+      <p:sp>
+        <p:nvSpPr>
+          <p:cNvPr id="8" name="TextBox 7"/>
           <p:cNvSpPr txBox="1"/>
           <p:nvPr/>
         </p:nvSpPr>
         <p:spPr>
           <a:xfrm>
-            <a:off x="457200" y="1571625"/>
-            <a:ext cx="4343400" cy="1790700"/>
+            <a:off x="2819400" y="1114425"/>
+            <a:ext cx="2400300" cy="1200150"/>
           </a:xfrm>
           <a:prstGeom prst="rect">
             <a:avLst/>
@@ -3774,7 +4229,7 @@
           <a:effectLst/>
         </p:spPr>
         <p:txBody>
-          <a:bodyPr wrap="square" anchor="t" lIns="190500" rIns="0" tIns="0" bIns="0">
+          <a:bodyPr wrap="square" anchor="t" lIns="381000" rIns="0" tIns="0" bIns="0">
             <a:spAutoFit/>
           </a:bodyPr>
           <a:lstStyle/>
@@ -3784,26 +4239,26 @@
                 <a:spcPct val="115000"/>
               </a:lnSpc>
               <a:spcAft>
-                <a:spcPts val="881"/>
+                <a:spcPts val="0"/>
               </a:spcAft>
             </a:pPr>
             <a:r>
               <a:rPr sz="1200">
                 <a:solidFill>
-                  <a:srgbClr val="384276"/>
+                  <a:srgbClr val="222222"/>
                 </a:solidFill>
                 <a:latin typeface="Arial"/>
               </a:rPr>
               <a:t>• </a:t>
             </a:r>
             <a:r>
-              <a:rPr sz="1200" b="0" i="0">
-                <a:solidFill>
-                  <a:srgbClr val="384276"/>
+              <a:rPr sz="1200" b="1" i="0">
+                <a:solidFill>
+                  <a:srgbClr val="222222"/>
                 </a:solidFill>
                 <a:latin typeface="Segoe UI"/>
               </a:rPr>
-              <a:t>ACME Inc. shares trade at $10 each.</a:t>
+              <a:t>Short selling is vital for efficient, liquid markets</a:t>
             </a:r>
           </a:p>
           <a:p>
@@ -3812,13 +4267,13 @@
                 <a:spcPct val="115000"/>
               </a:lnSpc>
               <a:spcAft>
-                <a:spcPts val="881"/>
+                <a:spcPts val="0"/>
               </a:spcAft>
             </a:pPr>
             <a:r>
               <a:rPr sz="1200">
                 <a:solidFill>
-                  <a:srgbClr val="384276"/>
+                  <a:srgbClr val="222222"/>
                 </a:solidFill>
                 <a:latin typeface="Arial"/>
               </a:rPr>
@@ -3827,11 +4282,11 @@
             <a:r>
               <a:rPr sz="1200" b="0" i="0">
                 <a:solidFill>
-                  <a:srgbClr val="384276"/>
+                  <a:srgbClr val="222222"/>
                 </a:solidFill>
                 <a:latin typeface="Segoe UI"/>
               </a:rPr>
-              <a:t>Short seller borrows &amp; sells 100 shares ($1,000).</a:t>
+              <a:t>Bans are largely ineffective and can harm markets</a:t>
             </a:r>
           </a:p>
           <a:p>
@@ -3840,13 +4295,13 @@
                 <a:spcPct val="115000"/>
               </a:lnSpc>
               <a:spcAft>
-                <a:spcPts val="881"/>
+                <a:spcPts val="0"/>
               </a:spcAft>
             </a:pPr>
             <a:r>
               <a:rPr sz="1200">
                 <a:solidFill>
-                  <a:srgbClr val="384276"/>
+                  <a:srgbClr val="222222"/>
                 </a:solidFill>
                 <a:latin typeface="Arial"/>
               </a:rPr>
@@ -3855,89 +4310,31 @@
             <a:r>
               <a:rPr sz="1200" b="0" i="0">
                 <a:solidFill>
-                  <a:srgbClr val="384276"/>
+                  <a:srgbClr val="222222"/>
                 </a:solidFill>
                 <a:latin typeface="Segoe UI"/>
               </a:rPr>
-              <a:t>Price drops to $8 per share.</a:t>
-            </a:r>
-          </a:p>
-          <a:p>
-            <a:pPr>
-              <a:lnSpc>
-                <a:spcPct val="115000"/>
-              </a:lnSpc>
-              <a:spcAft>
-                <a:spcPts val="881"/>
-              </a:spcAft>
-            </a:pPr>
-            <a:r>
-              <a:rPr sz="1200">
-                <a:solidFill>
-                  <a:srgbClr val="384276"/>
-                </a:solidFill>
-                <a:latin typeface="Arial"/>
-              </a:rPr>
-              <a:t>• </a:t>
-            </a:r>
-            <a:r>
-              <a:rPr sz="1200" b="0" i="0">
-                <a:solidFill>
-                  <a:srgbClr val="384276"/>
-                </a:solidFill>
-                <a:latin typeface="Segoe UI"/>
-              </a:rPr>
-              <a:t>Buys back 100 shares for $800.</a:t>
-            </a:r>
-          </a:p>
-          <a:p>
-            <a:pPr>
-              <a:lnSpc>
-                <a:spcPct val="115000"/>
-              </a:lnSpc>
-              <a:spcAft>
-                <a:spcPts val="881"/>
-              </a:spcAft>
-            </a:pPr>
-            <a:r>
-              <a:rPr sz="1200">
-                <a:solidFill>
-                  <a:srgbClr val="384276"/>
-                </a:solidFill>
-                <a:latin typeface="Arial"/>
-              </a:rPr>
-              <a:t>• </a:t>
-            </a:r>
-            <a:r>
-              <a:rPr sz="1200" b="0" i="0">
-                <a:solidFill>
-                  <a:srgbClr val="384276"/>
-                </a:solidFill>
-                <a:latin typeface="Segoe UI"/>
-              </a:rPr>
-              <a:t>Returns shares; profit is $200 (minus fees).</a:t>
-            </a:r>
-          </a:p>
-        </p:txBody>
-      </p:sp>
-      <p:sp>
-        <p:nvSpPr>
-          <p:cNvPr id="7" name="Rounded Rectangle 6"/>
+              <a:t>Subject to criticism and periodic regulation</a:t>
+            </a:r>
+          </a:p>
+        </p:txBody>
+      </p:sp>
+      <p:sp>
+        <p:nvSpPr>
+          <p:cNvPr id="9" name="Rectangle 8"/>
           <p:cNvSpPr/>
           <p:nvPr/>
         </p:nvSpPr>
         <p:spPr>
           <a:xfrm>
-            <a:off x="457200" y="3524250"/>
-            <a:ext cx="4343400" cy="428625"/>
-          </a:xfrm>
-          <a:prstGeom prst="roundRect">
-            <a:avLst>
-              <a:gd name="adj" fmla="val 17777"/>
-            </a:avLst>
-          </a:prstGeom>
-          <a:solidFill>
-            <a:srgbClr val="D8F2E0"/>
+            <a:off x="400050" y="304800"/>
+            <a:ext cx="7010400" cy="485775"/>
+          </a:xfrm>
+          <a:prstGeom prst="rect">
+            <a:avLst/>
+          </a:prstGeom>
+          <a:solidFill>
+            <a:srgbClr val="FFFFFF"/>
           </a:solidFill>
           <a:ln>
             <a:noFill/>
@@ -3968,22 +4365,61 @@
       </p:sp>
       <p:sp>
         <p:nvSpPr>
-          <p:cNvPr id="8" name="Rounded Rectangle 7"/>
+          <p:cNvPr id="10" name="TextBox 9"/>
+          <p:cNvSpPr txBox="1"/>
+          <p:nvPr/>
+        </p:nvSpPr>
+        <p:spPr>
+          <a:xfrm>
+            <a:off x="400050" y="304800"/>
+            <a:ext cx="7010400" cy="485775"/>
+          </a:xfrm>
+          <a:prstGeom prst="rect">
+            <a:avLst/>
+          </a:prstGeom>
+          <a:noFill/>
+          <a:ln>
+            <a:noFill/>
+          </a:ln>
+          <a:effectLst/>
+        </p:spPr>
+        <p:txBody>
+          <a:bodyPr wrap="square" anchor="t" lIns="0" rIns="0" tIns="0" bIns="0">
+            <a:spAutoFit/>
+          </a:bodyPr>
+          <a:lstStyle/>
+          <a:p>
+            <a:pPr algn="l"/>
+            <a:r>
+              <a:rPr sz="2800" b="1" i="0">
+                <a:solidFill>
+                  <a:srgbClr val="14233A"/>
+                </a:solidFill>
+                <a:latin typeface="Segoe UI"/>
+              </a:rPr>
+              <a:t>Key Takeaways &amp; Criticism</a:t>
+            </a:r>
+          </a:p>
+        </p:txBody>
+      </p:sp>
+      <p:sp>
+        <p:nvSpPr>
+          <p:cNvPr id="11" name="Rounded Rectangle 10"/>
           <p:cNvSpPr/>
           <p:nvPr/>
         </p:nvSpPr>
         <p:spPr>
           <a:xfrm>
-            <a:off x="457200" y="3524250"/>
-            <a:ext cx="47625" cy="428625"/>
+            <a:off x="400050" y="2676525"/>
+            <a:ext cx="7010400" cy="628650"/>
           </a:xfrm>
           <a:prstGeom prst="roundRect">
             <a:avLst>
-              <a:gd name="adj" fmla="val 50000"/>
+              <a:gd name="adj" fmla="val 10606"/>
             </a:avLst>
           </a:prstGeom>
           <a:solidFill>
-            <a:srgbClr val="3EBD67"/>
+            <a:srgbClr val="E9F7EF"/>
           </a:solidFill>
           <a:ln>
             <a:noFill/>
@@ -4014,14 +4450,58 @@
       </p:sp>
       <p:sp>
         <p:nvSpPr>
-          <p:cNvPr id="9" name="TextBox 8"/>
+          <p:cNvPr id="12" name="Rectangle 11"/>
+          <p:cNvSpPr/>
+          <p:nvPr/>
+        </p:nvSpPr>
+        <p:spPr>
+          <a:xfrm>
+            <a:off x="400050" y="2676525"/>
+            <a:ext cx="47625" cy="628650"/>
+          </a:xfrm>
+          <a:prstGeom prst="rect">
+            <a:avLst/>
+          </a:prstGeom>
+          <a:solidFill>
+            <a:srgbClr val="43B57C"/>
+          </a:solidFill>
+          <a:ln>
+            <a:noFill/>
+          </a:ln>
+          <a:effectLst/>
+        </p:spPr>
+        <p:style>
+          <a:lnRef idx="1">
+            <a:schemeClr val="accent1"/>
+          </a:lnRef>
+          <a:fillRef idx="3">
+            <a:schemeClr val="accent1"/>
+          </a:fillRef>
+          <a:effectRef idx="2">
+            <a:schemeClr val="accent1"/>
+          </a:effectRef>
+          <a:fontRef idx="minor">
+            <a:schemeClr val="lt1"/>
+          </a:fontRef>
+        </p:style>
+        <p:txBody>
+          <a:bodyPr rtlCol="0" anchor="ctr"/>
+          <a:lstStyle/>
+          <a:p>
+            <a:pPr algn="ctr"/>
+          </a:p>
+        </p:txBody>
+      </p:sp>
+      <p:sp>
+        <p:nvSpPr>
+          <p:cNvPr id="13" name="TextBox 12"/>
           <p:cNvSpPr txBox="1"/>
           <p:nvPr/>
         </p:nvSpPr>
         <p:spPr>
           <a:xfrm>
-            <a:off x="457200" y="3524250"/>
-            <a:ext cx="4343400" cy="428625"/>
+            <a:off x="400050" y="2676525"/>
+            <a:ext cx="7010400" cy="628650"/>
           </a:xfrm>
           <a:prstGeom prst="rect">
             <a:avLst/>
@@ -4033,7 +4513,7 @@
           <a:effectLst/>
         </p:spPr>
         <p:txBody>
-          <a:bodyPr wrap="square" anchor="ctr" lIns="171450" rIns="171450" tIns="114300" bIns="114300">
+          <a:bodyPr wrap="square" anchor="ctr" lIns="152400" rIns="152400" tIns="114300" bIns="114300">
             <a:spAutoFit/>
           </a:bodyPr>
           <a:lstStyle/>
@@ -4042,24 +4522,203 @@
             <a:r>
               <a:rPr sz="1200" b="1" i="0">
                 <a:solidFill>
-                  <a:srgbClr val="26345C"/>
+                  <a:srgbClr val="1A5D49"/>
                 </a:solidFill>
                 <a:latin typeface="Segoe UI"/>
               </a:rPr>
-              <a:t>Outcome:</a:t>
+              <a:t>Research shows:</a:t>
             </a:r>
             <a:r>
               <a:rPr sz="1200" b="0" i="0">
                 <a:solidFill>
-                  <a:srgbClr val="26345C"/>
+                  <a:srgbClr val="1A5D49"/>
                 </a:solidFill>
                 <a:latin typeface="Segoe UI"/>
               </a:rPr>
-              <a:t> Short seller profits from price decline.</a:t>
-            </a:r>
-          </a:p>
-        </p:txBody>
-      </p:sp>
+              <a:t> Prohibiting short selling does not prevent market declines, and may reduce liquidity and price discovery.</a:t>
+            </a:r>
+          </a:p>
+        </p:txBody>
+      </p:sp>
+      <p:sp>
+        <p:nvSpPr>
+          <p:cNvPr id="14" name="Rounded Rectangle 13"/>
+          <p:cNvSpPr/>
+          <p:nvPr/>
+        </p:nvSpPr>
+        <p:spPr>
+          <a:xfrm>
+            <a:off x="400050" y="3495675"/>
+            <a:ext cx="7010400" cy="590550"/>
+          </a:xfrm>
+          <a:prstGeom prst="roundRect">
+            <a:avLst>
+              <a:gd name="adj" fmla="val 9677"/>
+            </a:avLst>
+          </a:prstGeom>
+          <a:solidFill>
+            <a:srgbClr val="FFF8E1"/>
+          </a:solidFill>
+          <a:ln>
+            <a:noFill/>
+          </a:ln>
+          <a:effectLst/>
+        </p:spPr>
+        <p:style>
+          <a:lnRef idx="1">
+            <a:schemeClr val="accent1"/>
+          </a:lnRef>
+          <a:fillRef idx="3">
+            <a:schemeClr val="accent1"/>
+          </a:fillRef>
+          <a:effectRef idx="2">
+            <a:schemeClr val="accent1"/>
+          </a:effectRef>
+          <a:fontRef idx="minor">
+            <a:schemeClr val="lt1"/>
+          </a:fontRef>
+        </p:style>
+        <p:txBody>
+          <a:bodyPr rtlCol="0" anchor="ctr"/>
+          <a:lstStyle/>
+          <a:p>
+            <a:pPr algn="ctr"/>
+          </a:p>
+        </p:txBody>
+      </p:sp>
+      <p:sp>
+        <p:nvSpPr>
+          <p:cNvPr id="15" name="Rectangle 14"/>
+          <p:cNvSpPr/>
+          <p:nvPr/>
+        </p:nvSpPr>
+        <p:spPr>
+          <a:xfrm>
+            <a:off x="400050" y="3495675"/>
+            <a:ext cx="38100" cy="590550"/>
+          </a:xfrm>
+          <a:prstGeom prst="rect">
+            <a:avLst/>
+          </a:prstGeom>
+          <a:solidFill>
+            <a:srgbClr val="FFD54F"/>
+          </a:solidFill>
+          <a:ln>
+            <a:noFill/>
+          </a:ln>
+          <a:effectLst/>
+        </p:spPr>
+        <p:style>
+          <a:lnRef idx="1">
+            <a:schemeClr val="accent1"/>
+          </a:lnRef>
+          <a:fillRef idx="3">
+            <a:schemeClr val="accent1"/>
+          </a:fillRef>
+          <a:effectRef idx="2">
+            <a:schemeClr val="accent1"/>
+          </a:effectRef>
+          <a:fontRef idx="minor">
+            <a:schemeClr val="lt1"/>
+          </a:fontRef>
+        </p:style>
+        <p:txBody>
+          <a:bodyPr rtlCol="0" anchor="ctr"/>
+          <a:lstStyle/>
+          <a:p>
+            <a:pPr algn="ctr"/>
+          </a:p>
+        </p:txBody>
+      </p:sp>
+      <p:sp>
+        <p:nvSpPr>
+          <p:cNvPr id="16" name="TextBox 15"/>
+          <p:cNvSpPr txBox="1"/>
+          <p:nvPr/>
+        </p:nvSpPr>
+        <p:spPr>
+          <a:xfrm>
+            <a:off x="400050" y="3495675"/>
+            <a:ext cx="7010400" cy="590550"/>
+          </a:xfrm>
+          <a:prstGeom prst="rect">
+            <a:avLst/>
+          </a:prstGeom>
+          <a:noFill/>
+          <a:ln>
+            <a:noFill/>
+          </a:ln>
+          <a:effectLst/>
+        </p:spPr>
+        <p:txBody>
+          <a:bodyPr wrap="square" anchor="t" lIns="133350" rIns="133350" tIns="95250" bIns="95250">
+            <a:spAutoFit/>
+          </a:bodyPr>
+          <a:lstStyle/>
+          <a:p>
+            <a:pPr algn="l"/>
+            <a:r>
+              <a:rPr sz="1100" b="0" i="0">
+                <a:solidFill>
+                  <a:srgbClr val="8A6D1A"/>
+                </a:solidFill>
+                <a:latin typeface="Segoe UI"/>
+              </a:rPr>
+              <a:t>Despite criticism, short selling remains a crucial market function for both speculation and risk management.</a:t>
+            </a:r>
+          </a:p>
+        </p:txBody>
+      </p:sp>
+      <p:pic>
+        <p:nvPicPr>
+          <p:cNvPr id="17" name="Picture 16" descr="temp_image.png"/>
+          <p:cNvPicPr>
+            <a:picLocks noChangeAspect="1"/>
+          </p:cNvPicPr>
+          <p:nvPr/>
+        </p:nvPicPr>
+        <p:blipFill>
+          <a:blip r:embed="rId2"/>
+          <a:stretch>
+            <a:fillRect/>
+          </a:stretch>
+        </p:blipFill>
+        <p:spPr>
+          <a:xfrm>
+            <a:off x="1133475" y="1495425"/>
+            <a:ext cx="438150" cy="438150"/>
+          </a:xfrm>
+          <a:prstGeom prst="rect">
+            <a:avLst/>
+          </a:prstGeom>
+          <a:effectLst/>
+        </p:spPr>
+      </p:pic>
+      <p:pic>
+        <p:nvPicPr>
+          <p:cNvPr id="18" name="Picture 17" descr="temp_image.png"/>
+          <p:cNvPicPr>
+            <a:picLocks noChangeAspect="1"/>
+          </p:cNvPicPr>
+          <p:nvPr/>
+        </p:nvPicPr>
+        <p:blipFill>
+          <a:blip r:embed="rId3"/>
+          <a:stretch>
+            <a:fillRect/>
+          </a:stretch>
+        </p:blipFill>
+        <p:spPr>
+          <a:xfrm>
+            <a:off x="6124575" y="1495425"/>
+            <a:ext cx="438150" cy="438150"/>
+          </a:xfrm>
+          <a:prstGeom prst="rect">
+            <a:avLst/>
+          </a:prstGeom>
+          <a:effectLst/>
+        </p:spPr>
+      </p:pic>
     </p:spTree>
   </p:cSld>
   <p:clrMapOvr>
@@ -4074,7 +4733,7 @@
     <p:bg>
       <p:bgPr>
         <a:solidFill>
-          <a:srgbClr val="F4F6FB"/>
+          <a:srgbClr val="FFFFFF"/>
         </a:solidFill>
         <a:effectLst/>
       </p:bgPr>
@@ -4095,11 +4754,11 @@
         <p:spPr>
           <a:xfrm>
             <a:off x="0" y="0"/>
-            <a:ext cx="8572500" cy="5238750"/>
+            <a:ext cx="7810500" cy="4572000"/>
           </a:xfrm>
           <a:prstGeom prst="roundRect">
             <a:avLst>
-              <a:gd name="adj" fmla="val 2909"/>
+              <a:gd name="adj" fmla="val 2916"/>
             </a:avLst>
           </a:prstGeom>
           <a:solidFill>
@@ -4140,8 +4799,8 @@
         </p:nvSpPr>
         <p:spPr>
           <a:xfrm>
-            <a:off x="457200" y="1447800"/>
-            <a:ext cx="4876800" cy="304800"/>
+            <a:off x="400050" y="1038225"/>
+            <a:ext cx="7010400" cy="1239488"/>
           </a:xfrm>
           <a:prstGeom prst="rect">
             <a:avLst/>
@@ -4178,59 +4837,22 @@
       </p:sp>
       <p:sp>
         <p:nvSpPr>
-          <p:cNvPr id="4" name="TextBox 3"/>
-          <p:cNvSpPr txBox="1"/>
-          <p:nvPr/>
-        </p:nvSpPr>
-        <p:spPr>
-          <a:xfrm>
-            <a:off x="457200" y="1447800"/>
-            <a:ext cx="4876800" cy="304800"/>
-          </a:xfrm>
-          <a:prstGeom prst="rect">
-            <a:avLst/>
-          </a:prstGeom>
-          <a:noFill/>
-          <a:ln>
-            <a:noFill/>
-          </a:ln>
-          <a:effectLst/>
-        </p:spPr>
-        <p:txBody>
-          <a:bodyPr wrap="square" anchor="ctr" lIns="0" rIns="0" tIns="0" bIns="0">
-            <a:spAutoFit/>
-          </a:bodyPr>
-          <a:lstStyle/>
-          <a:p>
-            <a:pPr algn="l"/>
-            <a:r>
-              <a:rPr sz="1800" b="1" i="0">
-                <a:solidFill>
-                  <a:srgbClr val="26345C"/>
-                </a:solidFill>
-                <a:latin typeface="Segoe UI"/>
-              </a:rPr>
-              <a:t>What Does "Short" Mean?</a:t>
-            </a:r>
-          </a:p>
-        </p:txBody>
-      </p:sp>
-      <p:sp>
-        <p:nvSpPr>
-          <p:cNvPr id="5" name="Rectangle 4"/>
+          <p:cNvPr id="4" name="Rounded Rectangle 3"/>
           <p:cNvSpPr/>
           <p:nvPr/>
         </p:nvSpPr>
         <p:spPr>
           <a:xfrm>
-            <a:off x="457200" y="2066925"/>
-            <a:ext cx="4876800" cy="733425"/>
-          </a:xfrm>
-          <a:prstGeom prst="rect">
-            <a:avLst/>
-          </a:prstGeom>
-          <a:solidFill>
-            <a:srgbClr val="FFFFFF"/>
+            <a:off x="400050" y="3457575"/>
+            <a:ext cx="6867525" cy="1028700"/>
+          </a:xfrm>
+          <a:prstGeom prst="roundRect">
+            <a:avLst>
+              <a:gd name="adj" fmla="val 7407"/>
+            </a:avLst>
+          </a:prstGeom>
+          <a:solidFill>
+            <a:srgbClr val="F8FAFB"/>
           </a:solidFill>
           <a:ln>
             <a:noFill/>
@@ -4259,100 +4881,262 @@
           </a:p>
         </p:txBody>
       </p:sp>
-      <p:sp>
-        <p:nvSpPr>
-          <p:cNvPr id="6" name="TextBox 5"/>
-          <p:cNvSpPr txBox="1"/>
-          <p:nvPr/>
-        </p:nvSpPr>
-        <p:spPr>
-          <a:xfrm>
-            <a:off x="457200" y="2066925"/>
-            <a:ext cx="4876800" cy="733425"/>
-          </a:xfrm>
-          <a:prstGeom prst="rect">
-            <a:avLst/>
-          </a:prstGeom>
-          <a:noFill/>
-          <a:ln>
-            <a:noFill/>
-          </a:ln>
-          <a:effectLst/>
-        </p:spPr>
-        <p:txBody>
-          <a:bodyPr wrap="square" anchor="ctr" lIns="0" rIns="0" tIns="0" bIns="0">
-            <a:spAutoFit/>
-          </a:bodyPr>
-          <a:lstStyle/>
-          <a:p>
-            <a:pPr algn="l"/>
-            <a:r>
-              <a:rPr sz="1200" b="1" i="0">
-                <a:solidFill>
-                  <a:srgbClr val="384276"/>
-                </a:solidFill>
-                <a:latin typeface="Segoe UI"/>
-              </a:rPr>
-              <a:t>Being short</a:t>
-            </a:r>
-            <a:r>
-              <a:rPr sz="1200" b="0" i="0">
-                <a:solidFill>
-                  <a:srgbClr val="384276"/>
-                </a:solidFill>
-                <a:latin typeface="Segoe UI"/>
-              </a:rPr>
-              <a:t> in an asset means you will profit if the asset's market value </a:t>
-            </a:r>
-            <a:r>
-              <a:rPr sz="1200" b="1" i="0">
-                <a:solidFill>
-                  <a:srgbClr val="384276"/>
-                </a:solidFill>
-                <a:latin typeface="Segoe UI"/>
-              </a:rPr>
-              <a:t>falls</a:t>
-            </a:r>
-            <a:r>
-              <a:rPr sz="1200" b="0" i="0">
-                <a:solidFill>
-                  <a:srgbClr val="384276"/>
-                </a:solidFill>
-                <a:latin typeface="Segoe UI"/>
-              </a:rPr>
-              <a:t>. This is the opposite of a "long" position, where profits are made if the price </a:t>
-            </a:r>
-            <a:r>
-              <a:rPr sz="1200" b="1" i="0">
-                <a:solidFill>
-                  <a:srgbClr val="384276"/>
-                </a:solidFill>
-                <a:latin typeface="Segoe UI"/>
-              </a:rPr>
-              <a:t>rises</a:t>
-            </a:r>
-            <a:r>
-              <a:rPr sz="1200" b="0" i="0">
-                <a:solidFill>
-                  <a:srgbClr val="384276"/>
-                </a:solidFill>
-                <a:latin typeface="Segoe UI"/>
-              </a:rPr>
-              <a:t>.</a:t>
-            </a:r>
-          </a:p>
-        </p:txBody>
-      </p:sp>
-      <p:sp>
-        <p:nvSpPr>
-          <p:cNvPr id="7" name="Rectangle 6"/>
+      <p:graphicFrame>
+        <p:nvGraphicFramePr>
+          <p:cNvPr id="5" name="Table 4"/>
+          <p:cNvGraphicFramePr>
+            <a:graphicFrameLocks noGrp="1"/>
+          </p:cNvGraphicFramePr>
+          <p:nvPr/>
+        </p:nvGraphicFramePr>
+        <p:xfrm>
+          <a:off x="400050" y="3457575"/>
+          <a:ext cx="6867525" cy="1038225"/>
+        </p:xfrm>
+        <a:graphic>
+          <a:graphicData uri="http://schemas.openxmlformats.org/drawingml/2006/table">
+            <a:tbl>
+              <a:tblPr firstRow="1" bandRow="1">
+                <a:tableStyleId>{5C22544A-7EE6-4342-B048-85BDC9FD1C3A}</a:tableStyleId>
+              </a:tblPr>
+              <a:tblGrid>
+                <a:gridCol w="1455307"/>
+                <a:gridCol w="2996219"/>
+                <a:gridCol w="2415999"/>
+              </a:tblGrid>
+              <a:tr h="342900">
+                <a:tc>
+                  <a:txBody>
+                    <a:bodyPr wrap="square" anchor="ctr" lIns="95250" rIns="95250" tIns="66675" bIns="66675"/>
+                    <a:lstStyle/>
+                    <a:p>
+                      <a:pPr algn="l"/>
+                      <a:r>
+                        <a:rPr sz="1200" b="1" i="0">
+                          <a:solidFill>
+                            <a:srgbClr val="1D5DBF"/>
+                          </a:solidFill>
+                          <a:latin typeface="Segoe UI"/>
+                        </a:rPr>
+                        <a:t>Position</a:t>
+                      </a:r>
+                    </a:p>
+                  </a:txBody>
+                  <a:tcPr>
+                    <a:solidFill>
+                      <a:srgbClr val="DEE7F3"/>
+                    </a:solidFill>
+                    <a:tcBorders/>
+                  </a:tcPr>
+                </a:tc>
+                <a:tc>
+                  <a:txBody>
+                    <a:bodyPr wrap="square" anchor="ctr" lIns="95250" rIns="95250" tIns="66675" bIns="66675"/>
+                    <a:lstStyle/>
+                    <a:p>
+                      <a:pPr algn="l"/>
+                      <a:r>
+                        <a:rPr sz="1200" b="1" i="0">
+                          <a:solidFill>
+                            <a:srgbClr val="1D5DBF"/>
+                          </a:solidFill>
+                          <a:latin typeface="Segoe UI"/>
+                        </a:rPr>
+                        <a:t>Market Expectation</a:t>
+                      </a:r>
+                    </a:p>
+                  </a:txBody>
+                  <a:tcPr>
+                    <a:solidFill>
+                      <a:srgbClr val="DEE7F3"/>
+                    </a:solidFill>
+                    <a:tcBorders/>
+                  </a:tcPr>
+                </a:tc>
+                <a:tc>
+                  <a:txBody>
+                    <a:bodyPr wrap="square" anchor="ctr" lIns="95250" rIns="95250" tIns="66675" bIns="66675"/>
+                    <a:lstStyle/>
+                    <a:p>
+                      <a:pPr algn="l"/>
+                      <a:r>
+                        <a:rPr sz="1200" b="1" i="0">
+                          <a:solidFill>
+                            <a:srgbClr val="1D5DBF"/>
+                          </a:solidFill>
+                          <a:latin typeface="Segoe UI"/>
+                        </a:rPr>
+                        <a:t>Profit if...</a:t>
+                      </a:r>
+                    </a:p>
+                  </a:txBody>
+                  <a:tcPr>
+                    <a:solidFill>
+                      <a:srgbClr val="DEE7F3"/>
+                    </a:solidFill>
+                    <a:tcBorders/>
+                  </a:tcPr>
+                </a:tc>
+              </a:tr>
+              <a:tr h="352425">
+                <a:tc>
+                  <a:txBody>
+                    <a:bodyPr wrap="square" anchor="ctr" lIns="95250" rIns="95250" tIns="66675" bIns="66675"/>
+                    <a:lstStyle/>
+                    <a:p>
+                      <a:pPr algn="l"/>
+                      <a:r>
+                        <a:rPr sz="1200" b="0" i="0">
+                          <a:solidFill>
+                            <a:srgbClr val="222222"/>
+                          </a:solidFill>
+                          <a:latin typeface="Segoe UI"/>
+                        </a:rPr>
+                        <a:t>Short</a:t>
+                      </a:r>
+                    </a:p>
+                  </a:txBody>
+                  <a:tcPr>
+                    <a:solidFill>
+                      <a:srgbClr val="F8FAFB"/>
+                    </a:solidFill>
+                    <a:tcBorders/>
+                  </a:tcPr>
+                </a:tc>
+                <a:tc>
+                  <a:txBody>
+                    <a:bodyPr wrap="square" anchor="ctr" lIns="95250" rIns="95250" tIns="66675" bIns="66675"/>
+                    <a:lstStyle/>
+                    <a:p>
+                      <a:pPr algn="l"/>
+                      <a:r>
+                        <a:rPr sz="1200" b="0" i="0">
+                          <a:solidFill>
+                            <a:srgbClr val="222222"/>
+                          </a:solidFill>
+                          <a:latin typeface="Segoe UI"/>
+                        </a:rPr>
+                        <a:t>Price Decreases</a:t>
+                      </a:r>
+                    </a:p>
+                  </a:txBody>
+                  <a:tcPr>
+                    <a:solidFill>
+                      <a:srgbClr val="F8FAFB"/>
+                    </a:solidFill>
+                    <a:tcBorders/>
+                  </a:tcPr>
+                </a:tc>
+                <a:tc>
+                  <a:txBody>
+                    <a:bodyPr wrap="square" anchor="ctr" lIns="95250" rIns="95250" tIns="66675" bIns="66675"/>
+                    <a:lstStyle/>
+                    <a:p>
+                      <a:pPr algn="l"/>
+                      <a:r>
+                        <a:rPr sz="1200" b="0" i="0">
+                          <a:solidFill>
+                            <a:srgbClr val="222222"/>
+                          </a:solidFill>
+                          <a:latin typeface="Segoe UI"/>
+                        </a:rPr>
+                        <a:t>Asset value falls</a:t>
+                      </a:r>
+                    </a:p>
+                  </a:txBody>
+                  <a:tcPr>
+                    <a:solidFill>
+                      <a:srgbClr val="F8FAFB"/>
+                    </a:solidFill>
+                    <a:tcBorders/>
+                  </a:tcPr>
+                </a:tc>
+              </a:tr>
+              <a:tr h="342900">
+                <a:tc>
+                  <a:txBody>
+                    <a:bodyPr wrap="square" anchor="ctr" lIns="95250" rIns="95250" tIns="66675" bIns="66675"/>
+                    <a:lstStyle/>
+                    <a:p>
+                      <a:pPr algn="l"/>
+                      <a:r>
+                        <a:rPr sz="1200" b="0" i="0">
+                          <a:solidFill>
+                            <a:srgbClr val="222222"/>
+                          </a:solidFill>
+                          <a:latin typeface="Segoe UI"/>
+                        </a:rPr>
+                        <a:t>Long</a:t>
+                      </a:r>
+                    </a:p>
+                  </a:txBody>
+                  <a:tcPr>
+                    <a:solidFill>
+                      <a:srgbClr val="F8FAFB"/>
+                    </a:solidFill>
+                  </a:tcPr>
+                </a:tc>
+                <a:tc>
+                  <a:txBody>
+                    <a:bodyPr wrap="square" anchor="ctr" lIns="95250" rIns="95250" tIns="66675" bIns="66675"/>
+                    <a:lstStyle/>
+                    <a:p>
+                      <a:pPr algn="l"/>
+                      <a:r>
+                        <a:rPr sz="1200" b="0" i="0">
+                          <a:solidFill>
+                            <a:srgbClr val="222222"/>
+                          </a:solidFill>
+                          <a:latin typeface="Segoe UI"/>
+                        </a:rPr>
+                        <a:t>Price Increases</a:t>
+                      </a:r>
+                    </a:p>
+                  </a:txBody>
+                  <a:tcPr>
+                    <a:solidFill>
+                      <a:srgbClr val="F8FAFB"/>
+                    </a:solidFill>
+                  </a:tcPr>
+                </a:tc>
+                <a:tc>
+                  <a:txBody>
+                    <a:bodyPr wrap="square" anchor="ctr" lIns="95250" rIns="95250" tIns="66675" bIns="66675"/>
+                    <a:lstStyle/>
+                    <a:p>
+                      <a:pPr algn="l"/>
+                      <a:r>
+                        <a:rPr sz="1200" b="0" i="0">
+                          <a:solidFill>
+                            <a:srgbClr val="222222"/>
+                          </a:solidFill>
+                          <a:latin typeface="Segoe UI"/>
+                        </a:rPr>
+                        <a:t>Asset value rises</a:t>
+                      </a:r>
+                    </a:p>
+                  </a:txBody>
+                  <a:tcPr>
+                    <a:solidFill>
+                      <a:srgbClr val="F8FAFB"/>
+                    </a:solidFill>
+                  </a:tcPr>
+                </a:tc>
+              </a:tr>
+            </a:tbl>
+          </a:graphicData>
+        </a:graphic>
+      </p:graphicFrame>
+      <p:sp>
+        <p:nvSpPr>
+          <p:cNvPr id="6" name="Rectangle 5"/>
           <p:cNvSpPr/>
           <p:nvPr/>
         </p:nvSpPr>
         <p:spPr>
           <a:xfrm>
-            <a:off x="457200" y="2914650"/>
-            <a:ext cx="4876800" cy="714375"/>
+            <a:off x="400050" y="304800"/>
+            <a:ext cx="7010400" cy="485775"/>
           </a:xfrm>
           <a:prstGeom prst="rect">
             <a:avLst/>
@@ -4389,14 +5173,14 @@
       </p:sp>
       <p:sp>
         <p:nvSpPr>
-          <p:cNvPr id="8" name="TextBox 7"/>
+          <p:cNvPr id="7" name="TextBox 6"/>
           <p:cNvSpPr txBox="1"/>
           <p:nvPr/>
         </p:nvSpPr>
         <p:spPr>
           <a:xfrm>
-            <a:off x="457200" y="2914650"/>
-            <a:ext cx="4876800" cy="714375"/>
+            <a:off x="400050" y="304800"/>
+            <a:ext cx="7010400" cy="485775"/>
           </a:xfrm>
           <a:prstGeom prst="rect">
             <a:avLst/>
@@ -4408,86 +5192,313 @@
           <a:effectLst/>
         </p:spPr>
         <p:txBody>
-          <a:bodyPr wrap="square" anchor="t" lIns="190500" rIns="0" tIns="0" bIns="0">
+          <a:bodyPr wrap="square" anchor="t" lIns="0" rIns="0" tIns="0" bIns="0">
             <a:spAutoFit/>
           </a:bodyPr>
           <a:lstStyle/>
           <a:p>
-            <a:pPr>
-              <a:lnSpc>
-                <a:spcPct val="115000"/>
-              </a:lnSpc>
-              <a:spcAft>
-                <a:spcPts val="900"/>
-              </a:spcAft>
-            </a:pPr>
-            <a:r>
-              <a:rPr sz="1200">
-                <a:solidFill>
-                  <a:srgbClr val="384276"/>
-                </a:solidFill>
-                <a:latin typeface="Arial"/>
-              </a:rPr>
-              <a:t>• </a:t>
-            </a:r>
+            <a:pPr algn="l"/>
+            <a:r>
+              <a:rPr sz="2800" b="1" i="0">
+                <a:solidFill>
+                  <a:srgbClr val="14233A"/>
+                </a:solidFill>
+                <a:latin typeface="Segoe UI"/>
+              </a:rPr>
+              <a:t>What is a Short Position?</a:t>
+            </a:r>
+          </a:p>
+        </p:txBody>
+      </p:sp>
+      <p:sp>
+        <p:nvSpPr>
+          <p:cNvPr id="8" name="Rectangle 7"/>
+          <p:cNvSpPr/>
+          <p:nvPr/>
+        </p:nvSpPr>
+        <p:spPr>
+          <a:xfrm>
+            <a:off x="1924050" y="1038225"/>
+            <a:ext cx="5486400" cy="1114425"/>
+          </a:xfrm>
+          <a:prstGeom prst="rect">
+            <a:avLst/>
+          </a:prstGeom>
+          <a:solidFill>
+            <a:srgbClr val="FFFFFF"/>
+          </a:solidFill>
+          <a:ln>
+            <a:noFill/>
+          </a:ln>
+          <a:effectLst/>
+        </p:spPr>
+        <p:style>
+          <a:lnRef idx="1">
+            <a:schemeClr val="accent1"/>
+          </a:lnRef>
+          <a:fillRef idx="3">
+            <a:schemeClr val="accent1"/>
+          </a:fillRef>
+          <a:effectRef idx="2">
+            <a:schemeClr val="accent1"/>
+          </a:effectRef>
+          <a:fontRef idx="minor">
+            <a:schemeClr val="lt1"/>
+          </a:fontRef>
+        </p:style>
+        <p:txBody>
+          <a:bodyPr rtlCol="0" anchor="ctr"/>
+          <a:lstStyle/>
+          <a:p>
+            <a:pPr algn="ctr"/>
+          </a:p>
+        </p:txBody>
+      </p:sp>
+      <p:sp>
+        <p:nvSpPr>
+          <p:cNvPr id="9" name="TextBox 8"/>
+          <p:cNvSpPr txBox="1"/>
+          <p:nvPr/>
+        </p:nvSpPr>
+        <p:spPr>
+          <a:xfrm>
+            <a:off x="1924050" y="1038225"/>
+            <a:ext cx="5486400" cy="1114425"/>
+          </a:xfrm>
+          <a:prstGeom prst="rect">
+            <a:avLst/>
+          </a:prstGeom>
+          <a:noFill/>
+          <a:ln>
+            <a:noFill/>
+          </a:ln>
+          <a:effectLst/>
+        </p:spPr>
+        <p:txBody>
+          <a:bodyPr wrap="square" anchor="ctr" lIns="0" rIns="0" tIns="0" bIns="0">
+            <a:spAutoFit/>
+          </a:bodyPr>
+          <a:lstStyle/>
+          <a:p>
+            <a:pPr algn="l"/>
+            <a:r>
+              <a:rPr sz="1300" b="1" i="0">
+                <a:solidFill>
+                  <a:srgbClr val="1D5DBF"/>
+                </a:solidFill>
+                <a:latin typeface="Segoe UI"/>
+              </a:rPr>
+              <a:t>Short Position:</a:t>
+            </a:r>
+            <a:r>
+              <a:rPr sz="1300" b="0" i="0">
+                <a:solidFill>
+                  <a:srgbClr val="232D3B"/>
+                </a:solidFill>
+                <a:latin typeface="Segoe UI"/>
+              </a:rPr>
+              <a:t> Investing with the expectation that the value of an asset will decrease.</a:t>
+            </a:r>
+          </a:p>
+          <a:p>
+            <a:pPr algn="l"/>
+            <a:r>
+              <a:rPr sz="1300" b="1" i="0">
+                <a:solidFill>
+                  <a:srgbClr val="1D5DBF"/>
+                </a:solidFill>
+                <a:latin typeface="Segoe UI"/>
+              </a:rPr>
+              <a:t>Short Seller profits if the asset price falls.
+Long position profits if the asset price rises.</a:t>
+            </a:r>
+          </a:p>
+        </p:txBody>
+      </p:sp>
+      <p:sp>
+        <p:nvSpPr>
+          <p:cNvPr id="10" name="Rounded Rectangle 9"/>
+          <p:cNvSpPr/>
+          <p:nvPr/>
+        </p:nvSpPr>
+        <p:spPr>
+          <a:xfrm>
+            <a:off x="400050" y="2466975"/>
+            <a:ext cx="7010400" cy="666750"/>
+          </a:xfrm>
+          <a:prstGeom prst="roundRect">
+            <a:avLst>
+              <a:gd name="adj" fmla="val 10000"/>
+            </a:avLst>
+          </a:prstGeom>
+          <a:solidFill>
+            <a:srgbClr val="F4F7FA"/>
+          </a:solidFill>
+          <a:ln>
+            <a:noFill/>
+          </a:ln>
+          <a:effectLst/>
+        </p:spPr>
+        <p:style>
+          <a:lnRef idx="1">
+            <a:schemeClr val="accent1"/>
+          </a:lnRef>
+          <a:fillRef idx="3">
+            <a:schemeClr val="accent1"/>
+          </a:fillRef>
+          <a:effectRef idx="2">
+            <a:schemeClr val="accent1"/>
+          </a:effectRef>
+          <a:fontRef idx="minor">
+            <a:schemeClr val="lt1"/>
+          </a:fontRef>
+        </p:style>
+        <p:txBody>
+          <a:bodyPr rtlCol="0" anchor="ctr"/>
+          <a:lstStyle/>
+          <a:p>
+            <a:pPr algn="ctr"/>
+          </a:p>
+        </p:txBody>
+      </p:sp>
+      <p:sp>
+        <p:nvSpPr>
+          <p:cNvPr id="11" name="Rectangle 10"/>
+          <p:cNvSpPr/>
+          <p:nvPr/>
+        </p:nvSpPr>
+        <p:spPr>
+          <a:xfrm>
+            <a:off x="400050" y="2466975"/>
+            <a:ext cx="47625" cy="666750"/>
+          </a:xfrm>
+          <a:prstGeom prst="rect">
+            <a:avLst/>
+          </a:prstGeom>
+          <a:solidFill>
+            <a:srgbClr val="1D5DBF"/>
+          </a:solidFill>
+          <a:ln>
+            <a:noFill/>
+          </a:ln>
+          <a:effectLst/>
+        </p:spPr>
+        <p:style>
+          <a:lnRef idx="1">
+            <a:schemeClr val="accent1"/>
+          </a:lnRef>
+          <a:fillRef idx="3">
+            <a:schemeClr val="accent1"/>
+          </a:fillRef>
+          <a:effectRef idx="2">
+            <a:schemeClr val="accent1"/>
+          </a:effectRef>
+          <a:fontRef idx="minor">
+            <a:schemeClr val="lt1"/>
+          </a:fontRef>
+        </p:style>
+        <p:txBody>
+          <a:bodyPr rtlCol="0" anchor="ctr"/>
+          <a:lstStyle/>
+          <a:p>
+            <a:pPr algn="ctr"/>
+          </a:p>
+        </p:txBody>
+      </p:sp>
+      <p:sp>
+        <p:nvSpPr>
+          <p:cNvPr id="12" name="TextBox 11"/>
+          <p:cNvSpPr txBox="1"/>
+          <p:nvPr/>
+        </p:nvSpPr>
+        <p:spPr>
+          <a:xfrm>
+            <a:off x="400050" y="2466975"/>
+            <a:ext cx="7010400" cy="666750"/>
+          </a:xfrm>
+          <a:prstGeom prst="rect">
+            <a:avLst/>
+          </a:prstGeom>
+          <a:noFill/>
+          <a:ln>
+            <a:noFill/>
+          </a:ln>
+          <a:effectLst/>
+        </p:spPr>
+        <p:txBody>
+          <a:bodyPr wrap="square" anchor="ctr" lIns="171450" rIns="171450" tIns="133350" bIns="133350">
+            <a:spAutoFit/>
+          </a:bodyPr>
+          <a:lstStyle/>
+          <a:p>
+            <a:pPr algn="l"/>
             <a:r>
               <a:rPr sz="1200" b="1" i="0">
                 <a:solidFill>
-                  <a:srgbClr val="384276"/>
+                  <a:srgbClr val="193459"/>
                 </a:solidFill>
                 <a:latin typeface="Segoe UI"/>
               </a:rPr>
-              <a:t>Short Seller:</a:t>
-            </a:r>
+              <a:t>Definition:</a:t>
+            </a:r>
+          </a:p>
+          <a:p>
+            <a:pPr algn="l"/>
             <a:r>
               <a:rPr sz="1200" b="0" i="0">
                 <a:solidFill>
-                  <a:srgbClr val="384276"/>
+                  <a:srgbClr val="193459"/>
                 </a:solidFill>
                 <a:latin typeface="Segoe UI"/>
               </a:rPr>
-              <a:t> Investor who holds a short position</a:t>
-            </a:r>
-          </a:p>
-          <a:p>
-            <a:pPr>
-              <a:lnSpc>
-                <a:spcPct val="115000"/>
-              </a:lnSpc>
-              <a:spcAft>
-                <a:spcPts val="900"/>
-              </a:spcAft>
-            </a:pPr>
-            <a:r>
-              <a:rPr sz="1200">
-                <a:solidFill>
-                  <a:srgbClr val="384276"/>
-                </a:solidFill>
-                <a:latin typeface="Arial"/>
-              </a:rPr>
-              <a:t>• </a:t>
+              <a:t>A </a:t>
             </a:r>
             <a:r>
               <a:rPr sz="1200" b="1" i="0">
                 <a:solidFill>
-                  <a:srgbClr val="384276"/>
+                  <a:srgbClr val="1D5DBF"/>
                 </a:solidFill>
                 <a:latin typeface="Segoe UI"/>
               </a:rPr>
-              <a:t>Long Position:</a:t>
+              <a:t>short seller</a:t>
             </a:r>
             <a:r>
               <a:rPr sz="1200" b="0" i="0">
                 <a:solidFill>
-                  <a:srgbClr val="384276"/>
+                  <a:srgbClr val="193459"/>
                 </a:solidFill>
                 <a:latin typeface="Segoe UI"/>
               </a:rPr>
-              <a:t> Investor profits from rising prices</a:t>
-            </a:r>
-          </a:p>
-        </p:txBody>
-      </p:sp>
+              <a:t> sells an asset it does not own, aiming to buy it back later at a lower price.</a:t>
+            </a:r>
+          </a:p>
+        </p:txBody>
+      </p:sp>
+      <p:pic>
+        <p:nvPicPr>
+          <p:cNvPr id="13" name="Picture 12" descr="temp_rounded.png"/>
+          <p:cNvPicPr>
+            <a:picLocks noChangeAspect="1"/>
+          </p:cNvPicPr>
+          <p:nvPr/>
+        </p:nvPicPr>
+        <p:blipFill>
+          <a:blip r:embed="rId2"/>
+          <a:stretch>
+            <a:fillRect/>
+          </a:stretch>
+        </p:blipFill>
+        <p:spPr>
+          <a:xfrm>
+            <a:off x="400050" y="1148334"/>
+            <a:ext cx="1352550" cy="1019175"/>
+          </a:xfrm>
+          <a:prstGeom prst="rect">
+            <a:avLst/>
+          </a:prstGeom>
+          <a:effectLst/>
+        </p:spPr>
+      </p:pic>
     </p:spTree>
   </p:cSld>
   <p:clrMapOvr>
@@ -4502,7 +5513,7 @@
     <p:bg>
       <p:bgPr>
         <a:solidFill>
-          <a:srgbClr val="F4F6FB"/>
+          <a:srgbClr val="FFFFFF"/>
         </a:solidFill>
         <a:effectLst/>
       </p:bgPr>
@@ -4523,11 +5534,11 @@
         <p:spPr>
           <a:xfrm>
             <a:off x="0" y="0"/>
-            <a:ext cx="8572500" cy="5238750"/>
+            <a:ext cx="7810500" cy="4572000"/>
           </a:xfrm>
           <a:prstGeom prst="roundRect">
             <a:avLst>
-              <a:gd name="adj" fmla="val 2909"/>
+              <a:gd name="adj" fmla="val 2916"/>
             </a:avLst>
           </a:prstGeom>
           <a:solidFill>
@@ -4568,8 +5579,8 @@
         </p:nvSpPr>
         <p:spPr>
           <a:xfrm>
-            <a:off x="457200" y="1009650"/>
-            <a:ext cx="4267200" cy="304800"/>
+            <a:off x="400050" y="1374267"/>
+            <a:ext cx="7010400" cy="1752600"/>
           </a:xfrm>
           <a:prstGeom prst="rect">
             <a:avLst/>
@@ -4606,53 +5617,14 @@
       </p:sp>
       <p:sp>
         <p:nvSpPr>
-          <p:cNvPr id="4" name="TextBox 3"/>
-          <p:cNvSpPr txBox="1"/>
-          <p:nvPr/>
-        </p:nvSpPr>
-        <p:spPr>
-          <a:xfrm>
-            <a:off x="457200" y="1009650"/>
-            <a:ext cx="4267200" cy="304800"/>
-          </a:xfrm>
-          <a:prstGeom prst="rect">
-            <a:avLst/>
-          </a:prstGeom>
-          <a:noFill/>
-          <a:ln>
-            <a:noFill/>
-          </a:ln>
-          <a:effectLst/>
-        </p:spPr>
-        <p:txBody>
-          <a:bodyPr wrap="square" anchor="ctr" lIns="0" rIns="0" tIns="0" bIns="0">
-            <a:spAutoFit/>
-          </a:bodyPr>
-          <a:lstStyle/>
-          <a:p>
-            <a:pPr algn="l"/>
-            <a:r>
-              <a:rPr sz="1800" b="1" i="0">
-                <a:solidFill>
-                  <a:srgbClr val="26345C"/>
-                </a:solidFill>
-                <a:latin typeface="Segoe UI"/>
-              </a:rPr>
-              <a:t>How Is a Short Position Created?</a:t>
-            </a:r>
-          </a:p>
-        </p:txBody>
-      </p:sp>
-      <p:sp>
-        <p:nvSpPr>
-          <p:cNvPr id="5" name="Rectangle 4"/>
+          <p:cNvPr id="4" name="Rectangle 3"/>
           <p:cNvSpPr/>
           <p:nvPr/>
         </p:nvSpPr>
         <p:spPr>
           <a:xfrm>
-            <a:off x="457200" y="1466850"/>
-            <a:ext cx="4267200" cy="1809750"/>
+            <a:off x="2066925" y="1374267"/>
+            <a:ext cx="3676650" cy="1752600"/>
           </a:xfrm>
           <a:prstGeom prst="rect">
             <a:avLst/>
@@ -4689,14 +5661,150 @@
       </p:sp>
       <p:sp>
         <p:nvSpPr>
-          <p:cNvPr id="6" name="TextBox 5"/>
+          <p:cNvPr id="5" name="Rounded Rectangle 4"/>
+          <p:cNvSpPr/>
+          <p:nvPr/>
+        </p:nvSpPr>
+        <p:spPr>
+          <a:xfrm>
+            <a:off x="400050" y="1631442"/>
+            <a:ext cx="1381125" cy="1238250"/>
+          </a:xfrm>
+          <a:prstGeom prst="roundRect">
+            <a:avLst>
+              <a:gd name="adj" fmla="val 7692"/>
+            </a:avLst>
+          </a:prstGeom>
+          <a:solidFill>
+            <a:srgbClr val="E8F0F6"/>
+          </a:solidFill>
+          <a:ln>
+            <a:noFill/>
+          </a:ln>
+          <a:effectLst/>
+        </p:spPr>
+        <p:style>
+          <a:lnRef idx="1">
+            <a:schemeClr val="accent1"/>
+          </a:lnRef>
+          <a:fillRef idx="3">
+            <a:schemeClr val="accent1"/>
+          </a:fillRef>
+          <a:effectRef idx="2">
+            <a:schemeClr val="accent1"/>
+          </a:effectRef>
+          <a:fontRef idx="minor">
+            <a:schemeClr val="lt1"/>
+          </a:fontRef>
+        </p:style>
+        <p:txBody>
+          <a:bodyPr rtlCol="0" anchor="ctr"/>
+          <a:lstStyle/>
+          <a:p>
+            <a:pPr algn="ctr"/>
+          </a:p>
+        </p:txBody>
+      </p:sp>
+      <p:sp>
+        <p:nvSpPr>
+          <p:cNvPr id="6" name="Rounded Rectangle 5"/>
+          <p:cNvSpPr/>
+          <p:nvPr/>
+        </p:nvSpPr>
+        <p:spPr>
+          <a:xfrm>
+            <a:off x="5915025" y="1631442"/>
+            <a:ext cx="1381125" cy="1238250"/>
+          </a:xfrm>
+          <a:prstGeom prst="roundRect">
+            <a:avLst>
+              <a:gd name="adj" fmla="val 7692"/>
+            </a:avLst>
+          </a:prstGeom>
+          <a:solidFill>
+            <a:srgbClr val="E8F0F6"/>
+          </a:solidFill>
+          <a:ln>
+            <a:noFill/>
+          </a:ln>
+          <a:effectLst/>
+        </p:spPr>
+        <p:style>
+          <a:lnRef idx="1">
+            <a:schemeClr val="accent1"/>
+          </a:lnRef>
+          <a:fillRef idx="3">
+            <a:schemeClr val="accent1"/>
+          </a:fillRef>
+          <a:effectRef idx="2">
+            <a:schemeClr val="accent1"/>
+          </a:effectRef>
+          <a:fontRef idx="minor">
+            <a:schemeClr val="lt1"/>
+          </a:fontRef>
+        </p:style>
+        <p:txBody>
+          <a:bodyPr rtlCol="0" anchor="ctr"/>
+          <a:lstStyle/>
+          <a:p>
+            <a:pPr algn="ctr"/>
+          </a:p>
+        </p:txBody>
+      </p:sp>
+      <p:sp>
+        <p:nvSpPr>
+          <p:cNvPr id="7" name="Rectangle 6"/>
+          <p:cNvSpPr/>
+          <p:nvPr/>
+        </p:nvSpPr>
+        <p:spPr>
+          <a:xfrm>
+            <a:off x="2295525" y="1447800"/>
+            <a:ext cx="3448050" cy="1600200"/>
+          </a:xfrm>
+          <a:prstGeom prst="rect">
+            <a:avLst/>
+          </a:prstGeom>
+          <a:solidFill>
+            <a:srgbClr val="FFFFFF"/>
+          </a:solidFill>
+          <a:ln>
+            <a:noFill/>
+          </a:ln>
+          <a:effectLst/>
+        </p:spPr>
+        <p:style>
+          <a:lnRef idx="1">
+            <a:schemeClr val="accent1"/>
+          </a:lnRef>
+          <a:fillRef idx="3">
+            <a:schemeClr val="accent1"/>
+          </a:fillRef>
+          <a:effectRef idx="2">
+            <a:schemeClr val="accent1"/>
+          </a:effectRef>
+          <a:fontRef idx="minor">
+            <a:schemeClr val="lt1"/>
+          </a:fontRef>
+        </p:style>
+        <p:txBody>
+          <a:bodyPr rtlCol="0" anchor="ctr"/>
+          <a:lstStyle/>
+          <a:p>
+            <a:pPr algn="ctr"/>
+          </a:p>
+        </p:txBody>
+      </p:sp>
+      <p:sp>
+        <p:nvSpPr>
+          <p:cNvPr id="8" name="TextBox 7"/>
           <p:cNvSpPr txBox="1"/>
           <p:nvPr/>
         </p:nvSpPr>
         <p:spPr>
           <a:xfrm>
-            <a:off x="457200" y="1466850"/>
-            <a:ext cx="4267200" cy="1809750"/>
+            <a:off x="2295525" y="1447800"/>
+            <a:ext cx="3448050" cy="1600200"/>
           </a:xfrm>
           <a:prstGeom prst="rect">
             <a:avLst/>
@@ -4708,7 +5816,7 @@
           <a:effectLst/>
         </p:spPr>
         <p:txBody>
-          <a:bodyPr wrap="square" anchor="t" lIns="190500" rIns="0" tIns="0" bIns="0">
+          <a:bodyPr wrap="square" anchor="t" lIns="381000" rIns="0" tIns="0" bIns="0">
             <a:spAutoFit/>
           </a:bodyPr>
           <a:lstStyle/>
@@ -4718,22 +5826,22 @@
                 <a:spcPct val="115000"/>
               </a:lnSpc>
               <a:spcAft>
-                <a:spcPts val="937"/>
+                <a:spcPts val="0"/>
               </a:spcAft>
             </a:pPr>
             <a:r>
               <a:rPr sz="1200">
                 <a:solidFill>
-                  <a:srgbClr val="384276"/>
-                </a:solidFill>
-                <a:latin typeface="Arial"/>
-              </a:rPr>
-              <a:t>• </a:t>
+                  <a:srgbClr val="222222"/>
+                </a:solidFill>
+                <a:latin typeface="Segoe UI"/>
+              </a:rPr>
+              <a:t>1. </a:t>
             </a:r>
             <a:r>
               <a:rPr sz="1200" b="1" i="0">
                 <a:solidFill>
-                  <a:srgbClr val="384276"/>
+                  <a:srgbClr val="222222"/>
                 </a:solidFill>
                 <a:latin typeface="Segoe UI"/>
               </a:rPr>
@@ -4742,11 +5850,11 @@
             <a:r>
               <a:rPr sz="1200" b="0" i="0">
                 <a:solidFill>
-                  <a:srgbClr val="384276"/>
+                  <a:srgbClr val="222222"/>
                 </a:solidFill>
                 <a:latin typeface="Segoe UI"/>
               </a:rPr>
-              <a:t> Borrowing and selling the asset, then repurchasing it later.</a:t>
+              <a:t> Borrow and sell the asset (commonly stocks or bonds).</a:t>
             </a:r>
           </a:p>
           <a:p>
@@ -4755,35 +5863,35 @@
                 <a:spcPct val="115000"/>
               </a:lnSpc>
               <a:spcAft>
-                <a:spcPts val="937"/>
+                <a:spcPts val="0"/>
               </a:spcAft>
             </a:pPr>
             <a:r>
               <a:rPr sz="1200">
                 <a:solidFill>
-                  <a:srgbClr val="384276"/>
-                </a:solidFill>
-                <a:latin typeface="Arial"/>
-              </a:rPr>
-              <a:t>• </a:t>
+                  <a:srgbClr val="222222"/>
+                </a:solidFill>
+                <a:latin typeface="Segoe UI"/>
+              </a:rPr>
+              <a:t>2. </a:t>
             </a:r>
             <a:r>
               <a:rPr sz="1200" b="1" i="0">
                 <a:solidFill>
-                  <a:srgbClr val="384276"/>
+                  <a:srgbClr val="222222"/>
                 </a:solidFill>
                 <a:latin typeface="Segoe UI"/>
               </a:rPr>
-              <a:t>Derivatives:</a:t>
+              <a:t>Futures/Forwards:</a:t>
             </a:r>
             <a:r>
               <a:rPr sz="1200" b="0" i="0">
                 <a:solidFill>
-                  <a:srgbClr val="384276"/>
+                  <a:srgbClr val="222222"/>
                 </a:solidFill>
                 <a:latin typeface="Segoe UI"/>
               </a:rPr>
-              <a:t> Using futures, forwards, or options contracts to bet on price drops.</a:t>
+              <a:t> Contract to sell the asset at a set future price.</a:t>
             </a:r>
           </a:p>
           <a:p>
@@ -4792,42 +5900,383 @@
                 <a:spcPct val="115000"/>
               </a:lnSpc>
               <a:spcAft>
-                <a:spcPts val="937"/>
+                <a:spcPts val="0"/>
               </a:spcAft>
             </a:pPr>
             <a:r>
               <a:rPr sz="1200">
                 <a:solidFill>
-                  <a:srgbClr val="384276"/>
-                </a:solidFill>
-                <a:latin typeface="Arial"/>
-              </a:rPr>
-              <a:t>• </a:t>
+                  <a:srgbClr val="222222"/>
+                </a:solidFill>
+                <a:latin typeface="Segoe UI"/>
+              </a:rPr>
+              <a:t>3. </a:t>
             </a:r>
             <a:r>
               <a:rPr sz="1200" b="1" i="0">
                 <a:solidFill>
-                  <a:srgbClr val="384276"/>
+                  <a:srgbClr val="222222"/>
                 </a:solidFill>
                 <a:latin typeface="Segoe UI"/>
               </a:rPr>
-              <a:t>Swaps:</a:t>
+              <a:t>Options:</a:t>
             </a:r>
             <a:r>
               <a:rPr sz="1200" b="0" i="0">
                 <a:solidFill>
-                  <a:srgbClr val="384276"/>
+                  <a:srgbClr val="222222"/>
                 </a:solidFill>
                 <a:latin typeface="Segoe UI"/>
               </a:rPr>
-              <a:t> e.g., Contract for Difference (CFD) to receive/pay the difference in asset price changes.</a:t>
+              <a:t> Right to sell (put option) at a predetermined price.</a:t>
+            </a:r>
+          </a:p>
+          <a:p>
+            <a:pPr>
+              <a:lnSpc>
+                <a:spcPct val="115000"/>
+              </a:lnSpc>
+              <a:spcAft>
+                <a:spcPts val="0"/>
+              </a:spcAft>
+            </a:pPr>
+            <a:r>
+              <a:rPr sz="1200">
+                <a:solidFill>
+                  <a:srgbClr val="222222"/>
+                </a:solidFill>
+                <a:latin typeface="Segoe UI"/>
+              </a:rPr>
+              <a:t>4. </a:t>
+            </a:r>
+            <a:r>
+              <a:rPr sz="1200" b="1" i="0">
+                <a:solidFill>
+                  <a:srgbClr val="222222"/>
+                </a:solidFill>
+                <a:latin typeface="Segoe UI"/>
+              </a:rPr>
+              <a:t>Swaps/CFDs:</a:t>
+            </a:r>
+            <a:r>
+              <a:rPr sz="1200" b="0" i="0">
+                <a:solidFill>
+                  <a:srgbClr val="222222"/>
+                </a:solidFill>
+                <a:latin typeface="Segoe UI"/>
+              </a:rPr>
+              <a:t> Contract for Difference: Parties exchange difference in asset prices.</a:t>
+            </a:r>
+          </a:p>
+        </p:txBody>
+      </p:sp>
+      <p:sp>
+        <p:nvSpPr>
+          <p:cNvPr id="9" name="Rectangle 8"/>
+          <p:cNvSpPr/>
+          <p:nvPr/>
+        </p:nvSpPr>
+        <p:spPr>
+          <a:xfrm>
+            <a:off x="400050" y="304800"/>
+            <a:ext cx="7010400" cy="485775"/>
+          </a:xfrm>
+          <a:prstGeom prst="rect">
+            <a:avLst/>
+          </a:prstGeom>
+          <a:solidFill>
+            <a:srgbClr val="FFFFFF"/>
+          </a:solidFill>
+          <a:ln>
+            <a:noFill/>
+          </a:ln>
+          <a:effectLst/>
+        </p:spPr>
+        <p:style>
+          <a:lnRef idx="1">
+            <a:schemeClr val="accent1"/>
+          </a:lnRef>
+          <a:fillRef idx="3">
+            <a:schemeClr val="accent1"/>
+          </a:fillRef>
+          <a:effectRef idx="2">
+            <a:schemeClr val="accent1"/>
+          </a:effectRef>
+          <a:fontRef idx="minor">
+            <a:schemeClr val="lt1"/>
+          </a:fontRef>
+        </p:style>
+        <p:txBody>
+          <a:bodyPr rtlCol="0" anchor="ctr"/>
+          <a:lstStyle/>
+          <a:p>
+            <a:pPr algn="ctr"/>
+          </a:p>
+        </p:txBody>
+      </p:sp>
+      <p:sp>
+        <p:nvSpPr>
+          <p:cNvPr id="10" name="TextBox 9"/>
+          <p:cNvSpPr txBox="1"/>
+          <p:nvPr/>
+        </p:nvSpPr>
+        <p:spPr>
+          <a:xfrm>
+            <a:off x="400050" y="304800"/>
+            <a:ext cx="7010400" cy="485775"/>
+          </a:xfrm>
+          <a:prstGeom prst="rect">
+            <a:avLst/>
+          </a:prstGeom>
+          <a:noFill/>
+          <a:ln>
+            <a:noFill/>
+          </a:ln>
+          <a:effectLst/>
+        </p:spPr>
+        <p:txBody>
+          <a:bodyPr wrap="square" anchor="t" lIns="0" rIns="0" tIns="0" bIns="0">
+            <a:spAutoFit/>
+          </a:bodyPr>
+          <a:lstStyle/>
+          <a:p>
+            <a:pPr algn="l"/>
+            <a:r>
+              <a:rPr sz="2800" b="1" i="0">
+                <a:solidFill>
+                  <a:srgbClr val="14233A"/>
+                </a:solidFill>
+                <a:latin typeface="Segoe UI"/>
+              </a:rPr>
+              <a:t>How to Achieve a Short Position</a:t>
+            </a:r>
+          </a:p>
+        </p:txBody>
+      </p:sp>
+      <p:sp>
+        <p:nvSpPr>
+          <p:cNvPr id="11" name="Rectangle 10"/>
+          <p:cNvSpPr/>
+          <p:nvPr/>
+        </p:nvSpPr>
+        <p:spPr>
+          <a:xfrm>
+            <a:off x="400050" y="866775"/>
+            <a:ext cx="7010400" cy="278892"/>
+          </a:xfrm>
+          <a:prstGeom prst="rect">
+            <a:avLst/>
+          </a:prstGeom>
+          <a:solidFill>
+            <a:srgbClr val="FFFFFF"/>
+          </a:solidFill>
+          <a:ln>
+            <a:noFill/>
+          </a:ln>
+          <a:effectLst/>
+        </p:spPr>
+        <p:style>
+          <a:lnRef idx="1">
+            <a:schemeClr val="accent1"/>
+          </a:lnRef>
+          <a:fillRef idx="3">
+            <a:schemeClr val="accent1"/>
+          </a:fillRef>
+          <a:effectRef idx="2">
+            <a:schemeClr val="accent1"/>
+          </a:effectRef>
+          <a:fontRef idx="minor">
+            <a:schemeClr val="lt1"/>
+          </a:fontRef>
+        </p:style>
+        <p:txBody>
+          <a:bodyPr rtlCol="0" anchor="ctr"/>
+          <a:lstStyle/>
+          <a:p>
+            <a:pPr algn="ctr"/>
+          </a:p>
+        </p:txBody>
+      </p:sp>
+      <p:sp>
+        <p:nvSpPr>
+          <p:cNvPr id="12" name="TextBox 11"/>
+          <p:cNvSpPr txBox="1"/>
+          <p:nvPr/>
+        </p:nvSpPr>
+        <p:spPr>
+          <a:xfrm>
+            <a:off x="400050" y="866775"/>
+            <a:ext cx="7010400" cy="278892"/>
+          </a:xfrm>
+          <a:prstGeom prst="rect">
+            <a:avLst/>
+          </a:prstGeom>
+          <a:noFill/>
+          <a:ln>
+            <a:noFill/>
+          </a:ln>
+          <a:effectLst/>
+        </p:spPr>
+        <p:txBody>
+          <a:bodyPr wrap="square" anchor="ctr" lIns="0" rIns="0" tIns="0" bIns="0">
+            <a:spAutoFit/>
+          </a:bodyPr>
+          <a:lstStyle/>
+          <a:p>
+            <a:pPr algn="l"/>
+            <a:r>
+              <a:rPr sz="1300" b="0" i="0">
+                <a:solidFill>
+                  <a:srgbClr val="232D3B"/>
+                </a:solidFill>
+                <a:latin typeface="Segoe UI"/>
+              </a:rPr>
+              <a:t>Multiple financial instruments and strategies allow investors to gain short exposure to assets:</a:t>
+            </a:r>
+          </a:p>
+        </p:txBody>
+      </p:sp>
+      <p:sp>
+        <p:nvSpPr>
+          <p:cNvPr id="13" name="Rounded Rectangle 12"/>
+          <p:cNvSpPr/>
+          <p:nvPr/>
+        </p:nvSpPr>
+        <p:spPr>
+          <a:xfrm>
+            <a:off x="400050" y="3314700"/>
+            <a:ext cx="7010400" cy="666750"/>
+          </a:xfrm>
+          <a:prstGeom prst="roundRect">
+            <a:avLst>
+              <a:gd name="adj" fmla="val 10000"/>
+            </a:avLst>
+          </a:prstGeom>
+          <a:solidFill>
+            <a:srgbClr val="F4F7FA"/>
+          </a:solidFill>
+          <a:ln>
+            <a:noFill/>
+          </a:ln>
+          <a:effectLst/>
+        </p:spPr>
+        <p:style>
+          <a:lnRef idx="1">
+            <a:schemeClr val="accent1"/>
+          </a:lnRef>
+          <a:fillRef idx="3">
+            <a:schemeClr val="accent1"/>
+          </a:fillRef>
+          <a:effectRef idx="2">
+            <a:schemeClr val="accent1"/>
+          </a:effectRef>
+          <a:fontRef idx="minor">
+            <a:schemeClr val="lt1"/>
+          </a:fontRef>
+        </p:style>
+        <p:txBody>
+          <a:bodyPr rtlCol="0" anchor="ctr"/>
+          <a:lstStyle/>
+          <a:p>
+            <a:pPr algn="ctr"/>
+          </a:p>
+        </p:txBody>
+      </p:sp>
+      <p:sp>
+        <p:nvSpPr>
+          <p:cNvPr id="14" name="Rectangle 13"/>
+          <p:cNvSpPr/>
+          <p:nvPr/>
+        </p:nvSpPr>
+        <p:spPr>
+          <a:xfrm>
+            <a:off x="400050" y="3314700"/>
+            <a:ext cx="47625" cy="666750"/>
+          </a:xfrm>
+          <a:prstGeom prst="rect">
+            <a:avLst/>
+          </a:prstGeom>
+          <a:solidFill>
+            <a:srgbClr val="1D5DBF"/>
+          </a:solidFill>
+          <a:ln>
+            <a:noFill/>
+          </a:ln>
+          <a:effectLst/>
+        </p:spPr>
+        <p:style>
+          <a:lnRef idx="1">
+            <a:schemeClr val="accent1"/>
+          </a:lnRef>
+          <a:fillRef idx="3">
+            <a:schemeClr val="accent1"/>
+          </a:fillRef>
+          <a:effectRef idx="2">
+            <a:schemeClr val="accent1"/>
+          </a:effectRef>
+          <a:fontRef idx="minor">
+            <a:schemeClr val="lt1"/>
+          </a:fontRef>
+        </p:style>
+        <p:txBody>
+          <a:bodyPr rtlCol="0" anchor="ctr"/>
+          <a:lstStyle/>
+          <a:p>
+            <a:pPr algn="ctr"/>
+          </a:p>
+        </p:txBody>
+      </p:sp>
+      <p:sp>
+        <p:nvSpPr>
+          <p:cNvPr id="15" name="TextBox 14"/>
+          <p:cNvSpPr txBox="1"/>
+          <p:nvPr/>
+        </p:nvSpPr>
+        <p:spPr>
+          <a:xfrm>
+            <a:off x="400050" y="3314700"/>
+            <a:ext cx="7010400" cy="666750"/>
+          </a:xfrm>
+          <a:prstGeom prst="rect">
+            <a:avLst/>
+          </a:prstGeom>
+          <a:noFill/>
+          <a:ln>
+            <a:noFill/>
+          </a:ln>
+          <a:effectLst/>
+        </p:spPr>
+        <p:txBody>
+          <a:bodyPr wrap="square" anchor="ctr" lIns="171450" rIns="171450" tIns="133350" bIns="133350">
+            <a:spAutoFit/>
+          </a:bodyPr>
+          <a:lstStyle/>
+          <a:p>
+            <a:pPr algn="l"/>
+            <a:r>
+              <a:rPr sz="1200" b="1" i="0">
+                <a:solidFill>
+                  <a:srgbClr val="193459"/>
+                </a:solidFill>
+                <a:latin typeface="Segoe UI"/>
+              </a:rPr>
+              <a:t>Key Point:</a:t>
+            </a:r>
+            <a:r>
+              <a:rPr sz="1200" b="0" i="0">
+                <a:solidFill>
+                  <a:srgbClr val="193459"/>
+                </a:solidFill>
+                <a:latin typeface="Segoe UI"/>
+              </a:rPr>
+              <a:t> Short positions are not limited to physical assets, but can be synthetically created with derivatives.</a:t>
             </a:r>
           </a:p>
         </p:txBody>
       </p:sp>
       <p:pic>
         <p:nvPicPr>
-          <p:cNvPr id="7" name="Picture 6" descr="temp_rounded.png"/>
+          <p:cNvPr id="16" name="Picture 15" descr="temp_image.png"/>
           <p:cNvPicPr>
             <a:picLocks noChangeAspect="1"/>
           </p:cNvPicPr>
@@ -4841,8 +6290,8 @@
         </p:blipFill>
         <p:spPr>
           <a:xfrm>
-            <a:off x="5067300" y="1600200"/>
-            <a:ext cx="3048000" cy="2038350"/>
+            <a:off x="862012" y="2021967"/>
+            <a:ext cx="457200" cy="457200"/>
           </a:xfrm>
           <a:prstGeom prst="rect">
             <a:avLst/>
@@ -4850,146 +6299,31 @@
           <a:effectLst/>
         </p:spPr>
       </p:pic>
-      <p:sp>
-        <p:nvSpPr>
-          <p:cNvPr id="8" name="Rounded Rectangle 7"/>
-          <p:cNvSpPr/>
-          <p:nvPr/>
-        </p:nvSpPr>
-        <p:spPr>
-          <a:xfrm>
-            <a:off x="457200" y="3429000"/>
-            <a:ext cx="4267200" cy="628650"/>
-          </a:xfrm>
-          <a:prstGeom prst="roundRect">
-            <a:avLst>
-              <a:gd name="adj" fmla="val 12121"/>
-            </a:avLst>
-          </a:prstGeom>
-          <a:solidFill>
-            <a:srgbClr val="E9ECF6"/>
-          </a:solidFill>
-          <a:ln>
-            <a:noFill/>
-          </a:ln>
-          <a:effectLst/>
-        </p:spPr>
-        <p:style>
-          <a:lnRef idx="1">
-            <a:schemeClr val="accent1"/>
-          </a:lnRef>
-          <a:fillRef idx="3">
-            <a:schemeClr val="accent1"/>
-          </a:fillRef>
-          <a:effectRef idx="2">
-            <a:schemeClr val="accent1"/>
-          </a:effectRef>
-          <a:fontRef idx="minor">
-            <a:schemeClr val="lt1"/>
-          </a:fontRef>
-        </p:style>
-        <p:txBody>
-          <a:bodyPr rtlCol="0" anchor="ctr"/>
-          <a:lstStyle/>
-          <a:p>
-            <a:pPr algn="ctr"/>
-          </a:p>
-        </p:txBody>
-      </p:sp>
-      <p:sp>
-        <p:nvSpPr>
-          <p:cNvPr id="9" name="Rounded Rectangle 8"/>
-          <p:cNvSpPr/>
-          <p:nvPr/>
-        </p:nvSpPr>
-        <p:spPr>
-          <a:xfrm>
-            <a:off x="457200" y="3429000"/>
-            <a:ext cx="47625" cy="628650"/>
-          </a:xfrm>
-          <a:prstGeom prst="roundRect">
-            <a:avLst>
-              <a:gd name="adj" fmla="val 50000"/>
-            </a:avLst>
-          </a:prstGeom>
-          <a:solidFill>
-            <a:srgbClr val="587EF4"/>
-          </a:solidFill>
-          <a:ln>
-            <a:noFill/>
-          </a:ln>
-          <a:effectLst/>
-        </p:spPr>
-        <p:style>
-          <a:lnRef idx="1">
-            <a:schemeClr val="accent1"/>
-          </a:lnRef>
-          <a:fillRef idx="3">
-            <a:schemeClr val="accent1"/>
-          </a:fillRef>
-          <a:effectRef idx="2">
-            <a:schemeClr val="accent1"/>
-          </a:effectRef>
-          <a:fontRef idx="minor">
-            <a:schemeClr val="lt1"/>
-          </a:fontRef>
-        </p:style>
-        <p:txBody>
-          <a:bodyPr rtlCol="0" anchor="ctr"/>
-          <a:lstStyle/>
-          <a:p>
-            <a:pPr algn="ctr"/>
-          </a:p>
-        </p:txBody>
-      </p:sp>
-      <p:sp>
-        <p:nvSpPr>
-          <p:cNvPr id="10" name="TextBox 9"/>
-          <p:cNvSpPr txBox="1"/>
-          <p:nvPr/>
-        </p:nvSpPr>
-        <p:spPr>
-          <a:xfrm>
-            <a:off x="457200" y="3429000"/>
-            <a:ext cx="4267200" cy="628650"/>
-          </a:xfrm>
-          <a:prstGeom prst="rect">
-            <a:avLst/>
-          </a:prstGeom>
-          <a:noFill/>
-          <a:ln>
-            <a:noFill/>
-          </a:ln>
-          <a:effectLst/>
-        </p:spPr>
-        <p:txBody>
-          <a:bodyPr wrap="square" anchor="ctr" lIns="171450" rIns="171450" tIns="114300" bIns="114300">
-            <a:spAutoFit/>
-          </a:bodyPr>
-          <a:lstStyle/>
-          <a:p>
-            <a:pPr algn="l"/>
-            <a:r>
-              <a:rPr sz="1200" b="1" i="0">
-                <a:solidFill>
-                  <a:srgbClr val="26345C"/>
-                </a:solidFill>
-                <a:latin typeface="Segoe UI"/>
-              </a:rPr>
-              <a:t>Key Point:</a:t>
-            </a:r>
-            <a:r>
-              <a:rPr sz="1200" b="0" i="0">
-                <a:solidFill>
-                  <a:srgbClr val="26345C"/>
-                </a:solidFill>
-                <a:latin typeface="Segoe UI"/>
-              </a:rPr>
-              <a:t> All methods rely on the ability to sell first and buy back later at a lower price.</a:t>
-            </a:r>
-          </a:p>
-        </p:txBody>
-      </p:sp>
+      <p:pic>
+        <p:nvPicPr>
+          <p:cNvPr id="17" name="Picture 16" descr="temp_image.png"/>
+          <p:cNvPicPr>
+            <a:picLocks noChangeAspect="1"/>
+          </p:cNvPicPr>
+          <p:nvPr/>
+        </p:nvPicPr>
+        <p:blipFill>
+          <a:blip r:embed="rId3"/>
+          <a:stretch>
+            <a:fillRect/>
+          </a:stretch>
+        </p:blipFill>
+        <p:spPr>
+          <a:xfrm>
+            <a:off x="6376988" y="2021967"/>
+            <a:ext cx="457200" cy="457200"/>
+          </a:xfrm>
+          <a:prstGeom prst="rect">
+            <a:avLst/>
+          </a:prstGeom>
+          <a:effectLst/>
+        </p:spPr>
+      </p:pic>
     </p:spTree>
   </p:cSld>
   <p:clrMapOvr>
@@ -5004,7 +6338,7 @@
     <p:bg>
       <p:bgPr>
         <a:solidFill>
-          <a:srgbClr val="F4F6FB"/>
+          <a:srgbClr val="FFFFFF"/>
         </a:solidFill>
         <a:effectLst/>
       </p:bgPr>
@@ -5025,11 +6359,11 @@
         <p:spPr>
           <a:xfrm>
             <a:off x="0" y="0"/>
-            <a:ext cx="8572500" cy="5238750"/>
+            <a:ext cx="7810500" cy="4572000"/>
           </a:xfrm>
           <a:prstGeom prst="roundRect">
             <a:avLst>
-              <a:gd name="adj" fmla="val 2909"/>
+              <a:gd name="adj" fmla="val 2916"/>
             </a:avLst>
           </a:prstGeom>
           <a:solidFill>
@@ -5070,8 +6404,8 @@
         </p:nvSpPr>
         <p:spPr>
           <a:xfrm>
-            <a:off x="457200" y="1219200"/>
-            <a:ext cx="4876800" cy="304800"/>
+            <a:off x="400050" y="1038225"/>
+            <a:ext cx="7010400" cy="1152525"/>
           </a:xfrm>
           <a:prstGeom prst="rect">
             <a:avLst/>
@@ -5108,53 +6442,14 @@
       </p:sp>
       <p:sp>
         <p:nvSpPr>
-          <p:cNvPr id="4" name="TextBox 3"/>
-          <p:cNvSpPr txBox="1"/>
-          <p:nvPr/>
-        </p:nvSpPr>
-        <p:spPr>
-          <a:xfrm>
-            <a:off x="457200" y="1219200"/>
-            <a:ext cx="4876800" cy="304800"/>
-          </a:xfrm>
-          <a:prstGeom prst="rect">
-            <a:avLst/>
-          </a:prstGeom>
-          <a:noFill/>
-          <a:ln>
-            <a:noFill/>
-          </a:ln>
-          <a:effectLst/>
-        </p:spPr>
-        <p:txBody>
-          <a:bodyPr wrap="square" anchor="ctr" lIns="0" rIns="0" tIns="0" bIns="0">
-            <a:spAutoFit/>
-          </a:bodyPr>
-          <a:lstStyle/>
-          <a:p>
-            <a:pPr algn="l"/>
-            <a:r>
-              <a:rPr sz="1800" b="1" i="0">
-                <a:solidFill>
-                  <a:srgbClr val="26345C"/>
-                </a:solidFill>
-                <a:latin typeface="Segoe UI"/>
-              </a:rPr>
-              <a:t>Short Selling: Step-by-Step</a:t>
-            </a:r>
-          </a:p>
-        </p:txBody>
-      </p:sp>
-      <p:sp>
-        <p:nvSpPr>
-          <p:cNvPr id="5" name="Rectangle 4"/>
+          <p:cNvPr id="4" name="Rectangle 3"/>
           <p:cNvSpPr/>
           <p:nvPr/>
         </p:nvSpPr>
         <p:spPr>
           <a:xfrm>
-            <a:off x="457200" y="1828800"/>
-            <a:ext cx="4876800" cy="2038350"/>
+            <a:off x="1781175" y="1038225"/>
+            <a:ext cx="4148423" cy="1152525"/>
           </a:xfrm>
           <a:prstGeom prst="rect">
             <a:avLst/>
@@ -5191,14 +6486,146 @@
       </p:sp>
       <p:sp>
         <p:nvSpPr>
-          <p:cNvPr id="6" name="TextBox 5"/>
+          <p:cNvPr id="5" name="Rectangle 4"/>
+          <p:cNvSpPr/>
+          <p:nvPr/>
+        </p:nvSpPr>
+        <p:spPr>
+          <a:xfrm>
+            <a:off x="400050" y="1133475"/>
+            <a:ext cx="1209675" cy="962025"/>
+          </a:xfrm>
+          <a:prstGeom prst="rect">
+            <a:avLst/>
+          </a:prstGeom>
+          <a:solidFill>
+            <a:srgbClr val="FFFFFF"/>
+          </a:solidFill>
+          <a:ln>
+            <a:noFill/>
+          </a:ln>
+          <a:effectLst/>
+        </p:spPr>
+        <p:style>
+          <a:lnRef idx="1">
+            <a:schemeClr val="accent1"/>
+          </a:lnRef>
+          <a:fillRef idx="3">
+            <a:schemeClr val="accent1"/>
+          </a:fillRef>
+          <a:effectRef idx="2">
+            <a:schemeClr val="accent1"/>
+          </a:effectRef>
+          <a:fontRef idx="minor">
+            <a:schemeClr val="lt1"/>
+          </a:fontRef>
+        </p:style>
+        <p:txBody>
+          <a:bodyPr rtlCol="0" anchor="ctr"/>
+          <a:lstStyle/>
+          <a:p>
+            <a:pPr algn="ctr"/>
+          </a:p>
+        </p:txBody>
+      </p:sp>
+      <p:sp>
+        <p:nvSpPr>
+          <p:cNvPr id="6" name="Rectangle 5"/>
+          <p:cNvSpPr/>
+          <p:nvPr/>
+        </p:nvSpPr>
+        <p:spPr>
+          <a:xfrm>
+            <a:off x="6101048" y="1504950"/>
+            <a:ext cx="1309402" cy="219075"/>
+          </a:xfrm>
+          <a:prstGeom prst="rect">
+            <a:avLst/>
+          </a:prstGeom>
+          <a:solidFill>
+            <a:srgbClr val="FFFFFF"/>
+          </a:solidFill>
+          <a:ln>
+            <a:noFill/>
+          </a:ln>
+          <a:effectLst/>
+        </p:spPr>
+        <p:style>
+          <a:lnRef idx="1">
+            <a:schemeClr val="accent1"/>
+          </a:lnRef>
+          <a:fillRef idx="3">
+            <a:schemeClr val="accent1"/>
+          </a:fillRef>
+          <a:effectRef idx="2">
+            <a:schemeClr val="accent1"/>
+          </a:effectRef>
+          <a:fontRef idx="minor">
+            <a:schemeClr val="lt1"/>
+          </a:fontRef>
+        </p:style>
+        <p:txBody>
+          <a:bodyPr rtlCol="0" anchor="ctr"/>
+          <a:lstStyle/>
+          <a:p>
+            <a:pPr algn="ctr"/>
+          </a:p>
+        </p:txBody>
+      </p:sp>
+      <p:sp>
+        <p:nvSpPr>
+          <p:cNvPr id="7" name="Rectangle 6"/>
+          <p:cNvSpPr/>
+          <p:nvPr/>
+        </p:nvSpPr>
+        <p:spPr>
+          <a:xfrm>
+            <a:off x="2009775" y="1114425"/>
+            <a:ext cx="3924300" cy="1000125"/>
+          </a:xfrm>
+          <a:prstGeom prst="rect">
+            <a:avLst/>
+          </a:prstGeom>
+          <a:solidFill>
+            <a:srgbClr val="FFFFFF"/>
+          </a:solidFill>
+          <a:ln>
+            <a:noFill/>
+          </a:ln>
+          <a:effectLst/>
+        </p:spPr>
+        <p:style>
+          <a:lnRef idx="1">
+            <a:schemeClr val="accent1"/>
+          </a:lnRef>
+          <a:fillRef idx="3">
+            <a:schemeClr val="accent1"/>
+          </a:fillRef>
+          <a:effectRef idx="2">
+            <a:schemeClr val="accent1"/>
+          </a:effectRef>
+          <a:fontRef idx="minor">
+            <a:schemeClr val="lt1"/>
+          </a:fontRef>
+        </p:style>
+        <p:txBody>
+          <a:bodyPr rtlCol="0" anchor="ctr"/>
+          <a:lstStyle/>
+          <a:p>
+            <a:pPr algn="ctr"/>
+          </a:p>
+        </p:txBody>
+      </p:sp>
+      <p:sp>
+        <p:nvSpPr>
+          <p:cNvPr id="8" name="TextBox 7"/>
           <p:cNvSpPr txBox="1"/>
           <p:nvPr/>
         </p:nvSpPr>
         <p:spPr>
           <a:xfrm>
-            <a:off x="457200" y="1828800"/>
-            <a:ext cx="4876800" cy="2038350"/>
+            <a:off x="2009775" y="1114425"/>
+            <a:ext cx="3924300" cy="1000125"/>
           </a:xfrm>
           <a:prstGeom prst="rect">
             <a:avLst/>
@@ -5220,35 +6647,26 @@
                 <a:spcPct val="115000"/>
               </a:lnSpc>
               <a:spcAft>
-                <a:spcPts val="881"/>
+                <a:spcPts val="0"/>
               </a:spcAft>
             </a:pPr>
             <a:r>
               <a:rPr sz="1200">
                 <a:solidFill>
-                  <a:srgbClr val="384276"/>
+                  <a:srgbClr val="222222"/>
+                </a:solidFill>
+                <a:latin typeface="Arial"/>
+              </a:rPr>
+              <a:t>• </a:t>
+            </a:r>
+            <a:r>
+              <a:rPr sz="1200" b="0" i="0">
+                <a:solidFill>
+                  <a:srgbClr val="222222"/>
                 </a:solidFill>
                 <a:latin typeface="Segoe UI"/>
               </a:rPr>
-              <a:t>1. </a:t>
-            </a:r>
-            <a:r>
-              <a:rPr sz="1200" b="1" i="0">
-                <a:solidFill>
-                  <a:srgbClr val="384276"/>
-                </a:solidFill>
-                <a:latin typeface="Segoe UI"/>
-              </a:rPr>
-              <a:t>Borrow</a:t>
-            </a:r>
-            <a:r>
-              <a:rPr sz="1200" b="0" i="0">
-                <a:solidFill>
-                  <a:srgbClr val="384276"/>
-                </a:solidFill>
-                <a:latin typeface="Segoe UI"/>
-              </a:rPr>
-              <a:t> the asset (e.g., shares) from a lender.</a:t>
+              <a:t>Borrow asset (e.g., shares) from a lender via broker</a:t>
             </a:r>
           </a:p>
           <a:p>
@@ -5257,35 +6675,26 @@
                 <a:spcPct val="115000"/>
               </a:lnSpc>
               <a:spcAft>
-                <a:spcPts val="881"/>
+                <a:spcPts val="0"/>
               </a:spcAft>
             </a:pPr>
             <a:r>
               <a:rPr sz="1200">
                 <a:solidFill>
-                  <a:srgbClr val="384276"/>
+                  <a:srgbClr val="222222"/>
+                </a:solidFill>
+                <a:latin typeface="Arial"/>
+              </a:rPr>
+              <a:t>• </a:t>
+            </a:r>
+            <a:r>
+              <a:rPr sz="1200" b="0" i="0">
+                <a:solidFill>
+                  <a:srgbClr val="222222"/>
                 </a:solidFill>
                 <a:latin typeface="Segoe UI"/>
               </a:rPr>
-              <a:t>2. </a:t>
-            </a:r>
-            <a:r>
-              <a:rPr sz="1200" b="1" i="0">
-                <a:solidFill>
-                  <a:srgbClr val="384276"/>
-                </a:solidFill>
-                <a:latin typeface="Segoe UI"/>
-              </a:rPr>
-              <a:t>Sell</a:t>
-            </a:r>
-            <a:r>
-              <a:rPr sz="1200" b="0" i="0">
-                <a:solidFill>
-                  <a:srgbClr val="384276"/>
-                </a:solidFill>
-                <a:latin typeface="Segoe UI"/>
-              </a:rPr>
-              <a:t> the borrowed asset in the open market.</a:t>
+              <a:t>Sell the asset in the open market</a:t>
             </a:r>
           </a:p>
           <a:p>
@@ -5294,35 +6703,26 @@
                 <a:spcPct val="115000"/>
               </a:lnSpc>
               <a:spcAft>
-                <a:spcPts val="881"/>
+                <a:spcPts val="0"/>
               </a:spcAft>
             </a:pPr>
             <a:r>
               <a:rPr sz="1200">
                 <a:solidFill>
-                  <a:srgbClr val="384276"/>
+                  <a:srgbClr val="222222"/>
+                </a:solidFill>
+                <a:latin typeface="Arial"/>
+              </a:rPr>
+              <a:t>• </a:t>
+            </a:r>
+            <a:r>
+              <a:rPr sz="1200" b="0" i="0">
+                <a:solidFill>
+                  <a:srgbClr val="222222"/>
                 </a:solidFill>
                 <a:latin typeface="Segoe UI"/>
               </a:rPr>
-              <a:t>3. </a:t>
-            </a:r>
-            <a:r>
-              <a:rPr sz="1200" b="1" i="0">
-                <a:solidFill>
-                  <a:srgbClr val="384276"/>
-                </a:solidFill>
-                <a:latin typeface="Segoe UI"/>
-              </a:rPr>
-              <a:t>Wait</a:t>
-            </a:r>
-            <a:r>
-              <a:rPr sz="1200" b="0" i="0">
-                <a:solidFill>
-                  <a:srgbClr val="384276"/>
-                </a:solidFill>
-                <a:latin typeface="Segoe UI"/>
-              </a:rPr>
-              <a:t> for price to decrease.</a:t>
+              <a:t>Later, repurchase the asset ("covering the short")</a:t>
             </a:r>
           </a:p>
           <a:p>
@@ -5331,35 +6731,26 @@
                 <a:spcPct val="115000"/>
               </a:lnSpc>
               <a:spcAft>
-                <a:spcPts val="881"/>
+                <a:spcPts val="0"/>
               </a:spcAft>
             </a:pPr>
             <a:r>
               <a:rPr sz="1200">
                 <a:solidFill>
-                  <a:srgbClr val="384276"/>
+                  <a:srgbClr val="222222"/>
+                </a:solidFill>
+                <a:latin typeface="Arial"/>
+              </a:rPr>
+              <a:t>• </a:t>
+            </a:r>
+            <a:r>
+              <a:rPr sz="1200" b="0" i="0">
+                <a:solidFill>
+                  <a:srgbClr val="222222"/>
                 </a:solidFill>
                 <a:latin typeface="Segoe UI"/>
               </a:rPr>
-              <a:t>4. </a:t>
-            </a:r>
-            <a:r>
-              <a:rPr sz="1200" b="1" i="0">
-                <a:solidFill>
-                  <a:srgbClr val="384276"/>
-                </a:solidFill>
-                <a:latin typeface="Segoe UI"/>
-              </a:rPr>
-              <a:t>Buy back</a:t>
-            </a:r>
-            <a:r>
-              <a:rPr sz="1200" b="0" i="0">
-                <a:solidFill>
-                  <a:srgbClr val="384276"/>
-                </a:solidFill>
-                <a:latin typeface="Segoe UI"/>
-              </a:rPr>
-              <a:t> the asset at the lower price.</a:t>
+              <a:t>Return equivalent asset to lender</a:t>
             </a:r>
           </a:p>
           <a:p>
@@ -5368,39 +6759,405 @@
                 <a:spcPct val="115000"/>
               </a:lnSpc>
               <a:spcAft>
-                <a:spcPts val="881"/>
+                <a:spcPts val="0"/>
               </a:spcAft>
             </a:pPr>
             <a:r>
               <a:rPr sz="1200">
                 <a:solidFill>
-                  <a:srgbClr val="384276"/>
+                  <a:srgbClr val="222222"/>
+                </a:solidFill>
+                <a:latin typeface="Arial"/>
+              </a:rPr>
+              <a:t>• </a:t>
+            </a:r>
+            <a:r>
+              <a:rPr sz="1200" b="0" i="0">
+                <a:solidFill>
+                  <a:srgbClr val="222222"/>
                 </a:solidFill>
                 <a:latin typeface="Segoe UI"/>
               </a:rPr>
-              <a:t>5. </a:t>
-            </a:r>
-            <a:r>
-              <a:rPr sz="1200" b="1" i="0">
-                <a:solidFill>
-                  <a:srgbClr val="384276"/>
+              <a:t>Profit = Sell Price – Buy Price (minus fees/dividends)</a:t>
+            </a:r>
+          </a:p>
+        </p:txBody>
+      </p:sp>
+      <p:sp>
+        <p:nvSpPr>
+          <p:cNvPr id="9" name="Rectangle 8"/>
+          <p:cNvSpPr/>
+          <p:nvPr/>
+        </p:nvSpPr>
+        <p:spPr>
+          <a:xfrm>
+            <a:off x="400050" y="304800"/>
+            <a:ext cx="7010400" cy="485775"/>
+          </a:xfrm>
+          <a:prstGeom prst="rect">
+            <a:avLst/>
+          </a:prstGeom>
+          <a:solidFill>
+            <a:srgbClr val="FFFFFF"/>
+          </a:solidFill>
+          <a:ln>
+            <a:noFill/>
+          </a:ln>
+          <a:effectLst/>
+        </p:spPr>
+        <p:style>
+          <a:lnRef idx="1">
+            <a:schemeClr val="accent1"/>
+          </a:lnRef>
+          <a:fillRef idx="3">
+            <a:schemeClr val="accent1"/>
+          </a:fillRef>
+          <a:effectRef idx="2">
+            <a:schemeClr val="accent1"/>
+          </a:effectRef>
+          <a:fontRef idx="minor">
+            <a:schemeClr val="lt1"/>
+          </a:fontRef>
+        </p:style>
+        <p:txBody>
+          <a:bodyPr rtlCol="0" anchor="ctr"/>
+          <a:lstStyle/>
+          <a:p>
+            <a:pPr algn="ctr"/>
+          </a:p>
+        </p:txBody>
+      </p:sp>
+      <p:sp>
+        <p:nvSpPr>
+          <p:cNvPr id="10" name="TextBox 9"/>
+          <p:cNvSpPr txBox="1"/>
+          <p:nvPr/>
+        </p:nvSpPr>
+        <p:spPr>
+          <a:xfrm>
+            <a:off x="400050" y="304800"/>
+            <a:ext cx="7010400" cy="485775"/>
+          </a:xfrm>
+          <a:prstGeom prst="rect">
+            <a:avLst/>
+          </a:prstGeom>
+          <a:noFill/>
+          <a:ln>
+            <a:noFill/>
+          </a:ln>
+          <a:effectLst/>
+        </p:spPr>
+        <p:txBody>
+          <a:bodyPr wrap="square" anchor="t" lIns="0" rIns="0" tIns="0" bIns="0">
+            <a:spAutoFit/>
+          </a:bodyPr>
+          <a:lstStyle/>
+          <a:p>
+            <a:pPr algn="l"/>
+            <a:r>
+              <a:rPr sz="2800" b="1" i="0">
+                <a:solidFill>
+                  <a:srgbClr val="14233A"/>
                 </a:solidFill>
                 <a:latin typeface="Segoe UI"/>
               </a:rPr>
-              <a:t>Return</a:t>
-            </a:r>
+              <a:t>Physical Short Selling: Mechanics</a:t>
+            </a:r>
+          </a:p>
+        </p:txBody>
+      </p:sp>
+      <p:sp>
+        <p:nvSpPr>
+          <p:cNvPr id="11" name="Rounded Rectangle 10"/>
+          <p:cNvSpPr/>
+          <p:nvPr/>
+        </p:nvSpPr>
+        <p:spPr>
+          <a:xfrm>
+            <a:off x="400050" y="2381250"/>
+            <a:ext cx="7010400" cy="466725"/>
+          </a:xfrm>
+          <a:prstGeom prst="roundRect">
+            <a:avLst>
+              <a:gd name="adj" fmla="val 14285"/>
+            </a:avLst>
+          </a:prstGeom>
+          <a:solidFill>
+            <a:srgbClr val="F4F7FA"/>
+          </a:solidFill>
+          <a:ln>
+            <a:noFill/>
+          </a:ln>
+          <a:effectLst/>
+        </p:spPr>
+        <p:style>
+          <a:lnRef idx="1">
+            <a:schemeClr val="accent1"/>
+          </a:lnRef>
+          <a:fillRef idx="3">
+            <a:schemeClr val="accent1"/>
+          </a:fillRef>
+          <a:effectRef idx="2">
+            <a:schemeClr val="accent1"/>
+          </a:effectRef>
+          <a:fontRef idx="minor">
+            <a:schemeClr val="lt1"/>
+          </a:fontRef>
+        </p:style>
+        <p:txBody>
+          <a:bodyPr rtlCol="0" anchor="ctr"/>
+          <a:lstStyle/>
+          <a:p>
+            <a:pPr algn="ctr"/>
+          </a:p>
+        </p:txBody>
+      </p:sp>
+      <p:sp>
+        <p:nvSpPr>
+          <p:cNvPr id="12" name="Rectangle 11"/>
+          <p:cNvSpPr/>
+          <p:nvPr/>
+        </p:nvSpPr>
+        <p:spPr>
+          <a:xfrm>
+            <a:off x="400050" y="2381250"/>
+            <a:ext cx="47625" cy="466725"/>
+          </a:xfrm>
+          <a:prstGeom prst="rect">
+            <a:avLst/>
+          </a:prstGeom>
+          <a:solidFill>
+            <a:srgbClr val="1D5DBF"/>
+          </a:solidFill>
+          <a:ln>
+            <a:noFill/>
+          </a:ln>
+          <a:effectLst/>
+        </p:spPr>
+        <p:style>
+          <a:lnRef idx="1">
+            <a:schemeClr val="accent1"/>
+          </a:lnRef>
+          <a:fillRef idx="3">
+            <a:schemeClr val="accent1"/>
+          </a:fillRef>
+          <a:effectRef idx="2">
+            <a:schemeClr val="accent1"/>
+          </a:effectRef>
+          <a:fontRef idx="minor">
+            <a:schemeClr val="lt1"/>
+          </a:fontRef>
+        </p:style>
+        <p:txBody>
+          <a:bodyPr rtlCol="0" anchor="ctr"/>
+          <a:lstStyle/>
+          <a:p>
+            <a:pPr algn="ctr"/>
+          </a:p>
+        </p:txBody>
+      </p:sp>
+      <p:sp>
+        <p:nvSpPr>
+          <p:cNvPr id="13" name="TextBox 12"/>
+          <p:cNvSpPr txBox="1"/>
+          <p:nvPr/>
+        </p:nvSpPr>
+        <p:spPr>
+          <a:xfrm>
+            <a:off x="400050" y="2381250"/>
+            <a:ext cx="7010400" cy="466725"/>
+          </a:xfrm>
+          <a:prstGeom prst="rect">
+            <a:avLst/>
+          </a:prstGeom>
+          <a:noFill/>
+          <a:ln>
+            <a:noFill/>
+          </a:ln>
+          <a:effectLst/>
+        </p:spPr>
+        <p:txBody>
+          <a:bodyPr wrap="square" anchor="ctr" lIns="171450" rIns="171450" tIns="133350" bIns="133350">
+            <a:spAutoFit/>
+          </a:bodyPr>
+          <a:lstStyle/>
+          <a:p>
+            <a:pPr algn="l"/>
             <a:r>
               <a:rPr sz="1200" b="0" i="0">
                 <a:solidFill>
-                  <a:srgbClr val="384276"/>
+                  <a:srgbClr val="193459"/>
                 </a:solidFill>
                 <a:latin typeface="Segoe UI"/>
               </a:rPr>
-              <a:t> the asset to the lender and keep the difference (minus fees).</a:t>
-            </a:r>
-          </a:p>
-        </p:txBody>
-      </p:sp>
+              <a:t>Fungibility is crucial: Any equivalent asset can be returned, not the exact same one.</a:t>
+            </a:r>
+          </a:p>
+        </p:txBody>
+      </p:sp>
+      <p:sp>
+        <p:nvSpPr>
+          <p:cNvPr id="14" name="Rounded Rectangle 13"/>
+          <p:cNvSpPr/>
+          <p:nvPr/>
+        </p:nvSpPr>
+        <p:spPr>
+          <a:xfrm>
+            <a:off x="400050" y="3114675"/>
+            <a:ext cx="7010400" cy="390525"/>
+          </a:xfrm>
+          <a:prstGeom prst="roundRect">
+            <a:avLst>
+              <a:gd name="adj" fmla="val 14634"/>
+            </a:avLst>
+          </a:prstGeom>
+          <a:solidFill>
+            <a:srgbClr val="FFF8E1"/>
+          </a:solidFill>
+          <a:ln>
+            <a:noFill/>
+          </a:ln>
+          <a:effectLst/>
+        </p:spPr>
+        <p:style>
+          <a:lnRef idx="1">
+            <a:schemeClr val="accent1"/>
+          </a:lnRef>
+          <a:fillRef idx="3">
+            <a:schemeClr val="accent1"/>
+          </a:fillRef>
+          <a:effectRef idx="2">
+            <a:schemeClr val="accent1"/>
+          </a:effectRef>
+          <a:fontRef idx="minor">
+            <a:schemeClr val="lt1"/>
+          </a:fontRef>
+        </p:style>
+        <p:txBody>
+          <a:bodyPr rtlCol="0" anchor="ctr"/>
+          <a:lstStyle/>
+          <a:p>
+            <a:pPr algn="ctr"/>
+          </a:p>
+        </p:txBody>
+      </p:sp>
+      <p:sp>
+        <p:nvSpPr>
+          <p:cNvPr id="15" name="Rectangle 14"/>
+          <p:cNvSpPr/>
+          <p:nvPr/>
+        </p:nvSpPr>
+        <p:spPr>
+          <a:xfrm>
+            <a:off x="400050" y="3114675"/>
+            <a:ext cx="38100" cy="390525"/>
+          </a:xfrm>
+          <a:prstGeom prst="rect">
+            <a:avLst/>
+          </a:prstGeom>
+          <a:solidFill>
+            <a:srgbClr val="FFD54F"/>
+          </a:solidFill>
+          <a:ln>
+            <a:noFill/>
+          </a:ln>
+          <a:effectLst/>
+        </p:spPr>
+        <p:style>
+          <a:lnRef idx="1">
+            <a:schemeClr val="accent1"/>
+          </a:lnRef>
+          <a:fillRef idx="3">
+            <a:schemeClr val="accent1"/>
+          </a:fillRef>
+          <a:effectRef idx="2">
+            <a:schemeClr val="accent1"/>
+          </a:effectRef>
+          <a:fontRef idx="minor">
+            <a:schemeClr val="lt1"/>
+          </a:fontRef>
+        </p:style>
+        <p:txBody>
+          <a:bodyPr rtlCol="0" anchor="ctr"/>
+          <a:lstStyle/>
+          <a:p>
+            <a:pPr algn="ctr"/>
+          </a:p>
+        </p:txBody>
+      </p:sp>
+      <p:sp>
+        <p:nvSpPr>
+          <p:cNvPr id="16" name="TextBox 15"/>
+          <p:cNvSpPr txBox="1"/>
+          <p:nvPr/>
+        </p:nvSpPr>
+        <p:spPr>
+          <a:xfrm>
+            <a:off x="400050" y="3114675"/>
+            <a:ext cx="7010400" cy="390525"/>
+          </a:xfrm>
+          <a:prstGeom prst="rect">
+            <a:avLst/>
+          </a:prstGeom>
+          <a:noFill/>
+          <a:ln>
+            <a:noFill/>
+          </a:ln>
+          <a:effectLst/>
+        </p:spPr>
+        <p:txBody>
+          <a:bodyPr wrap="square" anchor="ctr" lIns="133350" rIns="133350" tIns="95250" bIns="95250">
+            <a:spAutoFit/>
+          </a:bodyPr>
+          <a:lstStyle/>
+          <a:p>
+            <a:pPr algn="l"/>
+            <a:r>
+              <a:rPr sz="1100" b="1" i="0">
+                <a:solidFill>
+                  <a:srgbClr val="8A6D1A"/>
+                </a:solidFill>
+                <a:latin typeface="Segoe UI"/>
+              </a:rPr>
+              <a:t>Risk:</a:t>
+            </a:r>
+            <a:r>
+              <a:rPr sz="1100" b="0" i="0">
+                <a:solidFill>
+                  <a:srgbClr val="8A6D1A"/>
+                </a:solidFill>
+                <a:latin typeface="Segoe UI"/>
+              </a:rPr>
+              <a:t> Share prices can rise indefinitely, exposing the short seller to unlimited losses.</a:t>
+            </a:r>
+          </a:p>
+        </p:txBody>
+      </p:sp>
+      <p:pic>
+        <p:nvPicPr>
+          <p:cNvPr id="17" name="Picture 16" descr="temp_rounded.png"/>
+          <p:cNvPicPr>
+            <a:picLocks noChangeAspect="1"/>
+          </p:cNvPicPr>
+          <p:nvPr/>
+        </p:nvPicPr>
+        <p:blipFill>
+          <a:blip r:embed="rId2"/>
+          <a:stretch>
+            <a:fillRect/>
+          </a:stretch>
+        </p:blipFill>
+        <p:spPr>
+          <a:xfrm>
+            <a:off x="400050" y="1133475"/>
+            <a:ext cx="1209675" cy="923925"/>
+          </a:xfrm>
+          <a:prstGeom prst="rect">
+            <a:avLst/>
+          </a:prstGeom>
+          <a:effectLst/>
+        </p:spPr>
+      </p:pic>
     </p:spTree>
   </p:cSld>
   <p:clrMapOvr>
@@ -5415,7 +7172,7 @@
     <p:bg>
       <p:bgPr>
         <a:solidFill>
-          <a:srgbClr val="F4F6FB"/>
+          <a:srgbClr val="FFFFFF"/>
         </a:solidFill>
         <a:effectLst/>
       </p:bgPr>
@@ -5436,11 +7193,11 @@
         <p:spPr>
           <a:xfrm>
             <a:off x="0" y="0"/>
-            <a:ext cx="8572500" cy="5238750"/>
+            <a:ext cx="7810500" cy="4572000"/>
           </a:xfrm>
           <a:prstGeom prst="roundRect">
             <a:avLst>
-              <a:gd name="adj" fmla="val 2909"/>
+              <a:gd name="adj" fmla="val 2916"/>
             </a:avLst>
           </a:prstGeom>
           <a:solidFill>
@@ -5481,8 +7238,8 @@
         </p:nvSpPr>
         <p:spPr>
           <a:xfrm>
-            <a:off x="457200" y="1333500"/>
-            <a:ext cx="4343400" cy="304800"/>
+            <a:off x="400050" y="1038225"/>
+            <a:ext cx="7010400" cy="1952625"/>
           </a:xfrm>
           <a:prstGeom prst="rect">
             <a:avLst/>
@@ -5519,61 +7276,20 @@
       </p:sp>
       <p:sp>
         <p:nvSpPr>
-          <p:cNvPr id="4" name="TextBox 3"/>
-          <p:cNvSpPr txBox="1"/>
-          <p:nvPr/>
-        </p:nvSpPr>
-        <p:spPr>
-          <a:xfrm>
-            <a:off x="457200" y="1333500"/>
-            <a:ext cx="4343400" cy="304800"/>
-          </a:xfrm>
-          <a:prstGeom prst="rect">
-            <a:avLst/>
-          </a:prstGeom>
-          <a:noFill/>
-          <a:ln>
-            <a:noFill/>
-          </a:ln>
-          <a:effectLst/>
-        </p:spPr>
-        <p:txBody>
-          <a:bodyPr wrap="square" anchor="ctr" lIns="0" rIns="0" tIns="0" bIns="0">
-            <a:spAutoFit/>
-          </a:bodyPr>
-          <a:lstStyle/>
-          <a:p>
-            <a:pPr algn="l"/>
-            <a:r>
-              <a:rPr sz="1800" b="1" i="0">
-                <a:solidFill>
-                  <a:srgbClr val="26345C"/>
-                </a:solidFill>
-                <a:latin typeface="Segoe UI"/>
-              </a:rPr>
-              <a:t>Profit &amp; Loss Potential</a:t>
-            </a:r>
-          </a:p>
-        </p:txBody>
-      </p:sp>
-      <p:sp>
-        <p:nvSpPr>
-          <p:cNvPr id="5" name="Rounded Rectangle 4"/>
+          <p:cNvPr id="4" name="Rectangle 3"/>
           <p:cNvSpPr/>
           <p:nvPr/>
         </p:nvSpPr>
         <p:spPr>
           <a:xfrm>
-            <a:off x="457200" y="1790700"/>
-            <a:ext cx="4343400" cy="828675"/>
-          </a:xfrm>
-          <a:prstGeom prst="roundRect">
-            <a:avLst>
-              <a:gd name="adj" fmla="val 9195"/>
-            </a:avLst>
-          </a:prstGeom>
-          <a:solidFill>
-            <a:srgbClr val="E9ECF6"/>
+            <a:off x="2590800" y="1038225"/>
+            <a:ext cx="2628900" cy="1952625"/>
+          </a:xfrm>
+          <a:prstGeom prst="rect">
+            <a:avLst/>
+          </a:prstGeom>
+          <a:solidFill>
+            <a:srgbClr val="FFFFFF"/>
           </a:solidFill>
           <a:ln>
             <a:noFill/>
@@ -5604,22 +7320,22 @@
       </p:sp>
       <p:sp>
         <p:nvSpPr>
-          <p:cNvPr id="6" name="Rounded Rectangle 5"/>
+          <p:cNvPr id="5" name="Rounded Rectangle 4"/>
           <p:cNvSpPr/>
           <p:nvPr/>
         </p:nvSpPr>
         <p:spPr>
           <a:xfrm>
-            <a:off x="457200" y="1790700"/>
-            <a:ext cx="47625" cy="828675"/>
+            <a:off x="400050" y="1395412"/>
+            <a:ext cx="1905000" cy="1238250"/>
           </a:xfrm>
           <a:prstGeom prst="roundRect">
             <a:avLst>
-              <a:gd name="adj" fmla="val 50000"/>
+              <a:gd name="adj" fmla="val 7692"/>
             </a:avLst>
           </a:prstGeom>
           <a:solidFill>
-            <a:srgbClr val="587EF4"/>
+            <a:srgbClr val="E8F0F6"/>
           </a:solidFill>
           <a:ln>
             <a:noFill/>
@@ -5650,89 +7366,22 @@
       </p:sp>
       <p:sp>
         <p:nvSpPr>
-          <p:cNvPr id="7" name="TextBox 6"/>
-          <p:cNvSpPr txBox="1"/>
-          <p:nvPr/>
-        </p:nvSpPr>
-        <p:spPr>
-          <a:xfrm>
-            <a:off x="457200" y="1790700"/>
-            <a:ext cx="4343400" cy="828675"/>
-          </a:xfrm>
-          <a:prstGeom prst="rect">
-            <a:avLst/>
-          </a:prstGeom>
-          <a:noFill/>
-          <a:ln>
-            <a:noFill/>
-          </a:ln>
-          <a:effectLst/>
-        </p:spPr>
-        <p:txBody>
-          <a:bodyPr wrap="square" anchor="ctr" lIns="171450" rIns="171450" tIns="114300" bIns="114300">
-            <a:spAutoFit/>
-          </a:bodyPr>
-          <a:lstStyle/>
-          <a:p>
-            <a:pPr algn="l"/>
-            <a:r>
-              <a:rPr sz="1200" b="1" i="0">
-                <a:solidFill>
-                  <a:srgbClr val="26345C"/>
-                </a:solidFill>
-                <a:latin typeface="Segoe UI"/>
-              </a:rPr>
-              <a:t>Unlimited Losses:</a:t>
-            </a:r>
-            <a:r>
-              <a:rPr sz="1200" b="0" i="0">
-                <a:solidFill>
-                  <a:srgbClr val="26345C"/>
-                </a:solidFill>
-                <a:latin typeface="Segoe UI"/>
-              </a:rPr>
-              <a:t> If asset price rises, short seller must buy back at a higher price.</a:t>
-            </a:r>
-          </a:p>
-          <a:p>
-            <a:pPr algn="l"/>
-            <a:r>
-              <a:rPr sz="1200" b="1" i="0">
-                <a:solidFill>
-                  <a:srgbClr val="26345C"/>
-                </a:solidFill>
-                <a:latin typeface="Segoe UI"/>
-              </a:rPr>
-              <a:t>Limited Profit:</a:t>
-            </a:r>
-            <a:r>
-              <a:rPr sz="1200" b="0" i="0">
-                <a:solidFill>
-                  <a:srgbClr val="26345C"/>
-                </a:solidFill>
-                <a:latin typeface="Segoe UI"/>
-              </a:rPr>
-              <a:t> Maximum gain is if asset price falls to zero.</a:t>
-            </a:r>
-          </a:p>
-        </p:txBody>
-      </p:sp>
-      <p:sp>
-        <p:nvSpPr>
-          <p:cNvPr id="8" name="Rectangle 7"/>
+          <p:cNvPr id="6" name="Rounded Rectangle 5"/>
           <p:cNvSpPr/>
           <p:nvPr/>
         </p:nvSpPr>
         <p:spPr>
           <a:xfrm>
-            <a:off x="457200" y="2790825"/>
-            <a:ext cx="4343400" cy="962025"/>
-          </a:xfrm>
-          <a:prstGeom prst="rect">
-            <a:avLst/>
-          </a:prstGeom>
-          <a:solidFill>
-            <a:srgbClr val="FFFFFF"/>
+            <a:off x="5391150" y="1395412"/>
+            <a:ext cx="1905000" cy="1238250"/>
+          </a:xfrm>
+          <a:prstGeom prst="roundRect">
+            <a:avLst>
+              <a:gd name="adj" fmla="val 7692"/>
+            </a:avLst>
+          </a:prstGeom>
+          <a:solidFill>
+            <a:srgbClr val="E8F0F6"/>
           </a:solidFill>
           <a:ln>
             <a:noFill/>
@@ -5763,14 +7412,58 @@
       </p:sp>
       <p:sp>
         <p:nvSpPr>
-          <p:cNvPr id="9" name="TextBox 8"/>
+          <p:cNvPr id="7" name="Rectangle 6"/>
+          <p:cNvSpPr/>
+          <p:nvPr/>
+        </p:nvSpPr>
+        <p:spPr>
+          <a:xfrm>
+            <a:off x="2819400" y="1114425"/>
+            <a:ext cx="2400300" cy="1800225"/>
+          </a:xfrm>
+          <a:prstGeom prst="rect">
+            <a:avLst/>
+          </a:prstGeom>
+          <a:solidFill>
+            <a:srgbClr val="FFFFFF"/>
+          </a:solidFill>
+          <a:ln>
+            <a:noFill/>
+          </a:ln>
+          <a:effectLst/>
+        </p:spPr>
+        <p:style>
+          <a:lnRef idx="1">
+            <a:schemeClr val="accent1"/>
+          </a:lnRef>
+          <a:fillRef idx="3">
+            <a:schemeClr val="accent1"/>
+          </a:fillRef>
+          <a:effectRef idx="2">
+            <a:schemeClr val="accent1"/>
+          </a:effectRef>
+          <a:fontRef idx="minor">
+            <a:schemeClr val="lt1"/>
+          </a:fontRef>
+        </p:style>
+        <p:txBody>
+          <a:bodyPr rtlCol="0" anchor="ctr"/>
+          <a:lstStyle/>
+          <a:p>
+            <a:pPr algn="ctr"/>
+          </a:p>
+        </p:txBody>
+      </p:sp>
+      <p:sp>
+        <p:nvSpPr>
+          <p:cNvPr id="8" name="TextBox 7"/>
           <p:cNvSpPr txBox="1"/>
           <p:nvPr/>
         </p:nvSpPr>
         <p:spPr>
           <a:xfrm>
-            <a:off x="457200" y="2790825"/>
-            <a:ext cx="4343400" cy="962025"/>
+            <a:off x="2819400" y="1114425"/>
+            <a:ext cx="2400300" cy="1800225"/>
           </a:xfrm>
           <a:prstGeom prst="rect">
             <a:avLst/>
@@ -5782,7 +7475,7 @@
           <a:effectLst/>
         </p:spPr>
         <p:txBody>
-          <a:bodyPr wrap="square" anchor="t" lIns="190500" rIns="0" tIns="0" bIns="0">
+          <a:bodyPr wrap="square" anchor="t" lIns="381000" rIns="0" tIns="0" bIns="0">
             <a:spAutoFit/>
           </a:bodyPr>
           <a:lstStyle/>
@@ -5792,26 +7485,35 @@
                 <a:spcPct val="115000"/>
               </a:lnSpc>
               <a:spcAft>
-                <a:spcPts val="900"/>
+                <a:spcPts val="0"/>
               </a:spcAft>
             </a:pPr>
             <a:r>
               <a:rPr sz="1200">
                 <a:solidFill>
-                  <a:srgbClr val="384276"/>
+                  <a:srgbClr val="222222"/>
                 </a:solidFill>
                 <a:latin typeface="Arial"/>
               </a:rPr>
               <a:t>• </a:t>
             </a:r>
             <a:r>
+              <a:rPr sz="1200" b="1" i="0">
+                <a:solidFill>
+                  <a:srgbClr val="222222"/>
+                </a:solidFill>
+                <a:latin typeface="Segoe UI"/>
+              </a:rPr>
+              <a:t>Futures/Forwards:</a:t>
+            </a:r>
+            <a:r>
               <a:rPr sz="1200" b="0" i="0">
                 <a:solidFill>
-                  <a:srgbClr val="384276"/>
+                  <a:srgbClr val="222222"/>
                 </a:solidFill>
                 <a:latin typeface="Segoe UI"/>
               </a:rPr>
-              <a:t>Short sellers pay borrowing fees and must reimburse dividends/cash returns.</a:t>
+              <a:t> Enter contract to sell at future price. Profit if market price drops.</a:t>
             </a:r>
           </a:p>
           <a:p>
@@ -5820,30 +7522,356 @@
                 <a:spcPct val="115000"/>
               </a:lnSpc>
               <a:spcAft>
-                <a:spcPts val="900"/>
+                <a:spcPts val="0"/>
               </a:spcAft>
             </a:pPr>
             <a:r>
               <a:rPr sz="1200">
                 <a:solidFill>
-                  <a:srgbClr val="384276"/>
+                  <a:srgbClr val="222222"/>
                 </a:solidFill>
                 <a:latin typeface="Arial"/>
               </a:rPr>
               <a:t>• </a:t>
             </a:r>
             <a:r>
+              <a:rPr sz="1200" b="1" i="0">
+                <a:solidFill>
+                  <a:srgbClr val="222222"/>
+                </a:solidFill>
+                <a:latin typeface="Segoe UI"/>
+              </a:rPr>
+              <a:t>Options:</a:t>
+            </a:r>
+            <a:r>
               <a:rPr sz="1200" b="0" i="0">
                 <a:solidFill>
-                  <a:srgbClr val="384276"/>
+                  <a:srgbClr val="222222"/>
                 </a:solidFill>
                 <a:latin typeface="Segoe UI"/>
               </a:rPr>
-              <a:t>Margin is posted as collateral to cover potential losses.</a:t>
-            </a:r>
-          </a:p>
-        </p:txBody>
-      </p:sp>
+              <a:t> Buy put options—right (not obligation) to sell at agreed price.</a:t>
+            </a:r>
+          </a:p>
+          <a:p>
+            <a:pPr>
+              <a:lnSpc>
+                <a:spcPct val="115000"/>
+              </a:lnSpc>
+              <a:spcAft>
+                <a:spcPts val="0"/>
+              </a:spcAft>
+            </a:pPr>
+            <a:r>
+              <a:rPr sz="1200">
+                <a:solidFill>
+                  <a:srgbClr val="222222"/>
+                </a:solidFill>
+                <a:latin typeface="Arial"/>
+              </a:rPr>
+              <a:t>• </a:t>
+            </a:r>
+            <a:r>
+              <a:rPr sz="1200" b="1" i="0">
+                <a:solidFill>
+                  <a:srgbClr val="222222"/>
+                </a:solidFill>
+                <a:latin typeface="Segoe UI"/>
+              </a:rPr>
+              <a:t>Swaps/CFDs:</a:t>
+            </a:r>
+            <a:r>
+              <a:rPr sz="1200" b="0" i="0">
+                <a:solidFill>
+                  <a:srgbClr val="222222"/>
+                </a:solidFill>
+                <a:latin typeface="Segoe UI"/>
+              </a:rPr>
+              <a:t> Agree to pay/receive the difference in price movements.</a:t>
+            </a:r>
+          </a:p>
+        </p:txBody>
+      </p:sp>
+      <p:sp>
+        <p:nvSpPr>
+          <p:cNvPr id="9" name="Rectangle 8"/>
+          <p:cNvSpPr/>
+          <p:nvPr/>
+        </p:nvSpPr>
+        <p:spPr>
+          <a:xfrm>
+            <a:off x="400050" y="304800"/>
+            <a:ext cx="7010400" cy="485775"/>
+          </a:xfrm>
+          <a:prstGeom prst="rect">
+            <a:avLst/>
+          </a:prstGeom>
+          <a:solidFill>
+            <a:srgbClr val="FFFFFF"/>
+          </a:solidFill>
+          <a:ln>
+            <a:noFill/>
+          </a:ln>
+          <a:effectLst/>
+        </p:spPr>
+        <p:style>
+          <a:lnRef idx="1">
+            <a:schemeClr val="accent1"/>
+          </a:lnRef>
+          <a:fillRef idx="3">
+            <a:schemeClr val="accent1"/>
+          </a:fillRef>
+          <a:effectRef idx="2">
+            <a:schemeClr val="accent1"/>
+          </a:effectRef>
+          <a:fontRef idx="minor">
+            <a:schemeClr val="lt1"/>
+          </a:fontRef>
+        </p:style>
+        <p:txBody>
+          <a:bodyPr rtlCol="0" anchor="ctr"/>
+          <a:lstStyle/>
+          <a:p>
+            <a:pPr algn="ctr"/>
+          </a:p>
+        </p:txBody>
+      </p:sp>
+      <p:sp>
+        <p:nvSpPr>
+          <p:cNvPr id="10" name="TextBox 9"/>
+          <p:cNvSpPr txBox="1"/>
+          <p:nvPr/>
+        </p:nvSpPr>
+        <p:spPr>
+          <a:xfrm>
+            <a:off x="400050" y="304800"/>
+            <a:ext cx="7010400" cy="485775"/>
+          </a:xfrm>
+          <a:prstGeom prst="rect">
+            <a:avLst/>
+          </a:prstGeom>
+          <a:noFill/>
+          <a:ln>
+            <a:noFill/>
+          </a:ln>
+          <a:effectLst/>
+        </p:spPr>
+        <p:txBody>
+          <a:bodyPr wrap="square" anchor="t" lIns="0" rIns="0" tIns="0" bIns="0">
+            <a:spAutoFit/>
+          </a:bodyPr>
+          <a:lstStyle/>
+          <a:p>
+            <a:pPr algn="l"/>
+            <a:r>
+              <a:rPr sz="2800" b="1" i="0">
+                <a:solidFill>
+                  <a:srgbClr val="14233A"/>
+                </a:solidFill>
+                <a:latin typeface="Segoe UI"/>
+              </a:rPr>
+              <a:t>Shorting with Derivatives</a:t>
+            </a:r>
+          </a:p>
+        </p:txBody>
+      </p:sp>
+      <p:sp>
+        <p:nvSpPr>
+          <p:cNvPr id="11" name="Rounded Rectangle 10"/>
+          <p:cNvSpPr/>
+          <p:nvPr/>
+        </p:nvSpPr>
+        <p:spPr>
+          <a:xfrm>
+            <a:off x="400050" y="3181350"/>
+            <a:ext cx="7010400" cy="466725"/>
+          </a:xfrm>
+          <a:prstGeom prst="roundRect">
+            <a:avLst>
+              <a:gd name="adj" fmla="val 14285"/>
+            </a:avLst>
+          </a:prstGeom>
+          <a:solidFill>
+            <a:srgbClr val="F4F7FA"/>
+          </a:solidFill>
+          <a:ln>
+            <a:noFill/>
+          </a:ln>
+          <a:effectLst/>
+        </p:spPr>
+        <p:style>
+          <a:lnRef idx="1">
+            <a:schemeClr val="accent1"/>
+          </a:lnRef>
+          <a:fillRef idx="3">
+            <a:schemeClr val="accent1"/>
+          </a:fillRef>
+          <a:effectRef idx="2">
+            <a:schemeClr val="accent1"/>
+          </a:effectRef>
+          <a:fontRef idx="minor">
+            <a:schemeClr val="lt1"/>
+          </a:fontRef>
+        </p:style>
+        <p:txBody>
+          <a:bodyPr rtlCol="0" anchor="ctr"/>
+          <a:lstStyle/>
+          <a:p>
+            <a:pPr algn="ctr"/>
+          </a:p>
+        </p:txBody>
+      </p:sp>
+      <p:sp>
+        <p:nvSpPr>
+          <p:cNvPr id="12" name="Rectangle 11"/>
+          <p:cNvSpPr/>
+          <p:nvPr/>
+        </p:nvSpPr>
+        <p:spPr>
+          <a:xfrm>
+            <a:off x="400050" y="3181350"/>
+            <a:ext cx="47625" cy="466725"/>
+          </a:xfrm>
+          <a:prstGeom prst="rect">
+            <a:avLst/>
+          </a:prstGeom>
+          <a:solidFill>
+            <a:srgbClr val="1D5DBF"/>
+          </a:solidFill>
+          <a:ln>
+            <a:noFill/>
+          </a:ln>
+          <a:effectLst/>
+        </p:spPr>
+        <p:style>
+          <a:lnRef idx="1">
+            <a:schemeClr val="accent1"/>
+          </a:lnRef>
+          <a:fillRef idx="3">
+            <a:schemeClr val="accent1"/>
+          </a:fillRef>
+          <a:effectRef idx="2">
+            <a:schemeClr val="accent1"/>
+          </a:effectRef>
+          <a:fontRef idx="minor">
+            <a:schemeClr val="lt1"/>
+          </a:fontRef>
+        </p:style>
+        <p:txBody>
+          <a:bodyPr rtlCol="0" anchor="ctr"/>
+          <a:lstStyle/>
+          <a:p>
+            <a:pPr algn="ctr"/>
+          </a:p>
+        </p:txBody>
+      </p:sp>
+      <p:sp>
+        <p:nvSpPr>
+          <p:cNvPr id="13" name="TextBox 12"/>
+          <p:cNvSpPr txBox="1"/>
+          <p:nvPr/>
+        </p:nvSpPr>
+        <p:spPr>
+          <a:xfrm>
+            <a:off x="400050" y="3181350"/>
+            <a:ext cx="7010400" cy="466725"/>
+          </a:xfrm>
+          <a:prstGeom prst="rect">
+            <a:avLst/>
+          </a:prstGeom>
+          <a:noFill/>
+          <a:ln>
+            <a:noFill/>
+          </a:ln>
+          <a:effectLst/>
+        </p:spPr>
+        <p:txBody>
+          <a:bodyPr wrap="square" anchor="ctr" lIns="171450" rIns="171450" tIns="133350" bIns="133350">
+            <a:spAutoFit/>
+          </a:bodyPr>
+          <a:lstStyle/>
+          <a:p>
+            <a:pPr algn="l"/>
+            <a:r>
+              <a:rPr sz="1200" b="0" i="0">
+                <a:solidFill>
+                  <a:srgbClr val="193459"/>
+                </a:solidFill>
+                <a:latin typeface="Segoe UI"/>
+              </a:rPr>
+              <a:t>Derivatives allow for </a:t>
+            </a:r>
+            <a:r>
+              <a:rPr sz="1200" b="1" i="0">
+                <a:solidFill>
+                  <a:srgbClr val="193459"/>
+                </a:solidFill>
+                <a:latin typeface="Segoe UI"/>
+              </a:rPr>
+              <a:t>synthetic short positions</a:t>
+            </a:r>
+            <a:r>
+              <a:rPr sz="1200" b="0" i="0">
+                <a:solidFill>
+                  <a:srgbClr val="193459"/>
+                </a:solidFill>
+                <a:latin typeface="Segoe UI"/>
+              </a:rPr>
+              <a:t>—no need to borrow the underlying asset.</a:t>
+            </a:r>
+          </a:p>
+        </p:txBody>
+      </p:sp>
+      <p:pic>
+        <p:nvPicPr>
+          <p:cNvPr id="14" name="Picture 13" descr="temp_image.png"/>
+          <p:cNvPicPr>
+            <a:picLocks noChangeAspect="1"/>
+          </p:cNvPicPr>
+          <p:nvPr/>
+        </p:nvPicPr>
+        <p:blipFill>
+          <a:blip r:embed="rId2"/>
+          <a:stretch>
+            <a:fillRect/>
+          </a:stretch>
+        </p:blipFill>
+        <p:spPr>
+          <a:xfrm>
+            <a:off x="1085850" y="1747838"/>
+            <a:ext cx="533400" cy="533400"/>
+          </a:xfrm>
+          <a:prstGeom prst="rect">
+            <a:avLst/>
+          </a:prstGeom>
+          <a:effectLst/>
+        </p:spPr>
+      </p:pic>
+      <p:pic>
+        <p:nvPicPr>
+          <p:cNvPr id="15" name="Picture 14" descr="temp_image.png"/>
+          <p:cNvPicPr>
+            <a:picLocks noChangeAspect="1"/>
+          </p:cNvPicPr>
+          <p:nvPr/>
+        </p:nvPicPr>
+        <p:blipFill>
+          <a:blip r:embed="rId3"/>
+          <a:stretch>
+            <a:fillRect/>
+          </a:stretch>
+        </p:blipFill>
+        <p:spPr>
+          <a:xfrm>
+            <a:off x="6086475" y="1757362"/>
+            <a:ext cx="514350" cy="514350"/>
+          </a:xfrm>
+          <a:prstGeom prst="rect">
+            <a:avLst/>
+          </a:prstGeom>
+          <a:effectLst/>
+        </p:spPr>
+      </p:pic>
     </p:spTree>
   </p:cSld>
   <p:clrMapOvr>
@@ -5858,7 +7886,7 @@
     <p:bg>
       <p:bgPr>
         <a:solidFill>
-          <a:srgbClr val="F4F6FB"/>
+          <a:srgbClr val="FFFFFF"/>
         </a:solidFill>
         <a:effectLst/>
       </p:bgPr>
@@ -5879,11 +7907,11 @@
         <p:spPr>
           <a:xfrm>
             <a:off x="0" y="0"/>
-            <a:ext cx="8572500" cy="5238750"/>
+            <a:ext cx="7810500" cy="4572000"/>
           </a:xfrm>
           <a:prstGeom prst="roundRect">
             <a:avLst>
-              <a:gd name="adj" fmla="val 2909"/>
+              <a:gd name="adj" fmla="val 2916"/>
             </a:avLst>
           </a:prstGeom>
           <a:solidFill>
@@ -5924,8 +7952,8 @@
         </p:nvSpPr>
         <p:spPr>
           <a:xfrm>
-            <a:off x="457200" y="1133475"/>
-            <a:ext cx="4267200" cy="304800"/>
+            <a:off x="400050" y="1038225"/>
+            <a:ext cx="7010400" cy="1510284"/>
           </a:xfrm>
           <a:prstGeom prst="rect">
             <a:avLst/>
@@ -5962,53 +7990,14 @@
       </p:sp>
       <p:sp>
         <p:nvSpPr>
-          <p:cNvPr id="4" name="TextBox 3"/>
-          <p:cNvSpPr txBox="1"/>
-          <p:nvPr/>
-        </p:nvSpPr>
-        <p:spPr>
-          <a:xfrm>
-            <a:off x="457200" y="1133475"/>
-            <a:ext cx="4267200" cy="304800"/>
-          </a:xfrm>
-          <a:prstGeom prst="rect">
-            <a:avLst/>
-          </a:prstGeom>
-          <a:noFill/>
-          <a:ln>
-            <a:noFill/>
-          </a:ln>
-          <a:effectLst/>
-        </p:spPr>
-        <p:txBody>
-          <a:bodyPr wrap="square" anchor="ctr" lIns="0" rIns="0" tIns="0" bIns="0">
-            <a:spAutoFit/>
-          </a:bodyPr>
-          <a:lstStyle/>
-          <a:p>
-            <a:pPr algn="l"/>
-            <a:r>
-              <a:rPr sz="1800" b="1" i="0">
-                <a:solidFill>
-                  <a:srgbClr val="26345C"/>
-                </a:solidFill>
-                <a:latin typeface="Segoe UI"/>
-              </a:rPr>
-              <a:t>Margin &amp; Risk Management</a:t>
-            </a:r>
-          </a:p>
-        </p:txBody>
-      </p:sp>
-      <p:sp>
-        <p:nvSpPr>
-          <p:cNvPr id="5" name="Rectangle 4"/>
+          <p:cNvPr id="4" name="Rectangle 3"/>
           <p:cNvSpPr/>
           <p:nvPr/>
         </p:nvSpPr>
         <p:spPr>
           <a:xfrm>
-            <a:off x="457200" y="1590675"/>
-            <a:ext cx="4267200" cy="1562100"/>
+            <a:off x="1733550" y="1038225"/>
+            <a:ext cx="4343400" cy="1510284"/>
           </a:xfrm>
           <a:prstGeom prst="rect">
             <a:avLst/>
@@ -6045,14 +8034,150 @@
       </p:sp>
       <p:sp>
         <p:nvSpPr>
-          <p:cNvPr id="6" name="TextBox 5"/>
+          <p:cNvPr id="5" name="Rounded Rectangle 4"/>
+          <p:cNvSpPr/>
+          <p:nvPr/>
+        </p:nvSpPr>
+        <p:spPr>
+          <a:xfrm>
+            <a:off x="400050" y="1174242"/>
+            <a:ext cx="1047750" cy="1238250"/>
+          </a:xfrm>
+          <a:prstGeom prst="roundRect">
+            <a:avLst>
+              <a:gd name="adj" fmla="val 9090"/>
+            </a:avLst>
+          </a:prstGeom>
+          <a:solidFill>
+            <a:srgbClr val="E8F0F6"/>
+          </a:solidFill>
+          <a:ln>
+            <a:noFill/>
+          </a:ln>
+          <a:effectLst/>
+        </p:spPr>
+        <p:style>
+          <a:lnRef idx="1">
+            <a:schemeClr val="accent1"/>
+          </a:lnRef>
+          <a:fillRef idx="3">
+            <a:schemeClr val="accent1"/>
+          </a:fillRef>
+          <a:effectRef idx="2">
+            <a:schemeClr val="accent1"/>
+          </a:effectRef>
+          <a:fontRef idx="minor">
+            <a:schemeClr val="lt1"/>
+          </a:fontRef>
+        </p:style>
+        <p:txBody>
+          <a:bodyPr rtlCol="0" anchor="ctr"/>
+          <a:lstStyle/>
+          <a:p>
+            <a:pPr algn="ctr"/>
+          </a:p>
+        </p:txBody>
+      </p:sp>
+      <p:sp>
+        <p:nvSpPr>
+          <p:cNvPr id="6" name="Rounded Rectangle 5"/>
+          <p:cNvSpPr/>
+          <p:nvPr/>
+        </p:nvSpPr>
+        <p:spPr>
+          <a:xfrm>
+            <a:off x="6248400" y="1174242"/>
+            <a:ext cx="1047750" cy="1238250"/>
+          </a:xfrm>
+          <a:prstGeom prst="roundRect">
+            <a:avLst>
+              <a:gd name="adj" fmla="val 9090"/>
+            </a:avLst>
+          </a:prstGeom>
+          <a:solidFill>
+            <a:srgbClr val="E8F0F6"/>
+          </a:solidFill>
+          <a:ln>
+            <a:noFill/>
+          </a:ln>
+          <a:effectLst/>
+        </p:spPr>
+        <p:style>
+          <a:lnRef idx="1">
+            <a:schemeClr val="accent1"/>
+          </a:lnRef>
+          <a:fillRef idx="3">
+            <a:schemeClr val="accent1"/>
+          </a:fillRef>
+          <a:effectRef idx="2">
+            <a:schemeClr val="accent1"/>
+          </a:effectRef>
+          <a:fontRef idx="minor">
+            <a:schemeClr val="lt1"/>
+          </a:fontRef>
+        </p:style>
+        <p:txBody>
+          <a:bodyPr rtlCol="0" anchor="ctr"/>
+          <a:lstStyle/>
+          <a:p>
+            <a:pPr algn="ctr"/>
+          </a:p>
+        </p:txBody>
+      </p:sp>
+      <p:sp>
+        <p:nvSpPr>
+          <p:cNvPr id="7" name="Rectangle 6"/>
+          <p:cNvSpPr/>
+          <p:nvPr/>
+        </p:nvSpPr>
+        <p:spPr>
+          <a:xfrm>
+            <a:off x="1962150" y="1676400"/>
+            <a:ext cx="4114800" cy="800100"/>
+          </a:xfrm>
+          <a:prstGeom prst="rect">
+            <a:avLst/>
+          </a:prstGeom>
+          <a:solidFill>
+            <a:srgbClr val="FFFFFF"/>
+          </a:solidFill>
+          <a:ln>
+            <a:noFill/>
+          </a:ln>
+          <a:effectLst/>
+        </p:spPr>
+        <p:style>
+          <a:lnRef idx="1">
+            <a:schemeClr val="accent1"/>
+          </a:lnRef>
+          <a:fillRef idx="3">
+            <a:schemeClr val="accent1"/>
+          </a:fillRef>
+          <a:effectRef idx="2">
+            <a:schemeClr val="accent1"/>
+          </a:effectRef>
+          <a:fontRef idx="minor">
+            <a:schemeClr val="lt1"/>
+          </a:fontRef>
+        </p:style>
+        <p:txBody>
+          <a:bodyPr rtlCol="0" anchor="ctr"/>
+          <a:lstStyle/>
+          <a:p>
+            <a:pPr algn="ctr"/>
+          </a:p>
+        </p:txBody>
+      </p:sp>
+      <p:sp>
+        <p:nvSpPr>
+          <p:cNvPr id="8" name="TextBox 7"/>
           <p:cNvSpPr txBox="1"/>
           <p:nvPr/>
         </p:nvSpPr>
         <p:spPr>
           <a:xfrm>
-            <a:off x="457200" y="1590675"/>
-            <a:ext cx="4267200" cy="1562100"/>
+            <a:off x="1962150" y="1676400"/>
+            <a:ext cx="4114800" cy="800100"/>
           </a:xfrm>
           <a:prstGeom prst="rect">
             <a:avLst/>
@@ -6064,7 +8189,7 @@
           <a:effectLst/>
         </p:spPr>
         <p:txBody>
-          <a:bodyPr wrap="square" anchor="t" lIns="190500" rIns="0" tIns="0" bIns="0">
+          <a:bodyPr wrap="square" anchor="t" lIns="381000" rIns="0" tIns="0" bIns="0">
             <a:spAutoFit/>
           </a:bodyPr>
           <a:lstStyle/>
@@ -6074,13 +8199,13 @@
                 <a:spcPct val="115000"/>
               </a:lnSpc>
               <a:spcAft>
-                <a:spcPts val="900"/>
+                <a:spcPts val="0"/>
               </a:spcAft>
             </a:pPr>
             <a:r>
               <a:rPr sz="1200">
                 <a:solidFill>
-                  <a:srgbClr val="384276"/>
+                  <a:srgbClr val="222222"/>
                 </a:solidFill>
                 <a:latin typeface="Arial"/>
               </a:rPr>
@@ -6089,29 +8214,11 @@
             <a:r>
               <a:rPr sz="1200" b="0" i="0">
                 <a:solidFill>
-                  <a:srgbClr val="384276"/>
+                  <a:srgbClr val="222222"/>
                 </a:solidFill>
                 <a:latin typeface="Segoe UI"/>
               </a:rPr>
-              <a:t>Short sellers must post </a:t>
-            </a:r>
-            <a:r>
-              <a:rPr sz="1200" b="1" i="0">
-                <a:solidFill>
-                  <a:srgbClr val="384276"/>
-                </a:solidFill>
-                <a:latin typeface="Segoe UI"/>
-              </a:rPr>
-              <a:t>margin</a:t>
-            </a:r>
-            <a:r>
-              <a:rPr sz="1200" b="0" i="0">
-                <a:solidFill>
-                  <a:srgbClr val="384276"/>
-                </a:solidFill>
-                <a:latin typeface="Segoe UI"/>
-              </a:rPr>
-              <a:t> with brokers/counterparties.</a:t>
+              <a:t>If losses grow, more margin ("margin call") may be required.</a:t>
             </a:r>
           </a:p>
           <a:p>
@@ -6120,13 +8227,13 @@
                 <a:spcPct val="115000"/>
               </a:lnSpc>
               <a:spcAft>
-                <a:spcPts val="900"/>
+                <a:spcPts val="0"/>
               </a:spcAft>
             </a:pPr>
             <a:r>
               <a:rPr sz="1200">
                 <a:solidFill>
-                  <a:srgbClr val="384276"/>
+                  <a:srgbClr val="222222"/>
                 </a:solidFill>
                 <a:latin typeface="Arial"/>
               </a:rPr>
@@ -6135,46 +8242,322 @@
             <a:r>
               <a:rPr sz="1200" b="0" i="0">
                 <a:solidFill>
-                  <a:srgbClr val="384276"/>
+                  <a:srgbClr val="222222"/>
                 </a:solidFill>
                 <a:latin typeface="Segoe UI"/>
               </a:rPr>
-              <a:t>Additional margin is required if losses accrue.</a:t>
-            </a:r>
-          </a:p>
-          <a:p>
-            <a:pPr>
-              <a:lnSpc>
-                <a:spcPct val="115000"/>
-              </a:lnSpc>
-              <a:spcAft>
-                <a:spcPts val="900"/>
-              </a:spcAft>
-            </a:pPr>
-            <a:r>
-              <a:rPr sz="1200">
-                <a:solidFill>
-                  <a:srgbClr val="384276"/>
-                </a:solidFill>
-                <a:latin typeface="Arial"/>
-              </a:rPr>
-              <a:t>• </a:t>
+              <a:t>Failure to post margin can result in forced closing ("liquidation") of the position.</a:t>
+            </a:r>
+          </a:p>
+        </p:txBody>
+      </p:sp>
+      <p:sp>
+        <p:nvSpPr>
+          <p:cNvPr id="9" name="Rectangle 8"/>
+          <p:cNvSpPr/>
+          <p:nvPr/>
+        </p:nvSpPr>
+        <p:spPr>
+          <a:xfrm>
+            <a:off x="400050" y="304800"/>
+            <a:ext cx="7010400" cy="485775"/>
+          </a:xfrm>
+          <a:prstGeom prst="rect">
+            <a:avLst/>
+          </a:prstGeom>
+          <a:solidFill>
+            <a:srgbClr val="FFFFFF"/>
+          </a:solidFill>
+          <a:ln>
+            <a:noFill/>
+          </a:ln>
+          <a:effectLst/>
+        </p:spPr>
+        <p:style>
+          <a:lnRef idx="1">
+            <a:schemeClr val="accent1"/>
+          </a:lnRef>
+          <a:fillRef idx="3">
+            <a:schemeClr val="accent1"/>
+          </a:fillRef>
+          <a:effectRef idx="2">
+            <a:schemeClr val="accent1"/>
+          </a:effectRef>
+          <a:fontRef idx="minor">
+            <a:schemeClr val="lt1"/>
+          </a:fontRef>
+        </p:style>
+        <p:txBody>
+          <a:bodyPr rtlCol="0" anchor="ctr"/>
+          <a:lstStyle/>
+          <a:p>
+            <a:pPr algn="ctr"/>
+          </a:p>
+        </p:txBody>
+      </p:sp>
+      <p:sp>
+        <p:nvSpPr>
+          <p:cNvPr id="10" name="TextBox 9"/>
+          <p:cNvSpPr txBox="1"/>
+          <p:nvPr/>
+        </p:nvSpPr>
+        <p:spPr>
+          <a:xfrm>
+            <a:off x="400050" y="304800"/>
+            <a:ext cx="7010400" cy="485775"/>
+          </a:xfrm>
+          <a:prstGeom prst="rect">
+            <a:avLst/>
+          </a:prstGeom>
+          <a:noFill/>
+          <a:ln>
+            <a:noFill/>
+          </a:ln>
+          <a:effectLst/>
+        </p:spPr>
+        <p:txBody>
+          <a:bodyPr wrap="square" anchor="t" lIns="0" rIns="0" tIns="0" bIns="0">
+            <a:spAutoFit/>
+          </a:bodyPr>
+          <a:lstStyle/>
+          <a:p>
+            <a:pPr algn="l"/>
+            <a:r>
+              <a:rPr sz="2800" b="1" i="0">
+                <a:solidFill>
+                  <a:srgbClr val="14233A"/>
+                </a:solidFill>
+                <a:latin typeface="Segoe UI"/>
+              </a:rPr>
+              <a:t>Margin &amp; Risk Management</a:t>
+            </a:r>
+          </a:p>
+        </p:txBody>
+      </p:sp>
+      <p:sp>
+        <p:nvSpPr>
+          <p:cNvPr id="11" name="Rectangle 10"/>
+          <p:cNvSpPr/>
+          <p:nvPr/>
+        </p:nvSpPr>
+        <p:spPr>
+          <a:xfrm>
+            <a:off x="1733550" y="1038225"/>
+            <a:ext cx="4343400" cy="561975"/>
+          </a:xfrm>
+          <a:prstGeom prst="rect">
+            <a:avLst/>
+          </a:prstGeom>
+          <a:solidFill>
+            <a:srgbClr val="FFFFFF"/>
+          </a:solidFill>
+          <a:ln>
+            <a:noFill/>
+          </a:ln>
+          <a:effectLst/>
+        </p:spPr>
+        <p:style>
+          <a:lnRef idx="1">
+            <a:schemeClr val="accent1"/>
+          </a:lnRef>
+          <a:fillRef idx="3">
+            <a:schemeClr val="accent1"/>
+          </a:fillRef>
+          <a:effectRef idx="2">
+            <a:schemeClr val="accent1"/>
+          </a:effectRef>
+          <a:fontRef idx="minor">
+            <a:schemeClr val="lt1"/>
+          </a:fontRef>
+        </p:style>
+        <p:txBody>
+          <a:bodyPr rtlCol="0" anchor="ctr"/>
+          <a:lstStyle/>
+          <a:p>
+            <a:pPr algn="ctr"/>
+          </a:p>
+        </p:txBody>
+      </p:sp>
+      <p:sp>
+        <p:nvSpPr>
+          <p:cNvPr id="12" name="TextBox 11"/>
+          <p:cNvSpPr txBox="1"/>
+          <p:nvPr/>
+        </p:nvSpPr>
+        <p:spPr>
+          <a:xfrm>
+            <a:off x="1733550" y="1038225"/>
+            <a:ext cx="4343400" cy="561975"/>
+          </a:xfrm>
+          <a:prstGeom prst="rect">
+            <a:avLst/>
+          </a:prstGeom>
+          <a:noFill/>
+          <a:ln>
+            <a:noFill/>
+          </a:ln>
+          <a:effectLst/>
+        </p:spPr>
+        <p:txBody>
+          <a:bodyPr wrap="square" anchor="ctr" lIns="0" rIns="0" tIns="0" bIns="0">
+            <a:spAutoFit/>
+          </a:bodyPr>
+          <a:lstStyle/>
+          <a:p>
+            <a:pPr algn="l"/>
+            <a:r>
+              <a:rPr sz="1300" b="1" i="0">
+                <a:solidFill>
+                  <a:srgbClr val="232D3B"/>
+                </a:solidFill>
+                <a:latin typeface="Segoe UI"/>
+              </a:rPr>
+              <a:t>Short sellers must post margin (collateral) to brokers or counterparties to cover potential losses.</a:t>
+            </a:r>
+          </a:p>
+        </p:txBody>
+      </p:sp>
+      <p:sp>
+        <p:nvSpPr>
+          <p:cNvPr id="13" name="Rounded Rectangle 12"/>
+          <p:cNvSpPr/>
+          <p:nvPr/>
+        </p:nvSpPr>
+        <p:spPr>
+          <a:xfrm>
+            <a:off x="400050" y="2743200"/>
+            <a:ext cx="7010400" cy="666750"/>
+          </a:xfrm>
+          <a:prstGeom prst="roundRect">
+            <a:avLst>
+              <a:gd name="adj" fmla="val 10000"/>
+            </a:avLst>
+          </a:prstGeom>
+          <a:solidFill>
+            <a:srgbClr val="F4F7FA"/>
+          </a:solidFill>
+          <a:ln>
+            <a:noFill/>
+          </a:ln>
+          <a:effectLst/>
+        </p:spPr>
+        <p:style>
+          <a:lnRef idx="1">
+            <a:schemeClr val="accent1"/>
+          </a:lnRef>
+          <a:fillRef idx="3">
+            <a:schemeClr val="accent1"/>
+          </a:fillRef>
+          <a:effectRef idx="2">
+            <a:schemeClr val="accent1"/>
+          </a:effectRef>
+          <a:fontRef idx="minor">
+            <a:schemeClr val="lt1"/>
+          </a:fontRef>
+        </p:style>
+        <p:txBody>
+          <a:bodyPr rtlCol="0" anchor="ctr"/>
+          <a:lstStyle/>
+          <a:p>
+            <a:pPr algn="ctr"/>
+          </a:p>
+        </p:txBody>
+      </p:sp>
+      <p:sp>
+        <p:nvSpPr>
+          <p:cNvPr id="14" name="Rectangle 13"/>
+          <p:cNvSpPr/>
+          <p:nvPr/>
+        </p:nvSpPr>
+        <p:spPr>
+          <a:xfrm>
+            <a:off x="400050" y="2743200"/>
+            <a:ext cx="47625" cy="666750"/>
+          </a:xfrm>
+          <a:prstGeom prst="rect">
+            <a:avLst/>
+          </a:prstGeom>
+          <a:solidFill>
+            <a:srgbClr val="1D5DBF"/>
+          </a:solidFill>
+          <a:ln>
+            <a:noFill/>
+          </a:ln>
+          <a:effectLst/>
+        </p:spPr>
+        <p:style>
+          <a:lnRef idx="1">
+            <a:schemeClr val="accent1"/>
+          </a:lnRef>
+          <a:fillRef idx="3">
+            <a:schemeClr val="accent1"/>
+          </a:fillRef>
+          <a:effectRef idx="2">
+            <a:schemeClr val="accent1"/>
+          </a:effectRef>
+          <a:fontRef idx="minor">
+            <a:schemeClr val="lt1"/>
+          </a:fontRef>
+        </p:style>
+        <p:txBody>
+          <a:bodyPr rtlCol="0" anchor="ctr"/>
+          <a:lstStyle/>
+          <a:p>
+            <a:pPr algn="ctr"/>
+          </a:p>
+        </p:txBody>
+      </p:sp>
+      <p:sp>
+        <p:nvSpPr>
+          <p:cNvPr id="15" name="TextBox 14"/>
+          <p:cNvSpPr txBox="1"/>
+          <p:nvPr/>
+        </p:nvSpPr>
+        <p:spPr>
+          <a:xfrm>
+            <a:off x="400050" y="2743200"/>
+            <a:ext cx="7010400" cy="666750"/>
+          </a:xfrm>
+          <a:prstGeom prst="rect">
+            <a:avLst/>
+          </a:prstGeom>
+          <a:noFill/>
+          <a:ln>
+            <a:noFill/>
+          </a:ln>
+          <a:effectLst/>
+        </p:spPr>
+        <p:txBody>
+          <a:bodyPr wrap="square" anchor="ctr" lIns="171450" rIns="171450" tIns="133350" bIns="133350">
+            <a:spAutoFit/>
+          </a:bodyPr>
+          <a:lstStyle/>
+          <a:p>
+            <a:pPr algn="l"/>
+            <a:r>
+              <a:rPr sz="1200" b="1" i="0">
+                <a:solidFill>
+                  <a:srgbClr val="193459"/>
+                </a:solidFill>
+                <a:latin typeface="Segoe UI"/>
+              </a:rPr>
+              <a:t>Unlimited Loss:</a:t>
             </a:r>
             <a:r>
               <a:rPr sz="1200" b="0" i="0">
                 <a:solidFill>
-                  <a:srgbClr val="384276"/>
+                  <a:srgbClr val="193459"/>
                 </a:solidFill>
                 <a:latin typeface="Segoe UI"/>
               </a:rPr>
-              <a:t>Failure to post margin may result in forced closing of the position.</a:t>
+              <a:t> Since asset prices can rise without bound, the risk in short selling can exceed the original investment.</a:t>
             </a:r>
           </a:p>
         </p:txBody>
       </p:sp>
       <p:pic>
         <p:nvPicPr>
-          <p:cNvPr id="7" name="Picture 6" descr="temp_rounded.png"/>
+          <p:cNvPr id="16" name="Picture 15" descr="temp_image.png"/>
           <p:cNvPicPr>
             <a:picLocks noChangeAspect="1"/>
           </p:cNvPicPr>
@@ -6188,8 +8571,8 @@
         </p:blipFill>
         <p:spPr>
           <a:xfrm>
-            <a:off x="5067300" y="1600200"/>
-            <a:ext cx="3048000" cy="2028825"/>
+            <a:off x="714375" y="1583817"/>
+            <a:ext cx="419100" cy="419100"/>
           </a:xfrm>
           <a:prstGeom prst="rect">
             <a:avLst/>
@@ -6197,146 +8580,31 @@
           <a:effectLst/>
         </p:spPr>
       </p:pic>
-      <p:sp>
-        <p:nvSpPr>
-          <p:cNvPr id="8" name="Rounded Rectangle 7"/>
-          <p:cNvSpPr/>
-          <p:nvPr/>
-        </p:nvSpPr>
-        <p:spPr>
-          <a:xfrm>
-            <a:off x="457200" y="3305175"/>
-            <a:ext cx="4267200" cy="628650"/>
-          </a:xfrm>
-          <a:prstGeom prst="roundRect">
-            <a:avLst>
-              <a:gd name="adj" fmla="val 12121"/>
-            </a:avLst>
-          </a:prstGeom>
-          <a:solidFill>
-            <a:srgbClr val="E9ECF6"/>
-          </a:solidFill>
-          <a:ln>
-            <a:noFill/>
-          </a:ln>
-          <a:effectLst/>
-        </p:spPr>
-        <p:style>
-          <a:lnRef idx="1">
-            <a:schemeClr val="accent1"/>
-          </a:lnRef>
-          <a:fillRef idx="3">
-            <a:schemeClr val="accent1"/>
-          </a:fillRef>
-          <a:effectRef idx="2">
-            <a:schemeClr val="accent1"/>
-          </a:effectRef>
-          <a:fontRef idx="minor">
-            <a:schemeClr val="lt1"/>
-          </a:fontRef>
-        </p:style>
-        <p:txBody>
-          <a:bodyPr rtlCol="0" anchor="ctr"/>
-          <a:lstStyle/>
-          <a:p>
-            <a:pPr algn="ctr"/>
-          </a:p>
-        </p:txBody>
-      </p:sp>
-      <p:sp>
-        <p:nvSpPr>
-          <p:cNvPr id="9" name="Rounded Rectangle 8"/>
-          <p:cNvSpPr/>
-          <p:nvPr/>
-        </p:nvSpPr>
-        <p:spPr>
-          <a:xfrm>
-            <a:off x="457200" y="3305175"/>
-            <a:ext cx="47625" cy="628650"/>
-          </a:xfrm>
-          <a:prstGeom prst="roundRect">
-            <a:avLst>
-              <a:gd name="adj" fmla="val 50000"/>
-            </a:avLst>
-          </a:prstGeom>
-          <a:solidFill>
-            <a:srgbClr val="587EF4"/>
-          </a:solidFill>
-          <a:ln>
-            <a:noFill/>
-          </a:ln>
-          <a:effectLst/>
-        </p:spPr>
-        <p:style>
-          <a:lnRef idx="1">
-            <a:schemeClr val="accent1"/>
-          </a:lnRef>
-          <a:fillRef idx="3">
-            <a:schemeClr val="accent1"/>
-          </a:fillRef>
-          <a:effectRef idx="2">
-            <a:schemeClr val="accent1"/>
-          </a:effectRef>
-          <a:fontRef idx="minor">
-            <a:schemeClr val="lt1"/>
-          </a:fontRef>
-        </p:style>
-        <p:txBody>
-          <a:bodyPr rtlCol="0" anchor="ctr"/>
-          <a:lstStyle/>
-          <a:p>
-            <a:pPr algn="ctr"/>
-          </a:p>
-        </p:txBody>
-      </p:sp>
-      <p:sp>
-        <p:nvSpPr>
-          <p:cNvPr id="10" name="TextBox 9"/>
-          <p:cNvSpPr txBox="1"/>
-          <p:nvPr/>
-        </p:nvSpPr>
-        <p:spPr>
-          <a:xfrm>
-            <a:off x="457200" y="3305175"/>
-            <a:ext cx="4267200" cy="628650"/>
-          </a:xfrm>
-          <a:prstGeom prst="rect">
-            <a:avLst/>
-          </a:prstGeom>
-          <a:noFill/>
-          <a:ln>
-            <a:noFill/>
-          </a:ln>
-          <a:effectLst/>
-        </p:spPr>
-        <p:txBody>
-          <a:bodyPr wrap="square" anchor="ctr" lIns="171450" rIns="171450" tIns="114300" bIns="114300">
-            <a:spAutoFit/>
-          </a:bodyPr>
-          <a:lstStyle/>
-          <a:p>
-            <a:pPr algn="l"/>
-            <a:r>
-              <a:rPr sz="1200" b="1" i="0">
-                <a:solidFill>
-                  <a:srgbClr val="26345C"/>
-                </a:solidFill>
-                <a:latin typeface="Segoe UI"/>
-              </a:rPr>
-              <a:t>Risk:</a:t>
-            </a:r>
-            <a:r>
-              <a:rPr sz="1200" b="0" i="0">
-                <a:solidFill>
-                  <a:srgbClr val="26345C"/>
-                </a:solidFill>
-                <a:latin typeface="Segoe UI"/>
-              </a:rPr>
-              <a:t> Short selling exposes investors to potentially unlimited losses.</a:t>
-            </a:r>
-          </a:p>
-        </p:txBody>
-      </p:sp>
+      <p:pic>
+        <p:nvPicPr>
+          <p:cNvPr id="17" name="Picture 16" descr="temp_image.png"/>
+          <p:cNvPicPr>
+            <a:picLocks noChangeAspect="1"/>
+          </p:cNvPicPr>
+          <p:nvPr/>
+        </p:nvPicPr>
+        <p:blipFill>
+          <a:blip r:embed="rId3"/>
+          <a:stretch>
+            <a:fillRect/>
+          </a:stretch>
+        </p:blipFill>
+        <p:spPr>
+          <a:xfrm>
+            <a:off x="6562725" y="1583817"/>
+            <a:ext cx="419100" cy="419100"/>
+          </a:xfrm>
+          <a:prstGeom prst="rect">
+            <a:avLst/>
+          </a:prstGeom>
+          <a:effectLst/>
+        </p:spPr>
+      </p:pic>
     </p:spTree>
   </p:cSld>
   <p:clrMapOvr>
@@ -6351,7 +8619,7 @@
     <p:bg>
       <p:bgPr>
         <a:solidFill>
-          <a:srgbClr val="F4F6FB"/>
+          <a:srgbClr val="FFFFFF"/>
         </a:solidFill>
         <a:effectLst/>
       </p:bgPr>
@@ -6372,11 +8640,11 @@
         <p:spPr>
           <a:xfrm>
             <a:off x="0" y="0"/>
-            <a:ext cx="8572500" cy="5238750"/>
+            <a:ext cx="7810500" cy="4572000"/>
           </a:xfrm>
           <a:prstGeom prst="roundRect">
             <a:avLst>
-              <a:gd name="adj" fmla="val 2909"/>
+              <a:gd name="adj" fmla="val 2916"/>
             </a:avLst>
           </a:prstGeom>
           <a:solidFill>
@@ -6417,8 +8685,8 @@
         </p:nvSpPr>
         <p:spPr>
           <a:xfrm>
-            <a:off x="457200" y="847725"/>
-            <a:ext cx="4267200" cy="304800"/>
+            <a:off x="400050" y="866775"/>
+            <a:ext cx="7010400" cy="1504950"/>
           </a:xfrm>
           <a:prstGeom prst="rect">
             <a:avLst/>
@@ -6455,59 +8723,20 @@
       </p:sp>
       <p:sp>
         <p:nvSpPr>
-          <p:cNvPr id="4" name="TextBox 3"/>
-          <p:cNvSpPr txBox="1"/>
-          <p:nvPr/>
-        </p:nvSpPr>
-        <p:spPr>
-          <a:xfrm>
-            <a:off x="457200" y="847725"/>
-            <a:ext cx="4267200" cy="304800"/>
-          </a:xfrm>
-          <a:prstGeom prst="rect">
-            <a:avLst/>
-          </a:prstGeom>
-          <a:noFill/>
-          <a:ln>
-            <a:noFill/>
-          </a:ln>
-          <a:effectLst/>
-        </p:spPr>
-        <p:txBody>
-          <a:bodyPr wrap="square" anchor="ctr" lIns="0" rIns="0" tIns="0" bIns="0">
-            <a:spAutoFit/>
-          </a:bodyPr>
-          <a:lstStyle/>
-          <a:p>
-            <a:pPr algn="l"/>
-            <a:r>
-              <a:rPr sz="1800" b="1" i="0">
-                <a:solidFill>
-                  <a:srgbClr val="26345C"/>
-                </a:solidFill>
-                <a:latin typeface="Segoe UI"/>
-              </a:rPr>
-              <a:t>Short Selling in Practice</a:t>
-            </a:r>
-          </a:p>
-        </p:txBody>
-      </p:sp>
-      <p:sp>
-        <p:nvSpPr>
-          <p:cNvPr id="5" name="Rectangle 4"/>
+          <p:cNvPr id="4" name="Rectangle 3"/>
           <p:cNvSpPr/>
           <p:nvPr/>
         </p:nvSpPr>
         <p:spPr>
           <a:xfrm>
-            <a:off x="457200" y="1304925"/>
-            <a:ext cx="4267200" cy="2219325"/>
-          </a:xfrm>
-          <a:prstGeom prst="rect">
-            <a:avLst/>
-          </a:prstGeom>
-          <a:solidFill>
-            <a:srgbClr val="F8F9FC"/>
+            <a:off x="400050" y="866775"/>
+            <a:ext cx="5324475" cy="1504950"/>
+          </a:xfrm>
+          <a:prstGeom prst="rect">
+            <a:avLst/>
+          </a:prstGeom>
+          <a:solidFill>
+            <a:srgbClr val="FFFFFF"/>
           </a:solidFill>
           <a:ln>
             <a:noFill/>
@@ -6536,438 +8765,16 @@
           </a:p>
         </p:txBody>
       </p:sp>
-      <p:graphicFrame>
-        <p:nvGraphicFramePr>
-          <p:cNvPr id="6" name="Table 5"/>
-          <p:cNvGraphicFramePr>
-            <a:graphicFrameLocks noGrp="1"/>
-          </p:cNvGraphicFramePr>
-          <p:nvPr/>
-        </p:nvGraphicFramePr>
-        <p:xfrm>
-          <a:off x="457200" y="1304925"/>
-          <a:ext cx="4267199" cy="2209800"/>
-        </p:xfrm>
-        <a:graphic>
-          <a:graphicData uri="http://schemas.openxmlformats.org/drawingml/2006/table">
-            <a:tbl>
-              <a:tblPr firstRow="1" bandRow="1">
-                <a:tableStyleId>{5C22544A-7EE6-4342-B048-85BDC9FD1C3A}</a:tableStyleId>
-              </a:tblPr>
-              <a:tblGrid>
-                <a:gridCol w="878260"/>
-                <a:gridCol w="906899"/>
-                <a:gridCol w="2482040"/>
-              </a:tblGrid>
-              <a:tr h="361950">
-                <a:tc>
-                  <a:txBody>
-                    <a:bodyPr wrap="square" anchor="ctr" lIns="95250" rIns="95250" tIns="76200" bIns="76200"/>
-                    <a:lstStyle/>
-                    <a:p>
-                      <a:pPr algn="l"/>
-                      <a:r>
-                        <a:rPr sz="1200" b="1" i="0">
-                          <a:solidFill>
-                            <a:srgbClr val="26345C"/>
-                          </a:solidFill>
-                          <a:latin typeface="Segoe UI"/>
-                        </a:rPr>
-                        <a:t>Market</a:t>
-                      </a:r>
-                    </a:p>
-                  </a:txBody>
-                  <a:tcPr>
-                    <a:solidFill>
-                      <a:srgbClr val="E5EAF7"/>
-                    </a:solidFill>
-                    <a:tcBorders/>
-                  </a:tcPr>
-                </a:tc>
-                <a:tc>
-                  <a:txBody>
-                    <a:bodyPr wrap="square" anchor="ctr" lIns="95250" rIns="95250" tIns="76200" bIns="76200"/>
-                    <a:lstStyle/>
-                    <a:p>
-                      <a:pPr algn="l"/>
-                      <a:r>
-                        <a:rPr sz="1200" b="1" i="0">
-                          <a:solidFill>
-                            <a:srgbClr val="26345C"/>
-                          </a:solidFill>
-                          <a:latin typeface="Segoe UI"/>
-                        </a:rPr>
-                        <a:t>Common?</a:t>
-                      </a:r>
-                    </a:p>
-                  </a:txBody>
-                  <a:tcPr>
-                    <a:solidFill>
-                      <a:srgbClr val="E5EAF7"/>
-                    </a:solidFill>
-                    <a:tcBorders/>
-                  </a:tcPr>
-                </a:tc>
-                <a:tc>
-                  <a:txBody>
-                    <a:bodyPr wrap="square" anchor="ctr" lIns="95250" rIns="95250" tIns="76200" bIns="76200"/>
-                    <a:lstStyle/>
-                    <a:p>
-                      <a:pPr algn="l"/>
-                      <a:r>
-                        <a:rPr sz="1200" b="1" i="0">
-                          <a:solidFill>
-                            <a:srgbClr val="26345C"/>
-                          </a:solidFill>
-                          <a:latin typeface="Segoe UI"/>
-                        </a:rPr>
-                        <a:t>Reason</a:t>
-                      </a:r>
-                    </a:p>
-                  </a:txBody>
-                  <a:tcPr>
-                    <a:solidFill>
-                      <a:srgbClr val="E5EAF7"/>
-                    </a:solidFill>
-                    <a:tcBorders/>
-                  </a:tcPr>
-                </a:tc>
-              </a:tr>
-              <a:tr h="361950">
-                <a:tc>
-                  <a:txBody>
-                    <a:bodyPr wrap="square" anchor="ctr" lIns="95250" rIns="95250" tIns="76200" bIns="76200"/>
-                    <a:lstStyle/>
-                    <a:p>
-                      <a:pPr algn="l"/>
-                      <a:r>
-                        <a:rPr sz="1200" b="0" i="0">
-                          <a:solidFill>
-                            <a:srgbClr val="000000"/>
-                          </a:solidFill>
-                          <a:latin typeface="Segoe UI"/>
-                        </a:rPr>
-                        <a:t>Stocks</a:t>
-                      </a:r>
-                    </a:p>
-                  </a:txBody>
-                  <a:tcPr>
-                    <a:solidFill>
-                      <a:srgbClr val="F8F9FC"/>
-                    </a:solidFill>
-                    <a:tcBorders/>
-                  </a:tcPr>
-                </a:tc>
-                <a:tc>
-                  <a:txBody>
-                    <a:bodyPr wrap="square" anchor="ctr" lIns="95250" rIns="95250" tIns="76200" bIns="76200"/>
-                    <a:lstStyle/>
-                    <a:p>
-                      <a:pPr algn="l"/>
-                      <a:r>
-                        <a:rPr sz="1200" b="0" i="0">
-                          <a:solidFill>
-                            <a:srgbClr val="000000"/>
-                          </a:solidFill>
-                          <a:latin typeface="Segoe UI"/>
-                        </a:rPr>
-                        <a:t>Yes</a:t>
-                      </a:r>
-                    </a:p>
-                  </a:txBody>
-                  <a:tcPr>
-                    <a:solidFill>
-                      <a:srgbClr val="F8F9FC"/>
-                    </a:solidFill>
-                    <a:tcBorders/>
-                  </a:tcPr>
-                </a:tc>
-                <a:tc>
-                  <a:txBody>
-                    <a:bodyPr wrap="square" anchor="ctr" lIns="95250" rIns="95250" tIns="76200" bIns="76200"/>
-                    <a:lstStyle/>
-                    <a:p>
-                      <a:pPr algn="l"/>
-                      <a:r>
-                        <a:rPr sz="1200" b="0" i="0">
-                          <a:solidFill>
-                            <a:srgbClr val="000000"/>
-                          </a:solidFill>
-                          <a:latin typeface="Segoe UI"/>
-                        </a:rPr>
-                        <a:t>High liquidity and fungibility</a:t>
-                      </a:r>
-                    </a:p>
-                  </a:txBody>
-                  <a:tcPr>
-                    <a:solidFill>
-                      <a:srgbClr val="F8F9FC"/>
-                    </a:solidFill>
-                    <a:tcBorders/>
-                  </a:tcPr>
-                </a:tc>
-              </a:tr>
-              <a:tr h="561975">
-                <a:tc>
-                  <a:txBody>
-                    <a:bodyPr wrap="square" anchor="ctr" lIns="95250" rIns="95250" tIns="76200" bIns="76200"/>
-                    <a:lstStyle/>
-                    <a:p>
-                      <a:pPr algn="l"/>
-                      <a:r>
-                        <a:rPr sz="1200" b="0" i="0">
-                          <a:solidFill>
-                            <a:srgbClr val="000000"/>
-                          </a:solidFill>
-                          <a:latin typeface="Segoe UI"/>
-                        </a:rPr>
-                        <a:t>Futures</a:t>
-                      </a:r>
-                    </a:p>
-                  </a:txBody>
-                  <a:tcPr>
-                    <a:solidFill>
-                      <a:srgbClr val="F8F9FC"/>
-                    </a:solidFill>
-                    <a:tcBorders/>
-                  </a:tcPr>
-                </a:tc>
-                <a:tc>
-                  <a:txBody>
-                    <a:bodyPr wrap="square" anchor="ctr" lIns="95250" rIns="95250" tIns="76200" bIns="76200"/>
-                    <a:lstStyle/>
-                    <a:p>
-                      <a:pPr algn="l"/>
-                      <a:r>
-                        <a:rPr sz="1200" b="0" i="0">
-                          <a:solidFill>
-                            <a:srgbClr val="000000"/>
-                          </a:solidFill>
-                          <a:latin typeface="Segoe UI"/>
-                        </a:rPr>
-                        <a:t>Yes</a:t>
-                      </a:r>
-                    </a:p>
-                  </a:txBody>
-                  <a:tcPr>
-                    <a:solidFill>
-                      <a:srgbClr val="F8F9FC"/>
-                    </a:solidFill>
-                    <a:tcBorders/>
-                  </a:tcPr>
-                </a:tc>
-                <a:tc>
-                  <a:txBody>
-                    <a:bodyPr wrap="square" anchor="ctr" lIns="95250" rIns="95250" tIns="76200" bIns="76200"/>
-                    <a:lstStyle/>
-                    <a:p>
-                      <a:pPr algn="l"/>
-                      <a:r>
-                        <a:rPr sz="1200" b="0" i="0">
-                          <a:solidFill>
-                            <a:srgbClr val="000000"/>
-                          </a:solidFill>
-                          <a:latin typeface="Segoe UI"/>
-                        </a:rPr>
-                        <a:t>Standardized contracts allow ease of shorting</a:t>
-                      </a:r>
-                    </a:p>
-                  </a:txBody>
-                  <a:tcPr>
-                    <a:solidFill>
-                      <a:srgbClr val="F8F9FC"/>
-                    </a:solidFill>
-                    <a:tcBorders/>
-                  </a:tcPr>
-                </a:tc>
-              </a:tr>
-              <a:tr h="361950">
-                <a:tc>
-                  <a:txBody>
-                    <a:bodyPr wrap="square" anchor="ctr" lIns="95250" rIns="95250" tIns="76200" bIns="76200"/>
-                    <a:lstStyle/>
-                    <a:p>
-                      <a:pPr algn="l"/>
-                      <a:r>
-                        <a:rPr sz="1200" b="0" i="0">
-                          <a:solidFill>
-                            <a:srgbClr val="000000"/>
-                          </a:solidFill>
-                          <a:latin typeface="Segoe UI"/>
-                        </a:rPr>
-                        <a:t>Currency</a:t>
-                      </a:r>
-                    </a:p>
-                  </a:txBody>
-                  <a:tcPr>
-                    <a:solidFill>
-                      <a:srgbClr val="F8F9FC"/>
-                    </a:solidFill>
-                    <a:tcBorders/>
-                  </a:tcPr>
-                </a:tc>
-                <a:tc>
-                  <a:txBody>
-                    <a:bodyPr wrap="square" anchor="ctr" lIns="95250" rIns="95250" tIns="76200" bIns="76200"/>
-                    <a:lstStyle/>
-                    <a:p>
-                      <a:pPr algn="l"/>
-                      <a:r>
-                        <a:rPr sz="1200" b="0" i="0">
-                          <a:solidFill>
-                            <a:srgbClr val="000000"/>
-                          </a:solidFill>
-                          <a:latin typeface="Segoe UI"/>
-                        </a:rPr>
-                        <a:t>Yes</a:t>
-                      </a:r>
-                    </a:p>
-                  </a:txBody>
-                  <a:tcPr>
-                    <a:solidFill>
-                      <a:srgbClr val="F8F9FC"/>
-                    </a:solidFill>
-                    <a:tcBorders/>
-                  </a:tcPr>
-                </a:tc>
-                <a:tc>
-                  <a:txBody>
-                    <a:bodyPr wrap="square" anchor="ctr" lIns="95250" rIns="95250" tIns="76200" bIns="76200"/>
-                    <a:lstStyle/>
-                    <a:p>
-                      <a:pPr algn="l"/>
-                      <a:r>
-                        <a:rPr sz="1200" b="0" i="0">
-                          <a:solidFill>
-                            <a:srgbClr val="000000"/>
-                          </a:solidFill>
-                          <a:latin typeface="Segoe UI"/>
-                        </a:rPr>
-                        <a:t>Highly liquid and tradable</a:t>
-                      </a:r>
-                    </a:p>
-                  </a:txBody>
-                  <a:tcPr>
-                    <a:solidFill>
-                      <a:srgbClr val="F8F9FC"/>
-                    </a:solidFill>
-                    <a:tcBorders/>
-                  </a:tcPr>
-                </a:tc>
-              </a:tr>
-              <a:tr h="561975">
-                <a:tc>
-                  <a:txBody>
-                    <a:bodyPr wrap="square" anchor="ctr" lIns="95250" rIns="95250" tIns="76200" bIns="76200"/>
-                    <a:lstStyle/>
-                    <a:p>
-                      <a:pPr algn="l"/>
-                      <a:r>
-                        <a:rPr sz="1200" b="0" i="0">
-                          <a:solidFill>
-                            <a:srgbClr val="000000"/>
-                          </a:solidFill>
-                          <a:latin typeface="Segoe UI"/>
-                        </a:rPr>
-                        <a:t>Real Estate</a:t>
-                      </a:r>
-                    </a:p>
-                  </a:txBody>
-                  <a:tcPr>
-                    <a:solidFill>
-                      <a:srgbClr val="F8F9FC"/>
-                    </a:solidFill>
-                    <a:tcBorders/>
-                  </a:tcPr>
-                </a:tc>
-                <a:tc>
-                  <a:txBody>
-                    <a:bodyPr wrap="square" anchor="ctr" lIns="95250" rIns="95250" tIns="76200" bIns="76200"/>
-                    <a:lstStyle/>
-                    <a:p>
-                      <a:pPr algn="l"/>
-                      <a:r>
-                        <a:rPr sz="1200" b="0" i="0">
-                          <a:solidFill>
-                            <a:srgbClr val="000000"/>
-                          </a:solidFill>
-                          <a:latin typeface="Segoe UI"/>
-                        </a:rPr>
-                        <a:t>No</a:t>
-                      </a:r>
-                    </a:p>
-                  </a:txBody>
-                  <a:tcPr>
-                    <a:solidFill>
-                      <a:srgbClr val="F8F9FC"/>
-                    </a:solidFill>
-                    <a:tcBorders/>
-                  </a:tcPr>
-                </a:tc>
-                <a:tc>
-                  <a:txBody>
-                    <a:bodyPr wrap="square" anchor="ctr" lIns="95250" rIns="95250" tIns="76200" bIns="76200"/>
-                    <a:lstStyle/>
-                    <a:p>
-                      <a:pPr algn="l"/>
-                      <a:r>
-                        <a:rPr sz="1200" b="0" i="0">
-                          <a:solidFill>
-                            <a:srgbClr val="000000"/>
-                          </a:solidFill>
-                          <a:latin typeface="Segoe UI"/>
-                        </a:rPr>
-                        <a:t>Assets are not fungible or liquid</a:t>
-                      </a:r>
-                    </a:p>
-                  </a:txBody>
-                  <a:tcPr>
-                    <a:solidFill>
-                      <a:srgbClr val="F8F9FC"/>
-                    </a:solidFill>
-                    <a:tcBorders/>
-                  </a:tcPr>
-                </a:tc>
-              </a:tr>
-            </a:tbl>
-          </a:graphicData>
-        </a:graphic>
-      </p:graphicFrame>
-      <p:pic>
-        <p:nvPicPr>
-          <p:cNvPr id="7" name="Picture 6" descr="temp_rounded.png"/>
-          <p:cNvPicPr>
-            <a:picLocks noChangeAspect="1"/>
-          </p:cNvPicPr>
-          <p:nvPr/>
-        </p:nvPicPr>
-        <p:blipFill>
-          <a:blip r:embed="rId2"/>
-          <a:stretch>
-            <a:fillRect/>
-          </a:stretch>
-        </p:blipFill>
-        <p:spPr>
-          <a:xfrm>
-            <a:off x="5067300" y="1600200"/>
-            <a:ext cx="3048000" cy="2038350"/>
-          </a:xfrm>
-          <a:prstGeom prst="rect">
-            <a:avLst/>
-          </a:prstGeom>
-          <a:effectLst/>
-        </p:spPr>
-      </p:pic>
-      <p:sp>
-        <p:nvSpPr>
-          <p:cNvPr id="8" name="Rectangle 7"/>
+      <p:sp>
+        <p:nvSpPr>
+          <p:cNvPr id="5" name="Rectangle 4"/>
           <p:cNvSpPr/>
           <p:nvPr/>
         </p:nvSpPr>
         <p:spPr>
           <a:xfrm>
-            <a:off x="457200" y="3638550"/>
-            <a:ext cx="4267200" cy="600075"/>
+            <a:off x="628650" y="942975"/>
+            <a:ext cx="5095875" cy="600075"/>
           </a:xfrm>
           <a:prstGeom prst="rect">
             <a:avLst/>
@@ -7004,14 +8811,14 @@
       </p:sp>
       <p:sp>
         <p:nvSpPr>
-          <p:cNvPr id="9" name="TextBox 8"/>
+          <p:cNvPr id="6" name="TextBox 5"/>
           <p:cNvSpPr txBox="1"/>
           <p:nvPr/>
         </p:nvSpPr>
         <p:spPr>
           <a:xfrm>
-            <a:off x="457200" y="3638550"/>
-            <a:ext cx="4267200" cy="600075"/>
+            <a:off x="628650" y="942975"/>
+            <a:ext cx="5095875" cy="600075"/>
           </a:xfrm>
           <a:prstGeom prst="rect">
             <a:avLst/>
@@ -7023,7 +8830,7 @@
           <a:effectLst/>
         </p:spPr>
         <p:txBody>
-          <a:bodyPr wrap="square" anchor="t" lIns="190500" rIns="0" tIns="0" bIns="0">
+          <a:bodyPr wrap="square" anchor="t" lIns="381000" rIns="0" tIns="0" bIns="0">
             <a:spAutoFit/>
           </a:bodyPr>
           <a:lstStyle/>
@@ -7039,7 +8846,7 @@
             <a:r>
               <a:rPr sz="1200">
                 <a:solidFill>
-                  <a:srgbClr val="384276"/>
+                  <a:srgbClr val="222222"/>
                 </a:solidFill>
                 <a:latin typeface="Arial"/>
               </a:rPr>
@@ -7048,15 +8855,527 @@
             <a:r>
               <a:rPr sz="1200" b="0" i="0">
                 <a:solidFill>
-                  <a:srgbClr val="384276"/>
+                  <a:srgbClr val="222222"/>
                 </a:solidFill>
                 <a:latin typeface="Segoe UI"/>
               </a:rPr>
-              <a:t>Requires confidence in ability to repurchase at market price</a:t>
-            </a:r>
-          </a:p>
-        </p:txBody>
-      </p:sp>
+              <a:t>Most common in </a:t>
+            </a:r>
+            <a:r>
+              <a:rPr sz="1200" b="1" i="0">
+                <a:solidFill>
+                  <a:srgbClr val="222222"/>
+                </a:solidFill>
+                <a:latin typeface="Segoe UI"/>
+              </a:rPr>
+              <a:t>public securities</a:t>
+            </a:r>
+            <a:r>
+              <a:rPr sz="1200" b="0" i="0">
+                <a:solidFill>
+                  <a:srgbClr val="222222"/>
+                </a:solidFill>
+                <a:latin typeface="Segoe UI"/>
+              </a:rPr>
+              <a:t>, </a:t>
+            </a:r>
+            <a:r>
+              <a:rPr sz="1200" b="1" i="0">
+                <a:solidFill>
+                  <a:srgbClr val="222222"/>
+                </a:solidFill>
+                <a:latin typeface="Segoe UI"/>
+              </a:rPr>
+              <a:t>futures</a:t>
+            </a:r>
+            <a:r>
+              <a:rPr sz="1200" b="0" i="0">
+                <a:solidFill>
+                  <a:srgbClr val="222222"/>
+                </a:solidFill>
+                <a:latin typeface="Segoe UI"/>
+              </a:rPr>
+              <a:t>, and </a:t>
+            </a:r>
+            <a:r>
+              <a:rPr sz="1200" b="1" i="0">
+                <a:solidFill>
+                  <a:srgbClr val="222222"/>
+                </a:solidFill>
+                <a:latin typeface="Segoe UI"/>
+              </a:rPr>
+              <a:t>currency</a:t>
+            </a:r>
+            <a:r>
+              <a:rPr sz="1200" b="0" i="0">
+                <a:solidFill>
+                  <a:srgbClr val="222222"/>
+                </a:solidFill>
+                <a:latin typeface="Segoe UI"/>
+              </a:rPr>
+              <a:t> markets</a:t>
+            </a:r>
+          </a:p>
+          <a:p>
+            <a:pPr>
+              <a:lnSpc>
+                <a:spcPct val="115000"/>
+              </a:lnSpc>
+              <a:spcAft>
+                <a:spcPts val="0"/>
+              </a:spcAft>
+            </a:pPr>
+            <a:r>
+              <a:rPr sz="1200">
+                <a:solidFill>
+                  <a:srgbClr val="222222"/>
+                </a:solidFill>
+                <a:latin typeface="Arial"/>
+              </a:rPr>
+              <a:t>• </a:t>
+            </a:r>
+            <a:r>
+              <a:rPr sz="1200" b="0" i="0">
+                <a:solidFill>
+                  <a:srgbClr val="222222"/>
+                </a:solidFill>
+                <a:latin typeface="Segoe UI"/>
+              </a:rPr>
+              <a:t>Requires liquid, fungible assets for efficient execution</a:t>
+            </a:r>
+          </a:p>
+          <a:p>
+            <a:pPr>
+              <a:lnSpc>
+                <a:spcPct val="115000"/>
+              </a:lnSpc>
+              <a:spcAft>
+                <a:spcPts val="0"/>
+              </a:spcAft>
+            </a:pPr>
+            <a:r>
+              <a:rPr sz="1200">
+                <a:solidFill>
+                  <a:srgbClr val="222222"/>
+                </a:solidFill>
+                <a:latin typeface="Arial"/>
+              </a:rPr>
+              <a:t>• </a:t>
+            </a:r>
+            <a:r>
+              <a:rPr sz="1200" b="0" i="0">
+                <a:solidFill>
+                  <a:srgbClr val="222222"/>
+                </a:solidFill>
+                <a:latin typeface="Segoe UI"/>
+              </a:rPr>
+              <a:t>Uncommon in illiquid or unique assets</a:t>
+            </a:r>
+          </a:p>
+        </p:txBody>
+      </p:sp>
+      <p:sp>
+        <p:nvSpPr>
+          <p:cNvPr id="7" name="Rectangle 6"/>
+          <p:cNvSpPr/>
+          <p:nvPr/>
+        </p:nvSpPr>
+        <p:spPr>
+          <a:xfrm>
+            <a:off x="400050" y="304800"/>
+            <a:ext cx="7010400" cy="485775"/>
+          </a:xfrm>
+          <a:prstGeom prst="rect">
+            <a:avLst/>
+          </a:prstGeom>
+          <a:solidFill>
+            <a:srgbClr val="FFFFFF"/>
+          </a:solidFill>
+          <a:ln>
+            <a:noFill/>
+          </a:ln>
+          <a:effectLst/>
+        </p:spPr>
+        <p:style>
+          <a:lnRef idx="1">
+            <a:schemeClr val="accent1"/>
+          </a:lnRef>
+          <a:fillRef idx="3">
+            <a:schemeClr val="accent1"/>
+          </a:fillRef>
+          <a:effectRef idx="2">
+            <a:schemeClr val="accent1"/>
+          </a:effectRef>
+          <a:fontRef idx="minor">
+            <a:schemeClr val="lt1"/>
+          </a:fontRef>
+        </p:style>
+        <p:txBody>
+          <a:bodyPr rtlCol="0" anchor="ctr"/>
+          <a:lstStyle/>
+          <a:p>
+            <a:pPr algn="ctr"/>
+          </a:p>
+        </p:txBody>
+      </p:sp>
+      <p:sp>
+        <p:nvSpPr>
+          <p:cNvPr id="8" name="TextBox 7"/>
+          <p:cNvSpPr txBox="1"/>
+          <p:nvPr/>
+        </p:nvSpPr>
+        <p:spPr>
+          <a:xfrm>
+            <a:off x="400050" y="304800"/>
+            <a:ext cx="7010400" cy="485775"/>
+          </a:xfrm>
+          <a:prstGeom prst="rect">
+            <a:avLst/>
+          </a:prstGeom>
+          <a:noFill/>
+          <a:ln>
+            <a:noFill/>
+          </a:ln>
+          <a:effectLst/>
+        </p:spPr>
+        <p:txBody>
+          <a:bodyPr wrap="square" anchor="t" lIns="0" rIns="0" tIns="0" bIns="0">
+            <a:spAutoFit/>
+          </a:bodyPr>
+          <a:lstStyle/>
+          <a:p>
+            <a:pPr algn="l"/>
+            <a:r>
+              <a:rPr sz="2800" b="1" i="0">
+                <a:solidFill>
+                  <a:srgbClr val="14233A"/>
+                </a:solidFill>
+                <a:latin typeface="Segoe UI"/>
+              </a:rPr>
+              <a:t>Short Selling in the Markets</a:t>
+            </a:r>
+          </a:p>
+        </p:txBody>
+      </p:sp>
+      <p:sp>
+        <p:nvSpPr>
+          <p:cNvPr id="9" name="Rounded Rectangle 8"/>
+          <p:cNvSpPr/>
+          <p:nvPr/>
+        </p:nvSpPr>
+        <p:spPr>
+          <a:xfrm>
+            <a:off x="400050" y="1714500"/>
+            <a:ext cx="5324475" cy="466725"/>
+          </a:xfrm>
+          <a:prstGeom prst="roundRect">
+            <a:avLst>
+              <a:gd name="adj" fmla="val 14285"/>
+            </a:avLst>
+          </a:prstGeom>
+          <a:solidFill>
+            <a:srgbClr val="F4F7FA"/>
+          </a:solidFill>
+          <a:ln>
+            <a:noFill/>
+          </a:ln>
+          <a:effectLst/>
+        </p:spPr>
+        <p:style>
+          <a:lnRef idx="1">
+            <a:schemeClr val="accent1"/>
+          </a:lnRef>
+          <a:fillRef idx="3">
+            <a:schemeClr val="accent1"/>
+          </a:fillRef>
+          <a:effectRef idx="2">
+            <a:schemeClr val="accent1"/>
+          </a:effectRef>
+          <a:fontRef idx="minor">
+            <a:schemeClr val="lt1"/>
+          </a:fontRef>
+        </p:style>
+        <p:txBody>
+          <a:bodyPr rtlCol="0" anchor="ctr"/>
+          <a:lstStyle/>
+          <a:p>
+            <a:pPr algn="ctr"/>
+          </a:p>
+        </p:txBody>
+      </p:sp>
+      <p:sp>
+        <p:nvSpPr>
+          <p:cNvPr id="10" name="Rectangle 9"/>
+          <p:cNvSpPr/>
+          <p:nvPr/>
+        </p:nvSpPr>
+        <p:spPr>
+          <a:xfrm>
+            <a:off x="400050" y="1714500"/>
+            <a:ext cx="47625" cy="466725"/>
+          </a:xfrm>
+          <a:prstGeom prst="rect">
+            <a:avLst/>
+          </a:prstGeom>
+          <a:solidFill>
+            <a:srgbClr val="1D5DBF"/>
+          </a:solidFill>
+          <a:ln>
+            <a:noFill/>
+          </a:ln>
+          <a:effectLst/>
+        </p:spPr>
+        <p:style>
+          <a:lnRef idx="1">
+            <a:schemeClr val="accent1"/>
+          </a:lnRef>
+          <a:fillRef idx="3">
+            <a:schemeClr val="accent1"/>
+          </a:fillRef>
+          <a:effectRef idx="2">
+            <a:schemeClr val="accent1"/>
+          </a:effectRef>
+          <a:fontRef idx="minor">
+            <a:schemeClr val="lt1"/>
+          </a:fontRef>
+        </p:style>
+        <p:txBody>
+          <a:bodyPr rtlCol="0" anchor="ctr"/>
+          <a:lstStyle/>
+          <a:p>
+            <a:pPr algn="ctr"/>
+          </a:p>
+        </p:txBody>
+      </p:sp>
+      <p:sp>
+        <p:nvSpPr>
+          <p:cNvPr id="11" name="TextBox 10"/>
+          <p:cNvSpPr txBox="1"/>
+          <p:nvPr/>
+        </p:nvSpPr>
+        <p:spPr>
+          <a:xfrm>
+            <a:off x="400050" y="1714500"/>
+            <a:ext cx="5324475" cy="466725"/>
+          </a:xfrm>
+          <a:prstGeom prst="rect">
+            <a:avLst/>
+          </a:prstGeom>
+          <a:noFill/>
+          <a:ln>
+            <a:noFill/>
+          </a:ln>
+          <a:effectLst/>
+        </p:spPr>
+        <p:txBody>
+          <a:bodyPr wrap="square" anchor="ctr" lIns="171450" rIns="171450" tIns="133350" bIns="133350">
+            <a:spAutoFit/>
+          </a:bodyPr>
+          <a:lstStyle/>
+          <a:p>
+            <a:pPr algn="l"/>
+            <a:r>
+              <a:rPr sz="1200" b="1" i="0">
+                <a:solidFill>
+                  <a:srgbClr val="193459"/>
+                </a:solidFill>
+                <a:latin typeface="Segoe UI"/>
+              </a:rPr>
+              <a:t>Liquidity</a:t>
+            </a:r>
+            <a:r>
+              <a:rPr sz="1200" b="0" i="0">
+                <a:solidFill>
+                  <a:srgbClr val="193459"/>
+                </a:solidFill>
+                <a:latin typeface="Segoe UI"/>
+              </a:rPr>
+              <a:t> and </a:t>
+            </a:r>
+            <a:r>
+              <a:rPr sz="1200" b="1" i="0">
+                <a:solidFill>
+                  <a:srgbClr val="193459"/>
+                </a:solidFill>
+                <a:latin typeface="Segoe UI"/>
+              </a:rPr>
+              <a:t>fungibility</a:t>
+            </a:r>
+            <a:r>
+              <a:rPr sz="1200" b="0" i="0">
+                <a:solidFill>
+                  <a:srgbClr val="193459"/>
+                </a:solidFill>
+                <a:latin typeface="Segoe UI"/>
+              </a:rPr>
+              <a:t> are critical for effective short selling.</a:t>
+            </a:r>
+          </a:p>
+        </p:txBody>
+      </p:sp>
+      <p:sp>
+        <p:nvSpPr>
+          <p:cNvPr id="12" name="Rounded Rectangle 11"/>
+          <p:cNvSpPr/>
+          <p:nvPr/>
+        </p:nvSpPr>
+        <p:spPr>
+          <a:xfrm>
+            <a:off x="400050" y="2562225"/>
+            <a:ext cx="7010400" cy="628650"/>
+          </a:xfrm>
+          <a:prstGeom prst="roundRect">
+            <a:avLst>
+              <a:gd name="adj" fmla="val 10606"/>
+            </a:avLst>
+          </a:prstGeom>
+          <a:solidFill>
+            <a:srgbClr val="E9F7EF"/>
+          </a:solidFill>
+          <a:ln>
+            <a:noFill/>
+          </a:ln>
+          <a:effectLst/>
+        </p:spPr>
+        <p:style>
+          <a:lnRef idx="1">
+            <a:schemeClr val="accent1"/>
+          </a:lnRef>
+          <a:fillRef idx="3">
+            <a:schemeClr val="accent1"/>
+          </a:fillRef>
+          <a:effectRef idx="2">
+            <a:schemeClr val="accent1"/>
+          </a:effectRef>
+          <a:fontRef idx="minor">
+            <a:schemeClr val="lt1"/>
+          </a:fontRef>
+        </p:style>
+        <p:txBody>
+          <a:bodyPr rtlCol="0" anchor="ctr"/>
+          <a:lstStyle/>
+          <a:p>
+            <a:pPr algn="ctr"/>
+          </a:p>
+        </p:txBody>
+      </p:sp>
+      <p:sp>
+        <p:nvSpPr>
+          <p:cNvPr id="13" name="Rectangle 12"/>
+          <p:cNvSpPr/>
+          <p:nvPr/>
+        </p:nvSpPr>
+        <p:spPr>
+          <a:xfrm>
+            <a:off x="400050" y="2562225"/>
+            <a:ext cx="47625" cy="628650"/>
+          </a:xfrm>
+          <a:prstGeom prst="rect">
+            <a:avLst/>
+          </a:prstGeom>
+          <a:solidFill>
+            <a:srgbClr val="43B57C"/>
+          </a:solidFill>
+          <a:ln>
+            <a:noFill/>
+          </a:ln>
+          <a:effectLst/>
+        </p:spPr>
+        <p:style>
+          <a:lnRef idx="1">
+            <a:schemeClr val="accent1"/>
+          </a:lnRef>
+          <a:fillRef idx="3">
+            <a:schemeClr val="accent1"/>
+          </a:fillRef>
+          <a:effectRef idx="2">
+            <a:schemeClr val="accent1"/>
+          </a:effectRef>
+          <a:fontRef idx="minor">
+            <a:schemeClr val="lt1"/>
+          </a:fontRef>
+        </p:style>
+        <p:txBody>
+          <a:bodyPr rtlCol="0" anchor="ctr"/>
+          <a:lstStyle/>
+          <a:p>
+            <a:pPr algn="ctr"/>
+          </a:p>
+        </p:txBody>
+      </p:sp>
+      <p:sp>
+        <p:nvSpPr>
+          <p:cNvPr id="14" name="TextBox 13"/>
+          <p:cNvSpPr txBox="1"/>
+          <p:nvPr/>
+        </p:nvSpPr>
+        <p:spPr>
+          <a:xfrm>
+            <a:off x="400050" y="2562225"/>
+            <a:ext cx="7010400" cy="628650"/>
+          </a:xfrm>
+          <a:prstGeom prst="rect">
+            <a:avLst/>
+          </a:prstGeom>
+          <a:noFill/>
+          <a:ln>
+            <a:noFill/>
+          </a:ln>
+          <a:effectLst/>
+        </p:spPr>
+        <p:txBody>
+          <a:bodyPr wrap="square" anchor="ctr" lIns="152400" rIns="152400" tIns="114300" bIns="114300">
+            <a:spAutoFit/>
+          </a:bodyPr>
+          <a:lstStyle/>
+          <a:p>
+            <a:pPr algn="l"/>
+            <a:r>
+              <a:rPr sz="1200" b="1" i="0">
+                <a:solidFill>
+                  <a:srgbClr val="1A5D49"/>
+                </a:solidFill>
+                <a:latin typeface="Segoe UI"/>
+              </a:rPr>
+              <a:t>Short sellers must be confident:</a:t>
+            </a:r>
+            <a:r>
+              <a:rPr sz="1200" b="0" i="0">
+                <a:solidFill>
+                  <a:srgbClr val="1A5D49"/>
+                </a:solidFill>
+                <a:latin typeface="Segoe UI"/>
+              </a:rPr>
+              <a:t> they can repurchase and return the asset at market price when closing the position.</a:t>
+            </a:r>
+          </a:p>
+        </p:txBody>
+      </p:sp>
+      <p:pic>
+        <p:nvPicPr>
+          <p:cNvPr id="15" name="Picture 14" descr="temp_rounded.png"/>
+          <p:cNvPicPr>
+            <a:picLocks noChangeAspect="1"/>
+          </p:cNvPicPr>
+          <p:nvPr/>
+        </p:nvPicPr>
+        <p:blipFill>
+          <a:blip r:embed="rId2"/>
+          <a:stretch>
+            <a:fillRect/>
+          </a:stretch>
+        </p:blipFill>
+        <p:spPr>
+          <a:xfrm>
+            <a:off x="5915025" y="866775"/>
+            <a:ext cx="1495425" cy="1304925"/>
+          </a:xfrm>
+          <a:prstGeom prst="rect">
+            <a:avLst/>
+          </a:prstGeom>
+          <a:effectLst/>
+        </p:spPr>
+      </p:pic>
     </p:spTree>
   </p:cSld>
   <p:clrMapOvr>
@@ -7071,7 +9390,7 @@
     <p:bg>
       <p:bgPr>
         <a:solidFill>
-          <a:srgbClr val="F4F6FB"/>
+          <a:srgbClr val="FFFFFF"/>
         </a:solidFill>
         <a:effectLst/>
       </p:bgPr>
@@ -7092,11 +9411,11 @@
         <p:spPr>
           <a:xfrm>
             <a:off x="0" y="0"/>
-            <a:ext cx="8572500" cy="5238750"/>
+            <a:ext cx="7810500" cy="4572000"/>
           </a:xfrm>
           <a:prstGeom prst="roundRect">
             <a:avLst>
-              <a:gd name="adj" fmla="val 2909"/>
+              <a:gd name="adj" fmla="val 2916"/>
             </a:avLst>
           </a:prstGeom>
           <a:solidFill>
@@ -7137,8 +9456,8 @@
         </p:nvSpPr>
         <p:spPr>
           <a:xfrm>
-            <a:off x="457200" y="1552575"/>
-            <a:ext cx="4876800" cy="304800"/>
+            <a:off x="400050" y="1038225"/>
+            <a:ext cx="7010400" cy="1670780"/>
           </a:xfrm>
           <a:prstGeom prst="rect">
             <a:avLst/>
@@ -7175,53 +9494,14 @@
       </p:sp>
       <p:sp>
         <p:nvSpPr>
-          <p:cNvPr id="4" name="TextBox 3"/>
-          <p:cNvSpPr txBox="1"/>
-          <p:nvPr/>
-        </p:nvSpPr>
-        <p:spPr>
-          <a:xfrm>
-            <a:off x="457200" y="1552575"/>
-            <a:ext cx="4876800" cy="304800"/>
-          </a:xfrm>
-          <a:prstGeom prst="rect">
-            <a:avLst/>
-          </a:prstGeom>
-          <a:noFill/>
-          <a:ln>
-            <a:noFill/>
-          </a:ln>
-          <a:effectLst/>
-        </p:spPr>
-        <p:txBody>
-          <a:bodyPr wrap="square" anchor="ctr" lIns="0" rIns="0" tIns="0" bIns="0">
-            <a:spAutoFit/>
-          </a:bodyPr>
-          <a:lstStyle/>
-          <a:p>
-            <a:pPr algn="l"/>
-            <a:r>
-              <a:rPr sz="1800" b="1" i="0">
-                <a:solidFill>
-                  <a:srgbClr val="26345C"/>
-                </a:solidFill>
-                <a:latin typeface="Segoe UI"/>
-              </a:rPr>
-              <a:t>Objectives of Short Selling</a:t>
-            </a:r>
-          </a:p>
-        </p:txBody>
-      </p:sp>
-      <p:sp>
-        <p:nvSpPr>
-          <p:cNvPr id="5" name="Rectangle 4"/>
+          <p:cNvPr id="4" name="Rectangle 3"/>
           <p:cNvSpPr/>
           <p:nvPr/>
         </p:nvSpPr>
         <p:spPr>
           <a:xfrm>
-            <a:off x="457200" y="2009775"/>
-            <a:ext cx="4876800" cy="714375"/>
+            <a:off x="2590800" y="1038225"/>
+            <a:ext cx="2628900" cy="1546955"/>
           </a:xfrm>
           <a:prstGeom prst="rect">
             <a:avLst/>
@@ -7258,14 +9538,196 @@
       </p:sp>
       <p:sp>
         <p:nvSpPr>
-          <p:cNvPr id="6" name="TextBox 5"/>
+          <p:cNvPr id="5" name="Rounded Rectangle 4"/>
+          <p:cNvSpPr/>
+          <p:nvPr/>
+        </p:nvSpPr>
+        <p:spPr>
+          <a:xfrm>
+            <a:off x="400050" y="1254442"/>
+            <a:ext cx="1905000" cy="1238250"/>
+          </a:xfrm>
+          <a:prstGeom prst="roundRect">
+            <a:avLst>
+              <a:gd name="adj" fmla="val 7692"/>
+            </a:avLst>
+          </a:prstGeom>
+          <a:solidFill>
+            <a:srgbClr val="E8F0F6"/>
+          </a:solidFill>
+          <a:ln>
+            <a:noFill/>
+          </a:ln>
+          <a:effectLst/>
+        </p:spPr>
+        <p:style>
+          <a:lnRef idx="1">
+            <a:schemeClr val="accent1"/>
+          </a:lnRef>
+          <a:fillRef idx="3">
+            <a:schemeClr val="accent1"/>
+          </a:fillRef>
+          <a:effectRef idx="2">
+            <a:schemeClr val="accent1"/>
+          </a:effectRef>
+          <a:fontRef idx="minor">
+            <a:schemeClr val="lt1"/>
+          </a:fontRef>
+        </p:style>
+        <p:txBody>
+          <a:bodyPr rtlCol="0" anchor="ctr"/>
+          <a:lstStyle/>
+          <a:p>
+            <a:pPr algn="ctr"/>
+          </a:p>
+        </p:txBody>
+      </p:sp>
+      <p:sp>
+        <p:nvSpPr>
+          <p:cNvPr id="6" name="Rounded Rectangle 5"/>
+          <p:cNvSpPr/>
+          <p:nvPr/>
+        </p:nvSpPr>
+        <p:spPr>
+          <a:xfrm>
+            <a:off x="5391150" y="1254442"/>
+            <a:ext cx="1905000" cy="1238250"/>
+          </a:xfrm>
+          <a:prstGeom prst="roundRect">
+            <a:avLst>
+              <a:gd name="adj" fmla="val 7692"/>
+            </a:avLst>
+          </a:prstGeom>
+          <a:solidFill>
+            <a:srgbClr val="E8F0F6"/>
+          </a:solidFill>
+          <a:ln>
+            <a:noFill/>
+          </a:ln>
+          <a:effectLst/>
+        </p:spPr>
+        <p:style>
+          <a:lnRef idx="1">
+            <a:schemeClr val="accent1"/>
+          </a:lnRef>
+          <a:fillRef idx="3">
+            <a:schemeClr val="accent1"/>
+          </a:fillRef>
+          <a:effectRef idx="2">
+            <a:schemeClr val="accent1"/>
+          </a:effectRef>
+          <a:fontRef idx="minor">
+            <a:schemeClr val="lt1"/>
+          </a:fontRef>
+        </p:style>
+        <p:txBody>
+          <a:bodyPr rtlCol="0" anchor="ctr"/>
+          <a:lstStyle/>
+          <a:p>
+            <a:pPr algn="ctr"/>
+          </a:p>
+        </p:txBody>
+      </p:sp>
+      <p:sp>
+        <p:nvSpPr>
+          <p:cNvPr id="7" name="Rounded Rectangle 6"/>
+          <p:cNvSpPr/>
+          <p:nvPr/>
+        </p:nvSpPr>
+        <p:spPr>
+          <a:xfrm>
+            <a:off x="2171700" y="2880455"/>
+            <a:ext cx="3467100" cy="1619250"/>
+          </a:xfrm>
+          <a:prstGeom prst="roundRect">
+            <a:avLst>
+              <a:gd name="adj" fmla="val 7058"/>
+            </a:avLst>
+          </a:prstGeom>
+          <a:solidFill>
+            <a:srgbClr val="F4F7FA"/>
+          </a:solidFill>
+          <a:ln>
+            <a:noFill/>
+          </a:ln>
+          <a:effectLst/>
+        </p:spPr>
+        <p:style>
+          <a:lnRef idx="1">
+            <a:schemeClr val="accent1"/>
+          </a:lnRef>
+          <a:fillRef idx="3">
+            <a:schemeClr val="accent1"/>
+          </a:fillRef>
+          <a:effectRef idx="2">
+            <a:schemeClr val="accent1"/>
+          </a:effectRef>
+          <a:fontRef idx="minor">
+            <a:schemeClr val="lt1"/>
+          </a:fontRef>
+        </p:style>
+        <p:txBody>
+          <a:bodyPr rtlCol="0" anchor="ctr"/>
+          <a:lstStyle/>
+          <a:p>
+            <a:pPr algn="ctr"/>
+          </a:p>
+        </p:txBody>
+      </p:sp>
+      <p:sp>
+        <p:nvSpPr>
+          <p:cNvPr id="8" name="Rectangle 7"/>
+          <p:cNvSpPr/>
+          <p:nvPr/>
+        </p:nvSpPr>
+        <p:spPr>
+          <a:xfrm>
+            <a:off x="2819400" y="1114425"/>
+            <a:ext cx="2400300" cy="1390650"/>
+          </a:xfrm>
+          <a:prstGeom prst="rect">
+            <a:avLst/>
+          </a:prstGeom>
+          <a:solidFill>
+            <a:srgbClr val="FFFFFF"/>
+          </a:solidFill>
+          <a:ln>
+            <a:noFill/>
+          </a:ln>
+          <a:effectLst/>
+        </p:spPr>
+        <p:style>
+          <a:lnRef idx="1">
+            <a:schemeClr val="accent1"/>
+          </a:lnRef>
+          <a:fillRef idx="3">
+            <a:schemeClr val="accent1"/>
+          </a:fillRef>
+          <a:effectRef idx="2">
+            <a:schemeClr val="accent1"/>
+          </a:effectRef>
+          <a:fontRef idx="minor">
+            <a:schemeClr val="lt1"/>
+          </a:fontRef>
+        </p:style>
+        <p:txBody>
+          <a:bodyPr rtlCol="0" anchor="ctr"/>
+          <a:lstStyle/>
+          <a:p>
+            <a:pPr algn="ctr"/>
+          </a:p>
+        </p:txBody>
+      </p:sp>
+      <p:sp>
+        <p:nvSpPr>
+          <p:cNvPr id="9" name="TextBox 8"/>
           <p:cNvSpPr txBox="1"/>
           <p:nvPr/>
         </p:nvSpPr>
         <p:spPr>
           <a:xfrm>
-            <a:off x="457200" y="2009775"/>
-            <a:ext cx="4876800" cy="714375"/>
+            <a:off x="2819400" y="1114425"/>
+            <a:ext cx="2400300" cy="1390650"/>
           </a:xfrm>
           <a:prstGeom prst="rect">
             <a:avLst/>
@@ -7277,7 +9739,7 @@
           <a:effectLst/>
         </p:spPr>
         <p:txBody>
-          <a:bodyPr wrap="square" anchor="t" lIns="190500" rIns="0" tIns="0" bIns="0">
+          <a:bodyPr wrap="square" anchor="t" lIns="381000" rIns="0" tIns="0" bIns="0">
             <a:spAutoFit/>
           </a:bodyPr>
           <a:lstStyle/>
@@ -7287,35 +9749,35 @@
                 <a:spcPct val="115000"/>
               </a:lnSpc>
               <a:spcAft>
-                <a:spcPts val="900"/>
+                <a:spcPts val="0"/>
               </a:spcAft>
             </a:pPr>
             <a:r>
-              <a:rPr sz="1200">
-                <a:solidFill>
-                  <a:srgbClr val="384276"/>
+              <a:rPr sz="1300">
+                <a:solidFill>
+                  <a:srgbClr val="232D3B"/>
                 </a:solidFill>
                 <a:latin typeface="Arial"/>
               </a:rPr>
               <a:t>• </a:t>
             </a:r>
             <a:r>
-              <a:rPr sz="1200" b="1" i="0">
-                <a:solidFill>
-                  <a:srgbClr val="384276"/>
+              <a:rPr sz="1300" b="1" i="0">
+                <a:solidFill>
+                  <a:srgbClr val="232D3B"/>
                 </a:solidFill>
                 <a:latin typeface="Segoe UI"/>
               </a:rPr>
               <a:t>Speculation:</a:t>
             </a:r>
             <a:r>
-              <a:rPr sz="1200" b="0" i="0">
-                <a:solidFill>
-                  <a:srgbClr val="384276"/>
+              <a:rPr sz="1300" b="0" i="0">
+                <a:solidFill>
+                  <a:srgbClr val="232D3B"/>
                 </a:solidFill>
                 <a:latin typeface="Segoe UI"/>
               </a:rPr>
-              <a:t> Profit from perceived overvaluation</a:t>
+              <a:t> Profit from overvalued assets by anticipating price declines</a:t>
             </a:r>
           </a:p>
           <a:p>
@@ -7324,57 +9786,55 @@
                 <a:spcPct val="115000"/>
               </a:lnSpc>
               <a:spcAft>
-                <a:spcPts val="900"/>
+                <a:spcPts val="0"/>
               </a:spcAft>
             </a:pPr>
             <a:r>
-              <a:rPr sz="1200">
-                <a:solidFill>
-                  <a:srgbClr val="384276"/>
+              <a:rPr sz="1300">
+                <a:solidFill>
+                  <a:srgbClr val="232D3B"/>
                 </a:solidFill>
                 <a:latin typeface="Arial"/>
               </a:rPr>
               <a:t>• </a:t>
             </a:r>
             <a:r>
-              <a:rPr sz="1200" b="1" i="0">
-                <a:solidFill>
-                  <a:srgbClr val="384276"/>
+              <a:rPr sz="1300" b="1" i="0">
+                <a:solidFill>
+                  <a:srgbClr val="232D3B"/>
                 </a:solidFill>
                 <a:latin typeface="Segoe UI"/>
               </a:rPr>
               <a:t>Hedging:</a:t>
             </a:r>
             <a:r>
-              <a:rPr sz="1200" b="0" i="0">
-                <a:solidFill>
-                  <a:srgbClr val="384276"/>
+              <a:rPr sz="1300" b="0" i="0">
+                <a:solidFill>
+                  <a:srgbClr val="232D3B"/>
                 </a:solidFill>
                 <a:latin typeface="Segoe UI"/>
               </a:rPr>
-              <a:t> Offset risks in long positions or portfolios</a:t>
-            </a:r>
-          </a:p>
-        </p:txBody>
-      </p:sp>
-      <p:sp>
-        <p:nvSpPr>
-          <p:cNvPr id="7" name="Rounded Rectangle 6"/>
+              <a:t> Offset risk in a long position or portfolio</a:t>
+            </a:r>
+          </a:p>
+        </p:txBody>
+      </p:sp>
+      <p:sp>
+        <p:nvSpPr>
+          <p:cNvPr id="10" name="Rectangle 9"/>
           <p:cNvSpPr/>
           <p:nvPr/>
         </p:nvSpPr>
         <p:spPr>
           <a:xfrm>
-            <a:off x="457200" y="2886075"/>
-            <a:ext cx="4876800" cy="628650"/>
-          </a:xfrm>
-          <a:prstGeom prst="roundRect">
-            <a:avLst>
-              <a:gd name="adj" fmla="val 12121"/>
-            </a:avLst>
-          </a:prstGeom>
-          <a:solidFill>
-            <a:srgbClr val="FFEEB5"/>
+            <a:off x="400050" y="304800"/>
+            <a:ext cx="7010400" cy="485775"/>
+          </a:xfrm>
+          <a:prstGeom prst="rect">
+            <a:avLst/>
+          </a:prstGeom>
+          <a:solidFill>
+            <a:srgbClr val="FFFFFF"/>
           </a:solidFill>
           <a:ln>
             <a:noFill/>
@@ -7405,22 +9865,59 @@
       </p:sp>
       <p:sp>
         <p:nvSpPr>
-          <p:cNvPr id="8" name="Rounded Rectangle 7"/>
+          <p:cNvPr id="11" name="TextBox 10"/>
+          <p:cNvSpPr txBox="1"/>
+          <p:nvPr/>
+        </p:nvSpPr>
+        <p:spPr>
+          <a:xfrm>
+            <a:off x="400050" y="304800"/>
+            <a:ext cx="7010400" cy="485775"/>
+          </a:xfrm>
+          <a:prstGeom prst="rect">
+            <a:avLst/>
+          </a:prstGeom>
+          <a:noFill/>
+          <a:ln>
+            <a:noFill/>
+          </a:ln>
+          <a:effectLst/>
+        </p:spPr>
+        <p:txBody>
+          <a:bodyPr wrap="square" anchor="t" lIns="0" rIns="0" tIns="0" bIns="0">
+            <a:spAutoFit/>
+          </a:bodyPr>
+          <a:lstStyle/>
+          <a:p>
+            <a:pPr algn="l"/>
+            <a:r>
+              <a:rPr sz="2800" b="1" i="0">
+                <a:solidFill>
+                  <a:srgbClr val="14233A"/>
+                </a:solidFill>
+                <a:latin typeface="Segoe UI"/>
+              </a:rPr>
+              <a:t>Why Sell Short? Objectives &amp; Use Cases</a:t>
+            </a:r>
+          </a:p>
+        </p:txBody>
+      </p:sp>
+      <p:sp>
+        <p:nvSpPr>
+          <p:cNvPr id="12" name="Rectangle 11"/>
           <p:cNvSpPr/>
           <p:nvPr/>
         </p:nvSpPr>
         <p:spPr>
           <a:xfrm>
-            <a:off x="457200" y="2886075"/>
-            <a:ext cx="47625" cy="628650"/>
-          </a:xfrm>
-          <a:prstGeom prst="roundRect">
-            <a:avLst>
-              <a:gd name="adj" fmla="val 50000"/>
-            </a:avLst>
-          </a:prstGeom>
-          <a:solidFill>
-            <a:srgbClr val="D2AE38"/>
+            <a:off x="2548700" y="2994755"/>
+            <a:ext cx="2713101" cy="200025"/>
+          </a:xfrm>
+          <a:prstGeom prst="rect">
+            <a:avLst/>
+          </a:prstGeom>
+          <a:solidFill>
+            <a:srgbClr val="F4F7FA"/>
           </a:solidFill>
           <a:ln>
             <a:noFill/>
@@ -7451,14 +9948,14 @@
       </p:sp>
       <p:sp>
         <p:nvSpPr>
-          <p:cNvPr id="9" name="TextBox 8"/>
+          <p:cNvPr id="13" name="TextBox 12"/>
           <p:cNvSpPr txBox="1"/>
           <p:nvPr/>
         </p:nvSpPr>
         <p:spPr>
           <a:xfrm>
-            <a:off x="457200" y="2886075"/>
-            <a:ext cx="4876800" cy="628650"/>
+            <a:off x="2548700" y="2994755"/>
+            <a:ext cx="2713101" cy="200025"/>
           </a:xfrm>
           <a:prstGeom prst="rect">
             <a:avLst/>
@@ -7470,33 +9967,74 @@
           <a:effectLst/>
         </p:spPr>
         <p:txBody>
-          <a:bodyPr wrap="square" anchor="ctr" lIns="171450" rIns="171450" tIns="114300" bIns="114300">
+          <a:bodyPr wrap="square" anchor="ctr" lIns="0" rIns="0" tIns="0" bIns="0">
             <a:spAutoFit/>
           </a:bodyPr>
           <a:lstStyle/>
           <a:p>
             <a:pPr algn="l"/>
             <a:r>
-              <a:rPr sz="1200" b="1" i="0">
-                <a:solidFill>
-                  <a:srgbClr val="26345C"/>
+              <a:rPr sz="1100" b="0" i="0">
+                <a:solidFill>
+                  <a:srgbClr val="1D5DBF"/>
                 </a:solidFill>
                 <a:latin typeface="Segoe UI"/>
               </a:rPr>
-              <a:t>Research:</a:t>
-            </a:r>
-            <a:r>
-              <a:rPr sz="1200" b="0" i="0">
-                <a:solidFill>
-                  <a:srgbClr val="26345C"/>
-                </a:solidFill>
-                <a:latin typeface="Segoe UI"/>
-              </a:rPr>
-              <a:t> Banning short selling is generally ineffective and can harm market efficiency, though it remains controversial.</a:t>
-            </a:r>
-          </a:p>
-        </p:txBody>
-      </p:sp>
+              <a:t>Short Selling Objectives (by % of usage)</a:t>
+            </a:r>
+          </a:p>
+        </p:txBody>
+      </p:sp>
+      <p:pic>
+        <p:nvPicPr>
+          <p:cNvPr id="14" name="Picture 13" descr="temp_image.png"/>
+          <p:cNvPicPr>
+            <a:picLocks noChangeAspect="1"/>
+          </p:cNvPicPr>
+          <p:nvPr/>
+        </p:nvPicPr>
+        <p:blipFill>
+          <a:blip r:embed="rId2"/>
+          <a:stretch>
+            <a:fillRect/>
+          </a:stretch>
+        </p:blipFill>
+        <p:spPr>
+          <a:xfrm>
+            <a:off x="1123950" y="1644968"/>
+            <a:ext cx="457200" cy="457200"/>
+          </a:xfrm>
+          <a:prstGeom prst="rect">
+            <a:avLst/>
+          </a:prstGeom>
+          <a:effectLst/>
+        </p:spPr>
+      </p:pic>
+      <p:pic>
+        <p:nvPicPr>
+          <p:cNvPr id="15" name="Picture 14" descr="temp_image.png"/>
+          <p:cNvPicPr>
+            <a:picLocks noChangeAspect="1"/>
+          </p:cNvPicPr>
+          <p:nvPr/>
+        </p:nvPicPr>
+        <p:blipFill>
+          <a:blip r:embed="rId3"/>
+          <a:stretch>
+            <a:fillRect/>
+          </a:stretch>
+        </p:blipFill>
+        <p:spPr>
+          <a:xfrm>
+            <a:off x="6115050" y="1644968"/>
+            <a:ext cx="457200" cy="457200"/>
+          </a:xfrm>
+          <a:prstGeom prst="rect">
+            <a:avLst/>
+          </a:prstGeom>
+          <a:effectLst/>
+        </p:spPr>
+      </p:pic>
     </p:spTree>
   </p:cSld>
   <p:clrMapOvr>
@@ -7511,7 +10049,7 @@
     <p:bg>
       <p:bgPr>
         <a:solidFill>
-          <a:srgbClr val="F4F6FB"/>
+          <a:srgbClr val="FFFFFF"/>
         </a:solidFill>
         <a:effectLst/>
       </p:bgPr>
@@ -7532,11 +10070,11 @@
         <p:spPr>
           <a:xfrm>
             <a:off x="0" y="0"/>
-            <a:ext cx="8572500" cy="5238750"/>
+            <a:ext cx="7810500" cy="4572000"/>
           </a:xfrm>
           <a:prstGeom prst="roundRect">
             <a:avLst>
-              <a:gd name="adj" fmla="val 2909"/>
+              <a:gd name="adj" fmla="val 2916"/>
             </a:avLst>
           </a:prstGeom>
           <a:solidFill>
@@ -7577,8 +10115,8 @@
         </p:nvSpPr>
         <p:spPr>
           <a:xfrm>
-            <a:off x="457200" y="1104900"/>
-            <a:ext cx="4267200" cy="609600"/>
+            <a:off x="400050" y="1038225"/>
+            <a:ext cx="7010400" cy="1152525"/>
           </a:xfrm>
           <a:prstGeom prst="rect">
             <a:avLst/>
@@ -7615,14 +10153,629 @@
       </p:sp>
       <p:sp>
         <p:nvSpPr>
-          <p:cNvPr id="4" name="TextBox 3"/>
+          <p:cNvPr id="4" name="Rectangle 3"/>
+          <p:cNvSpPr/>
+          <p:nvPr/>
+        </p:nvSpPr>
+        <p:spPr>
+          <a:xfrm>
+            <a:off x="400050" y="1038225"/>
+            <a:ext cx="609600" cy="762000"/>
+          </a:xfrm>
+          <a:prstGeom prst="rect">
+            <a:avLst/>
+          </a:prstGeom>
+          <a:solidFill>
+            <a:srgbClr val="FFFFFF"/>
+          </a:solidFill>
+          <a:ln>
+            <a:noFill/>
+          </a:ln>
+          <a:effectLst/>
+        </p:spPr>
+        <p:style>
+          <a:lnRef idx="1">
+            <a:schemeClr val="accent1"/>
+          </a:lnRef>
+          <a:fillRef idx="3">
+            <a:schemeClr val="accent1"/>
+          </a:fillRef>
+          <a:effectRef idx="2">
+            <a:schemeClr val="accent1"/>
+          </a:effectRef>
+          <a:fontRef idx="minor">
+            <a:schemeClr val="lt1"/>
+          </a:fontRef>
+        </p:style>
+        <p:txBody>
+          <a:bodyPr rtlCol="0" anchor="ctr"/>
+          <a:lstStyle/>
+          <a:p>
+            <a:pPr algn="ctr"/>
+          </a:p>
+        </p:txBody>
+      </p:sp>
+      <p:sp>
+        <p:nvSpPr>
+          <p:cNvPr id="5" name="Rectangle 4"/>
+          <p:cNvSpPr/>
+          <p:nvPr/>
+        </p:nvSpPr>
+        <p:spPr>
+          <a:xfrm>
+            <a:off x="1181100" y="1038225"/>
+            <a:ext cx="5486400" cy="1152525"/>
+          </a:xfrm>
+          <a:prstGeom prst="rect">
+            <a:avLst/>
+          </a:prstGeom>
+          <a:solidFill>
+            <a:srgbClr val="FFFFFF"/>
+          </a:solidFill>
+          <a:ln>
+            <a:noFill/>
+          </a:ln>
+          <a:effectLst/>
+        </p:spPr>
+        <p:style>
+          <a:lnRef idx="1">
+            <a:schemeClr val="accent1"/>
+          </a:lnRef>
+          <a:fillRef idx="3">
+            <a:schemeClr val="accent1"/>
+          </a:fillRef>
+          <a:effectRef idx="2">
+            <a:schemeClr val="accent1"/>
+          </a:effectRef>
+          <a:fontRef idx="minor">
+            <a:schemeClr val="lt1"/>
+          </a:fontRef>
+        </p:style>
+        <p:txBody>
+          <a:bodyPr rtlCol="0" anchor="ctr"/>
+          <a:lstStyle/>
+          <a:p>
+            <a:pPr algn="ctr"/>
+          </a:p>
+        </p:txBody>
+      </p:sp>
+      <p:sp>
+        <p:nvSpPr>
+          <p:cNvPr id="6" name="Rectangle 5"/>
+          <p:cNvSpPr/>
+          <p:nvPr/>
+        </p:nvSpPr>
+        <p:spPr>
+          <a:xfrm>
+            <a:off x="6838950" y="1038225"/>
+            <a:ext cx="571500" cy="723900"/>
+          </a:xfrm>
+          <a:prstGeom prst="rect">
+            <a:avLst/>
+          </a:prstGeom>
+          <a:solidFill>
+            <a:srgbClr val="FFFFFF"/>
+          </a:solidFill>
+          <a:ln>
+            <a:noFill/>
+          </a:ln>
+          <a:effectLst/>
+        </p:spPr>
+        <p:style>
+          <a:lnRef idx="1">
+            <a:schemeClr val="accent1"/>
+          </a:lnRef>
+          <a:fillRef idx="3">
+            <a:schemeClr val="accent1"/>
+          </a:fillRef>
+          <a:effectRef idx="2">
+            <a:schemeClr val="accent1"/>
+          </a:effectRef>
+          <a:fontRef idx="minor">
+            <a:schemeClr val="lt1"/>
+          </a:fontRef>
+        </p:style>
+        <p:txBody>
+          <a:bodyPr rtlCol="0" anchor="ctr"/>
+          <a:lstStyle/>
+          <a:p>
+            <a:pPr algn="ctr"/>
+          </a:p>
+        </p:txBody>
+      </p:sp>
+      <p:sp>
+        <p:nvSpPr>
+          <p:cNvPr id="7" name="Rounded Rectangle 6"/>
+          <p:cNvSpPr/>
+          <p:nvPr/>
+        </p:nvSpPr>
+        <p:spPr>
+          <a:xfrm>
+            <a:off x="2171700" y="2286000"/>
+            <a:ext cx="3467100" cy="1981200"/>
+          </a:xfrm>
+          <a:prstGeom prst="roundRect">
+            <a:avLst>
+              <a:gd name="adj" fmla="val 5769"/>
+            </a:avLst>
+          </a:prstGeom>
+          <a:solidFill>
+            <a:srgbClr val="F4F7FA"/>
+          </a:solidFill>
+          <a:ln>
+            <a:noFill/>
+          </a:ln>
+          <a:effectLst/>
+        </p:spPr>
+        <p:style>
+          <a:lnRef idx="1">
+            <a:schemeClr val="accent1"/>
+          </a:lnRef>
+          <a:fillRef idx="3">
+            <a:schemeClr val="accent1"/>
+          </a:fillRef>
+          <a:effectRef idx="2">
+            <a:schemeClr val="accent1"/>
+          </a:effectRef>
+          <a:fontRef idx="minor">
+            <a:schemeClr val="lt1"/>
+          </a:fontRef>
+        </p:style>
+        <p:txBody>
+          <a:bodyPr rtlCol="0" anchor="ctr"/>
+          <a:lstStyle/>
+          <a:p>
+            <a:pPr algn="ctr"/>
+          </a:p>
+        </p:txBody>
+      </p:sp>
+      <p:sp>
+        <p:nvSpPr>
+          <p:cNvPr id="8" name="Rectangle 7"/>
+          <p:cNvSpPr/>
+          <p:nvPr/>
+        </p:nvSpPr>
+        <p:spPr>
+          <a:xfrm>
+            <a:off x="1409700" y="1114425"/>
+            <a:ext cx="5257800" cy="1000125"/>
+          </a:xfrm>
+          <a:prstGeom prst="rect">
+            <a:avLst/>
+          </a:prstGeom>
+          <a:solidFill>
+            <a:srgbClr val="FFFFFF"/>
+          </a:solidFill>
+          <a:ln>
+            <a:noFill/>
+          </a:ln>
+          <a:effectLst/>
+        </p:spPr>
+        <p:style>
+          <a:lnRef idx="1">
+            <a:schemeClr val="accent1"/>
+          </a:lnRef>
+          <a:fillRef idx="3">
+            <a:schemeClr val="accent1"/>
+          </a:fillRef>
+          <a:effectRef idx="2">
+            <a:schemeClr val="accent1"/>
+          </a:effectRef>
+          <a:fontRef idx="minor">
+            <a:schemeClr val="lt1"/>
+          </a:fontRef>
+        </p:style>
+        <p:txBody>
+          <a:bodyPr rtlCol="0" anchor="ctr"/>
+          <a:lstStyle/>
+          <a:p>
+            <a:pPr algn="ctr"/>
+          </a:p>
+        </p:txBody>
+      </p:sp>
+      <p:sp>
+        <p:nvSpPr>
+          <p:cNvPr id="9" name="TextBox 8"/>
           <p:cNvSpPr txBox="1"/>
           <p:nvPr/>
         </p:nvSpPr>
         <p:spPr>
           <a:xfrm>
-            <a:off x="457200" y="1104900"/>
-            <a:ext cx="4267200" cy="609600"/>
+            <a:off x="1409700" y="1114425"/>
+            <a:ext cx="5257800" cy="1000125"/>
+          </a:xfrm>
+          <a:prstGeom prst="rect">
+            <a:avLst/>
+          </a:prstGeom>
+          <a:noFill/>
+          <a:ln>
+            <a:noFill/>
+          </a:ln>
+          <a:effectLst/>
+        </p:spPr>
+        <p:txBody>
+          <a:bodyPr wrap="square" anchor="t" lIns="381000" rIns="0" tIns="0" bIns="0">
+            <a:spAutoFit/>
+          </a:bodyPr>
+          <a:lstStyle/>
+          <a:p>
+            <a:pPr>
+              <a:lnSpc>
+                <a:spcPct val="115000"/>
+              </a:lnSpc>
+              <a:spcAft>
+                <a:spcPts val="0"/>
+              </a:spcAft>
+            </a:pPr>
+            <a:r>
+              <a:rPr sz="1200">
+                <a:solidFill>
+                  <a:srgbClr val="222222"/>
+                </a:solidFill>
+                <a:latin typeface="Segoe UI"/>
+              </a:rPr>
+              <a:t>1. </a:t>
+            </a:r>
+            <a:r>
+              <a:rPr sz="1200" b="0" i="0">
+                <a:solidFill>
+                  <a:srgbClr val="222222"/>
+                </a:solidFill>
+                <a:latin typeface="Segoe UI"/>
+              </a:rPr>
+              <a:t>ACME Inc. shares at </a:t>
+            </a:r>
+            <a:r>
+              <a:rPr sz="1200" b="1" i="0">
+                <a:solidFill>
+                  <a:srgbClr val="1D5DBF"/>
+                </a:solidFill>
+                <a:latin typeface="Segoe UI"/>
+              </a:rPr>
+              <a:t>$10</a:t>
+            </a:r>
+            <a:r>
+              <a:rPr sz="1200" b="0" i="0">
+                <a:solidFill>
+                  <a:srgbClr val="222222"/>
+                </a:solidFill>
+                <a:latin typeface="Segoe UI"/>
+              </a:rPr>
+              <a:t> per share.</a:t>
+            </a:r>
+          </a:p>
+          <a:p>
+            <a:pPr>
+              <a:lnSpc>
+                <a:spcPct val="115000"/>
+              </a:lnSpc>
+              <a:spcAft>
+                <a:spcPts val="0"/>
+              </a:spcAft>
+            </a:pPr>
+            <a:r>
+              <a:rPr sz="1200">
+                <a:solidFill>
+                  <a:srgbClr val="222222"/>
+                </a:solidFill>
+                <a:latin typeface="Segoe UI"/>
+              </a:rPr>
+              <a:t>2. </a:t>
+            </a:r>
+            <a:r>
+              <a:rPr sz="1200" b="0" i="0">
+                <a:solidFill>
+                  <a:srgbClr val="222222"/>
+                </a:solidFill>
+                <a:latin typeface="Segoe UI"/>
+              </a:rPr>
+              <a:t>Short seller borrows </a:t>
+            </a:r>
+            <a:r>
+              <a:rPr sz="1200" b="1" i="0">
+                <a:solidFill>
+                  <a:srgbClr val="1D5DBF"/>
+                </a:solidFill>
+                <a:latin typeface="Segoe UI"/>
+              </a:rPr>
+              <a:t>100 shares</a:t>
+            </a:r>
+            <a:r>
+              <a:rPr sz="1200" b="0" i="0">
+                <a:solidFill>
+                  <a:srgbClr val="222222"/>
+                </a:solidFill>
+                <a:latin typeface="Segoe UI"/>
+              </a:rPr>
+              <a:t>, sells for </a:t>
+            </a:r>
+            <a:r>
+              <a:rPr sz="1200" b="1" i="0">
+                <a:solidFill>
+                  <a:srgbClr val="1D5DBF"/>
+                </a:solidFill>
+                <a:latin typeface="Segoe UI"/>
+              </a:rPr>
+              <a:t>$1,000</a:t>
+            </a:r>
+            <a:r>
+              <a:rPr sz="1200" b="0" i="0">
+                <a:solidFill>
+                  <a:srgbClr val="222222"/>
+                </a:solidFill>
+                <a:latin typeface="Segoe UI"/>
+              </a:rPr>
+              <a:t>.</a:t>
+            </a:r>
+          </a:p>
+          <a:p>
+            <a:pPr>
+              <a:lnSpc>
+                <a:spcPct val="115000"/>
+              </a:lnSpc>
+              <a:spcAft>
+                <a:spcPts val="0"/>
+              </a:spcAft>
+            </a:pPr>
+            <a:r>
+              <a:rPr sz="1200">
+                <a:solidFill>
+                  <a:srgbClr val="222222"/>
+                </a:solidFill>
+                <a:latin typeface="Segoe UI"/>
+              </a:rPr>
+              <a:t>3. </a:t>
+            </a:r>
+            <a:r>
+              <a:rPr sz="1200" b="0" i="0">
+                <a:solidFill>
+                  <a:srgbClr val="222222"/>
+                </a:solidFill>
+                <a:latin typeface="Segoe UI"/>
+              </a:rPr>
+              <a:t>Price falls to </a:t>
+            </a:r>
+            <a:r>
+              <a:rPr sz="1200" b="1" i="0">
+                <a:solidFill>
+                  <a:srgbClr val="1D5DBF"/>
+                </a:solidFill>
+                <a:latin typeface="Segoe UI"/>
+              </a:rPr>
+              <a:t>$8</a:t>
+            </a:r>
+            <a:r>
+              <a:rPr sz="1200" b="0" i="0">
+                <a:solidFill>
+                  <a:srgbClr val="222222"/>
+                </a:solidFill>
+                <a:latin typeface="Segoe UI"/>
+              </a:rPr>
+              <a:t> per share.</a:t>
+            </a:r>
+          </a:p>
+          <a:p>
+            <a:pPr>
+              <a:lnSpc>
+                <a:spcPct val="115000"/>
+              </a:lnSpc>
+              <a:spcAft>
+                <a:spcPts val="0"/>
+              </a:spcAft>
+            </a:pPr>
+            <a:r>
+              <a:rPr sz="1200">
+                <a:solidFill>
+                  <a:srgbClr val="222222"/>
+                </a:solidFill>
+                <a:latin typeface="Segoe UI"/>
+              </a:rPr>
+              <a:t>4. </a:t>
+            </a:r>
+            <a:r>
+              <a:rPr sz="1200" b="0" i="0">
+                <a:solidFill>
+                  <a:srgbClr val="222222"/>
+                </a:solidFill>
+                <a:latin typeface="Segoe UI"/>
+              </a:rPr>
+              <a:t>Buys 100 shares for </a:t>
+            </a:r>
+            <a:r>
+              <a:rPr sz="1200" b="1" i="0">
+                <a:solidFill>
+                  <a:srgbClr val="1D5DBF"/>
+                </a:solidFill>
+                <a:latin typeface="Segoe UI"/>
+              </a:rPr>
+              <a:t>$800</a:t>
+            </a:r>
+            <a:r>
+              <a:rPr sz="1200" b="0" i="0">
+                <a:solidFill>
+                  <a:srgbClr val="222222"/>
+                </a:solidFill>
+                <a:latin typeface="Segoe UI"/>
+              </a:rPr>
+              <a:t> to cover.</a:t>
+            </a:r>
+          </a:p>
+          <a:p>
+            <a:pPr>
+              <a:lnSpc>
+                <a:spcPct val="115000"/>
+              </a:lnSpc>
+              <a:spcAft>
+                <a:spcPts val="0"/>
+              </a:spcAft>
+            </a:pPr>
+            <a:r>
+              <a:rPr sz="1200">
+                <a:solidFill>
+                  <a:srgbClr val="222222"/>
+                </a:solidFill>
+                <a:latin typeface="Segoe UI"/>
+              </a:rPr>
+              <a:t>5. </a:t>
+            </a:r>
+            <a:r>
+              <a:rPr sz="1200" b="0" i="0">
+                <a:solidFill>
+                  <a:srgbClr val="222222"/>
+                </a:solidFill>
+                <a:latin typeface="Segoe UI"/>
+              </a:rPr>
+              <a:t>Returns shares to lender. </a:t>
+            </a:r>
+            <a:r>
+              <a:rPr sz="1200" b="1" i="0">
+                <a:solidFill>
+                  <a:srgbClr val="43B57C"/>
+                </a:solidFill>
+                <a:latin typeface="Segoe UI"/>
+              </a:rPr>
+              <a:t>Profit: $200 (minus fees)</a:t>
+            </a:r>
+          </a:p>
+        </p:txBody>
+      </p:sp>
+      <p:sp>
+        <p:nvSpPr>
+          <p:cNvPr id="10" name="Rectangle 9"/>
+          <p:cNvSpPr/>
+          <p:nvPr/>
+        </p:nvSpPr>
+        <p:spPr>
+          <a:xfrm>
+            <a:off x="400050" y="304800"/>
+            <a:ext cx="7010400" cy="485775"/>
+          </a:xfrm>
+          <a:prstGeom prst="rect">
+            <a:avLst/>
+          </a:prstGeom>
+          <a:solidFill>
+            <a:srgbClr val="FFFFFF"/>
+          </a:solidFill>
+          <a:ln>
+            <a:noFill/>
+          </a:ln>
+          <a:effectLst/>
+        </p:spPr>
+        <p:style>
+          <a:lnRef idx="1">
+            <a:schemeClr val="accent1"/>
+          </a:lnRef>
+          <a:fillRef idx="3">
+            <a:schemeClr val="accent1"/>
+          </a:fillRef>
+          <a:effectRef idx="2">
+            <a:schemeClr val="accent1"/>
+          </a:effectRef>
+          <a:fontRef idx="minor">
+            <a:schemeClr val="lt1"/>
+          </a:fontRef>
+        </p:style>
+        <p:txBody>
+          <a:bodyPr rtlCol="0" anchor="ctr"/>
+          <a:lstStyle/>
+          <a:p>
+            <a:pPr algn="ctr"/>
+          </a:p>
+        </p:txBody>
+      </p:sp>
+      <p:sp>
+        <p:nvSpPr>
+          <p:cNvPr id="11" name="TextBox 10"/>
+          <p:cNvSpPr txBox="1"/>
+          <p:nvPr/>
+        </p:nvSpPr>
+        <p:spPr>
+          <a:xfrm>
+            <a:off x="400050" y="304800"/>
+            <a:ext cx="7010400" cy="485775"/>
+          </a:xfrm>
+          <a:prstGeom prst="rect">
+            <a:avLst/>
+          </a:prstGeom>
+          <a:noFill/>
+          <a:ln>
+            <a:noFill/>
+          </a:ln>
+          <a:effectLst/>
+        </p:spPr>
+        <p:txBody>
+          <a:bodyPr wrap="square" anchor="t" lIns="0" rIns="0" tIns="0" bIns="0">
+            <a:spAutoFit/>
+          </a:bodyPr>
+          <a:lstStyle/>
+          <a:p>
+            <a:pPr algn="l"/>
+            <a:r>
+              <a:rPr sz="2800" b="1" i="0">
+                <a:solidFill>
+                  <a:srgbClr val="14233A"/>
+                </a:solidFill>
+                <a:latin typeface="Segoe UI"/>
+              </a:rPr>
+              <a:t>Worked Example: Profitable Short Sale</a:t>
+            </a:r>
+          </a:p>
+        </p:txBody>
+      </p:sp>
+      <p:sp>
+        <p:nvSpPr>
+          <p:cNvPr id="12" name="Rectangle 11"/>
+          <p:cNvSpPr/>
+          <p:nvPr/>
+        </p:nvSpPr>
+        <p:spPr>
+          <a:xfrm>
+            <a:off x="3033522" y="2400300"/>
+            <a:ext cx="1743266" cy="200025"/>
+          </a:xfrm>
+          <a:prstGeom prst="rect">
+            <a:avLst/>
+          </a:prstGeom>
+          <a:solidFill>
+            <a:srgbClr val="F4F7FA"/>
+          </a:solidFill>
+          <a:ln>
+            <a:noFill/>
+          </a:ln>
+          <a:effectLst/>
+        </p:spPr>
+        <p:style>
+          <a:lnRef idx="1">
+            <a:schemeClr val="accent1"/>
+          </a:lnRef>
+          <a:fillRef idx="3">
+            <a:schemeClr val="accent1"/>
+          </a:fillRef>
+          <a:effectRef idx="2">
+            <a:schemeClr val="accent1"/>
+          </a:effectRef>
+          <a:fontRef idx="minor">
+            <a:schemeClr val="lt1"/>
+          </a:fontRef>
+        </p:style>
+        <p:txBody>
+          <a:bodyPr rtlCol="0" anchor="ctr"/>
+          <a:lstStyle/>
+          <a:p>
+            <a:pPr algn="ctr"/>
+          </a:p>
+        </p:txBody>
+      </p:sp>
+      <p:sp>
+        <p:nvSpPr>
+          <p:cNvPr id="13" name="TextBox 12"/>
+          <p:cNvSpPr txBox="1"/>
+          <p:nvPr/>
+        </p:nvSpPr>
+        <p:spPr>
+          <a:xfrm>
+            <a:off x="3033522" y="2400300"/>
+            <a:ext cx="1743266" cy="200025"/>
           </a:xfrm>
           <a:prstGeom prst="rect">
             <a:avLst/>
@@ -7641,20 +10794,20 @@
           <a:p>
             <a:pPr algn="l"/>
             <a:r>
-              <a:rPr sz="1800" b="1" i="0">
-                <a:solidFill>
-                  <a:srgbClr val="26345C"/>
+              <a:rPr sz="1100" b="0" i="0">
+                <a:solidFill>
+                  <a:srgbClr val="1D5DBF"/>
                 </a:solidFill>
                 <a:latin typeface="Segoe UI"/>
               </a:rPr>
-              <a:t>Physical Shorting: The Role of Fungibility</a:t>
+              <a:t>Share Price vs. Profit/Loss</a:t>
             </a:r>
           </a:p>
         </p:txBody>
       </p:sp>
       <p:pic>
         <p:nvPicPr>
-          <p:cNvPr id="5" name="Picture 4" descr="temp_rounded.png"/>
+          <p:cNvPr id="14" name="Picture 13" descr="temp_image.png"/>
           <p:cNvPicPr>
             <a:picLocks noChangeAspect="1"/>
           </p:cNvPicPr>
@@ -7668,8 +10821,8 @@
         </p:blipFill>
         <p:spPr>
           <a:xfrm>
-            <a:off x="5067300" y="1600200"/>
-            <a:ext cx="3048000" cy="2038350"/>
+            <a:off x="400050" y="1152525"/>
+            <a:ext cx="609600" cy="609600"/>
           </a:xfrm>
           <a:prstGeom prst="rect">
             <a:avLst/>
@@ -7677,301 +10830,31 @@
           <a:effectLst/>
         </p:spPr>
       </p:pic>
-      <p:sp>
-        <p:nvSpPr>
-          <p:cNvPr id="6" name="Rectangle 5"/>
-          <p:cNvSpPr/>
-          <p:nvPr/>
-        </p:nvSpPr>
-        <p:spPr>
-          <a:xfrm>
-            <a:off x="457200" y="1866900"/>
-            <a:ext cx="4267200" cy="1323975"/>
-          </a:xfrm>
-          <a:prstGeom prst="rect">
-            <a:avLst/>
-          </a:prstGeom>
-          <a:solidFill>
-            <a:srgbClr val="FFFFFF"/>
-          </a:solidFill>
-          <a:ln>
-            <a:noFill/>
-          </a:ln>
-          <a:effectLst/>
-        </p:spPr>
-        <p:style>
-          <a:lnRef idx="1">
-            <a:schemeClr val="accent1"/>
-          </a:lnRef>
-          <a:fillRef idx="3">
-            <a:schemeClr val="accent1"/>
-          </a:fillRef>
-          <a:effectRef idx="2">
-            <a:schemeClr val="accent1"/>
-          </a:effectRef>
-          <a:fontRef idx="minor">
-            <a:schemeClr val="lt1"/>
-          </a:fontRef>
-        </p:style>
-        <p:txBody>
-          <a:bodyPr rtlCol="0" anchor="ctr"/>
-          <a:lstStyle/>
-          <a:p>
-            <a:pPr algn="ctr"/>
-          </a:p>
-        </p:txBody>
-      </p:sp>
-      <p:sp>
-        <p:nvSpPr>
-          <p:cNvPr id="7" name="TextBox 6"/>
-          <p:cNvSpPr txBox="1"/>
-          <p:nvPr/>
-        </p:nvSpPr>
-        <p:spPr>
-          <a:xfrm>
-            <a:off x="457200" y="1866900"/>
-            <a:ext cx="4267200" cy="1323975"/>
-          </a:xfrm>
-          <a:prstGeom prst="rect">
-            <a:avLst/>
-          </a:prstGeom>
-          <a:noFill/>
-          <a:ln>
-            <a:noFill/>
-          </a:ln>
-          <a:effectLst/>
-        </p:spPr>
-        <p:txBody>
-          <a:bodyPr wrap="square" anchor="t" lIns="190500" rIns="0" tIns="0" bIns="0">
-            <a:spAutoFit/>
-          </a:bodyPr>
-          <a:lstStyle/>
-          <a:p>
-            <a:pPr>
-              <a:lnSpc>
-                <a:spcPct val="115000"/>
-              </a:lnSpc>
-              <a:spcAft>
-                <a:spcPts val="900"/>
-              </a:spcAft>
-            </a:pPr>
-            <a:r>
-              <a:rPr sz="1200">
-                <a:solidFill>
-                  <a:srgbClr val="384276"/>
-                </a:solidFill>
-                <a:latin typeface="Arial"/>
-              </a:rPr>
-              <a:t>• </a:t>
-            </a:r>
-            <a:r>
-              <a:rPr sz="1200" b="0" i="0">
-                <a:solidFill>
-                  <a:srgbClr val="384276"/>
-                </a:solidFill>
-                <a:latin typeface="Segoe UI"/>
-              </a:rPr>
-              <a:t>Borrowed securities can be returned as any equivalent item, not the exact same one</a:t>
-            </a:r>
-          </a:p>
-          <a:p>
-            <a:pPr>
-              <a:lnSpc>
-                <a:spcPct val="115000"/>
-              </a:lnSpc>
-              <a:spcAft>
-                <a:spcPts val="900"/>
-              </a:spcAft>
-            </a:pPr>
-            <a:r>
-              <a:rPr sz="1200">
-                <a:solidFill>
-                  <a:srgbClr val="384276"/>
-                </a:solidFill>
-                <a:latin typeface="Arial"/>
-              </a:rPr>
-              <a:t>• </a:t>
-            </a:r>
-            <a:r>
-              <a:rPr sz="1200" b="0" i="0">
-                <a:solidFill>
-                  <a:srgbClr val="384276"/>
-                </a:solidFill>
-                <a:latin typeface="Segoe UI"/>
-              </a:rPr>
-              <a:t>Like borrowing $10: any $10 bill can be returned</a:t>
-            </a:r>
-          </a:p>
-          <a:p>
-            <a:pPr>
-              <a:lnSpc>
-                <a:spcPct val="115000"/>
-              </a:lnSpc>
-              <a:spcAft>
-                <a:spcPts val="900"/>
-              </a:spcAft>
-            </a:pPr>
-            <a:r>
-              <a:rPr sz="1200">
-                <a:solidFill>
-                  <a:srgbClr val="384276"/>
-                </a:solidFill>
-                <a:latin typeface="Arial"/>
-              </a:rPr>
-              <a:t>• </a:t>
-            </a:r>
-            <a:r>
-              <a:rPr sz="1200" b="0" i="0">
-                <a:solidFill>
-                  <a:srgbClr val="384276"/>
-                </a:solidFill>
-                <a:latin typeface="Segoe UI"/>
-              </a:rPr>
-              <a:t>Enables efficient short selling in fungible assets</a:t>
-            </a:r>
-          </a:p>
-        </p:txBody>
-      </p:sp>
-      <p:sp>
-        <p:nvSpPr>
-          <p:cNvPr id="8" name="Rounded Rectangle 7"/>
-          <p:cNvSpPr/>
-          <p:nvPr/>
-        </p:nvSpPr>
-        <p:spPr>
-          <a:xfrm>
-            <a:off x="457200" y="3333750"/>
-            <a:ext cx="4267200" cy="628650"/>
-          </a:xfrm>
-          <a:prstGeom prst="roundRect">
-            <a:avLst>
-              <a:gd name="adj" fmla="val 12121"/>
-            </a:avLst>
-          </a:prstGeom>
-          <a:solidFill>
-            <a:srgbClr val="E9ECF6"/>
-          </a:solidFill>
-          <a:ln>
-            <a:noFill/>
-          </a:ln>
-          <a:effectLst/>
-        </p:spPr>
-        <p:style>
-          <a:lnRef idx="1">
-            <a:schemeClr val="accent1"/>
-          </a:lnRef>
-          <a:fillRef idx="3">
-            <a:schemeClr val="accent1"/>
-          </a:fillRef>
-          <a:effectRef idx="2">
-            <a:schemeClr val="accent1"/>
-          </a:effectRef>
-          <a:fontRef idx="minor">
-            <a:schemeClr val="lt1"/>
-          </a:fontRef>
-        </p:style>
-        <p:txBody>
-          <a:bodyPr rtlCol="0" anchor="ctr"/>
-          <a:lstStyle/>
-          <a:p>
-            <a:pPr algn="ctr"/>
-          </a:p>
-        </p:txBody>
-      </p:sp>
-      <p:sp>
-        <p:nvSpPr>
-          <p:cNvPr id="9" name="Rounded Rectangle 8"/>
-          <p:cNvSpPr/>
-          <p:nvPr/>
-        </p:nvSpPr>
-        <p:spPr>
-          <a:xfrm>
-            <a:off x="457200" y="3333750"/>
-            <a:ext cx="47625" cy="628650"/>
-          </a:xfrm>
-          <a:prstGeom prst="roundRect">
-            <a:avLst>
-              <a:gd name="adj" fmla="val 50000"/>
-            </a:avLst>
-          </a:prstGeom>
-          <a:solidFill>
-            <a:srgbClr val="587EF4"/>
-          </a:solidFill>
-          <a:ln>
-            <a:noFill/>
-          </a:ln>
-          <a:effectLst/>
-        </p:spPr>
-        <p:style>
-          <a:lnRef idx="1">
-            <a:schemeClr val="accent1"/>
-          </a:lnRef>
-          <a:fillRef idx="3">
-            <a:schemeClr val="accent1"/>
-          </a:fillRef>
-          <a:effectRef idx="2">
-            <a:schemeClr val="accent1"/>
-          </a:effectRef>
-          <a:fontRef idx="minor">
-            <a:schemeClr val="lt1"/>
-          </a:fontRef>
-        </p:style>
-        <p:txBody>
-          <a:bodyPr rtlCol="0" anchor="ctr"/>
-          <a:lstStyle/>
-          <a:p>
-            <a:pPr algn="ctr"/>
-          </a:p>
-        </p:txBody>
-      </p:sp>
-      <p:sp>
-        <p:nvSpPr>
-          <p:cNvPr id="10" name="TextBox 9"/>
-          <p:cNvSpPr txBox="1"/>
-          <p:nvPr/>
-        </p:nvSpPr>
-        <p:spPr>
-          <a:xfrm>
-            <a:off x="457200" y="3333750"/>
-            <a:ext cx="4267200" cy="628650"/>
-          </a:xfrm>
-          <a:prstGeom prst="rect">
-            <a:avLst/>
-          </a:prstGeom>
-          <a:noFill/>
-          <a:ln>
-            <a:noFill/>
-          </a:ln>
-          <a:effectLst/>
-        </p:spPr>
-        <p:txBody>
-          <a:bodyPr wrap="square" anchor="ctr" lIns="171450" rIns="171450" tIns="114300" bIns="114300">
-            <a:spAutoFit/>
-          </a:bodyPr>
-          <a:lstStyle/>
-          <a:p>
-            <a:pPr algn="l"/>
-            <a:r>
-              <a:rPr sz="1200" b="1" i="0">
-                <a:solidFill>
-                  <a:srgbClr val="26345C"/>
-                </a:solidFill>
-                <a:latin typeface="Segoe UI"/>
-              </a:rPr>
-              <a:t>Potential Loss:</a:t>
-            </a:r>
-            <a:r>
-              <a:rPr sz="1200" b="0" i="0">
-                <a:solidFill>
-                  <a:srgbClr val="26345C"/>
-                </a:solidFill>
-                <a:latin typeface="Segoe UI"/>
-              </a:rPr>
-              <a:t> Since prices can rise indefinitely, losses are theoretically unlimited.</a:t>
-            </a:r>
-          </a:p>
-        </p:txBody>
-      </p:sp>
+      <p:pic>
+        <p:nvPicPr>
+          <p:cNvPr id="15" name="Picture 14" descr="temp_image.png"/>
+          <p:cNvPicPr>
+            <a:picLocks noChangeAspect="1"/>
+          </p:cNvPicPr>
+          <p:nvPr/>
+        </p:nvPicPr>
+        <p:blipFill>
+          <a:blip r:embed="rId3"/>
+          <a:stretch>
+            <a:fillRect/>
+          </a:stretch>
+        </p:blipFill>
+        <p:spPr>
+          <a:xfrm>
+            <a:off x="6838950" y="1152525"/>
+            <a:ext cx="571500" cy="571500"/>
+          </a:xfrm>
+          <a:prstGeom prst="rect">
+            <a:avLst/>
+          </a:prstGeom>
+          <a:effectLst/>
+        </p:spPr>
+      </p:pic>
     </p:spTree>
   </p:cSld>
   <p:clrMapOvr>
